--- a/project/結果報告.pptx
+++ b/project/結果報告.pptx
@@ -1,12 +1,28 @@
 
 <file path=ppt/presentation.xml><?xml version="1.0" encoding="utf-8"?>
-<p:presentation xmlns:a="http://schemas.openxmlformats.org/drawingml/2006/main" xmlns:r="http://schemas.openxmlformats.org/officeDocument/2006/relationships" xmlns:p="http://schemas.openxmlformats.org/presentationml/2006/main" saveSubsetFonts="1">
+<p:presentation xmlns:a="http://schemas.openxmlformats.org/drawingml/2006/main" xmlns:r="http://schemas.openxmlformats.org/officeDocument/2006/relationships" xmlns:p="http://schemas.openxmlformats.org/presentationml/2006/main" saveSubsetFonts="1" autoCompressPictures="0">
   <p:sldMasterIdLst>
-    <p:sldMasterId id="2147483648" r:id="rId1"/>
+    <p:sldMasterId id="2147483729" r:id="rId1"/>
   </p:sldMasterIdLst>
+  <p:notesMasterIdLst>
+    <p:notesMasterId r:id="rId17"/>
+  </p:notesMasterIdLst>
   <p:sldIdLst>
-    <p:sldId id="256" r:id="rId2"/>
-    <p:sldId id="257" r:id="rId3"/>
+    <p:sldId id="291" r:id="rId2"/>
+    <p:sldId id="284" r:id="rId3"/>
+    <p:sldId id="298" r:id="rId4"/>
+    <p:sldId id="305" r:id="rId5"/>
+    <p:sldId id="299" r:id="rId6"/>
+    <p:sldId id="292" r:id="rId7"/>
+    <p:sldId id="293" r:id="rId8"/>
+    <p:sldId id="294" r:id="rId9"/>
+    <p:sldId id="300" r:id="rId10"/>
+    <p:sldId id="295" r:id="rId11"/>
+    <p:sldId id="306" r:id="rId12"/>
+    <p:sldId id="296" r:id="rId13"/>
+    <p:sldId id="297" r:id="rId14"/>
+    <p:sldId id="307" r:id="rId15"/>
+    <p:sldId id="301" r:id="rId16"/>
   </p:sldIdLst>
   <p:sldSz cx="12192000" cy="6858000"/>
   <p:notesSz cx="6858000" cy="9144000"/>
@@ -105,7 +121,361 @@
       </a:defRPr>
     </a:lvl9pPr>
   </p:defaultTextStyle>
+  <p:extLst>
+    <p:ext uri="{EFAFB233-063F-42B5-8137-9DF3F51BA10A}">
+      <p15:sldGuideLst xmlns:p15="http://schemas.microsoft.com/office/powerpoint/2012/main"/>
+    </p:ext>
+  </p:extLst>
 </p:presentation>
+</file>
+
+<file path=ppt/notesMasters/notesMaster1.xml><?xml version="1.0" encoding="utf-8"?>
+<p:notesMaster xmlns:a="http://schemas.openxmlformats.org/drawingml/2006/main" xmlns:r="http://schemas.openxmlformats.org/officeDocument/2006/relationships" xmlns:p="http://schemas.openxmlformats.org/presentationml/2006/main">
+  <p:cSld>
+    <p:bg>
+      <p:bgRef idx="1001">
+        <a:schemeClr val="bg1"/>
+      </p:bgRef>
+    </p:bg>
+    <p:spTree>
+      <p:nvGrpSpPr>
+        <p:cNvPr id="1" name=""/>
+        <p:cNvGrpSpPr/>
+        <p:nvPr/>
+      </p:nvGrpSpPr>
+      <p:grpSpPr>
+        <a:xfrm>
+          <a:off x="0" y="0"/>
+          <a:ext cx="0" cy="0"/>
+          <a:chOff x="0" y="0"/>
+          <a:chExt cx="0" cy="0"/>
+        </a:xfrm>
+      </p:grpSpPr>
+      <p:sp>
+        <p:nvSpPr>
+          <p:cNvPr id="2" name="頁首版面配置區 1"/>
+          <p:cNvSpPr>
+            <a:spLocks noGrp="1"/>
+          </p:cNvSpPr>
+          <p:nvPr>
+            <p:ph type="hdr" sz="quarter"/>
+          </p:nvPr>
+        </p:nvSpPr>
+        <p:spPr>
+          <a:xfrm>
+            <a:off x="0" y="0"/>
+            <a:ext cx="2971800" cy="458788"/>
+          </a:xfrm>
+          <a:prstGeom prst="rect">
+            <a:avLst/>
+          </a:prstGeom>
+        </p:spPr>
+        <p:txBody>
+          <a:bodyPr vert="horz" lIns="91440" tIns="45720" rIns="91440" bIns="45720" rtlCol="0"/>
+          <a:lstStyle>
+            <a:lvl1pPr algn="l">
+              <a:defRPr sz="1200"/>
+            </a:lvl1pPr>
+          </a:lstStyle>
+          <a:p>
+            <a:endParaRPr kumimoji="1" lang="zh-TW" altLang="en-US"/>
+          </a:p>
+        </p:txBody>
+      </p:sp>
+      <p:sp>
+        <p:nvSpPr>
+          <p:cNvPr id="3" name="日期版面配置區 2"/>
+          <p:cNvSpPr>
+            <a:spLocks noGrp="1"/>
+          </p:cNvSpPr>
+          <p:nvPr>
+            <p:ph type="dt" idx="1"/>
+          </p:nvPr>
+        </p:nvSpPr>
+        <p:spPr>
+          <a:xfrm>
+            <a:off x="3884613" y="0"/>
+            <a:ext cx="2971800" cy="458788"/>
+          </a:xfrm>
+          <a:prstGeom prst="rect">
+            <a:avLst/>
+          </a:prstGeom>
+        </p:spPr>
+        <p:txBody>
+          <a:bodyPr vert="horz" lIns="91440" tIns="45720" rIns="91440" bIns="45720" rtlCol="0"/>
+          <a:lstStyle>
+            <a:lvl1pPr algn="r">
+              <a:defRPr sz="1200"/>
+            </a:lvl1pPr>
+          </a:lstStyle>
+          <a:p>
+            <a:fld id="{39D7506E-F522-CE48-B080-5B257CB52E94}" type="datetimeFigureOut">
+              <a:rPr kumimoji="1" lang="zh-TW" altLang="en-US" smtClean="0"/>
+              <a:t>2023/5/23</a:t>
+            </a:fld>
+            <a:endParaRPr kumimoji="1" lang="zh-TW" altLang="en-US"/>
+          </a:p>
+        </p:txBody>
+      </p:sp>
+      <p:sp>
+        <p:nvSpPr>
+          <p:cNvPr id="4" name="投影片影像版面配置區 3"/>
+          <p:cNvSpPr>
+            <a:spLocks noGrp="1" noRot="1" noChangeAspect="1"/>
+          </p:cNvSpPr>
+          <p:nvPr>
+            <p:ph type="sldImg" idx="2"/>
+          </p:nvPr>
+        </p:nvSpPr>
+        <p:spPr>
+          <a:xfrm>
+            <a:off x="685800" y="1143000"/>
+            <a:ext cx="5486400" cy="3086100"/>
+          </a:xfrm>
+          <a:prstGeom prst="rect">
+            <a:avLst/>
+          </a:prstGeom>
+          <a:noFill/>
+          <a:ln w="12700">
+            <a:solidFill>
+              <a:prstClr val="black"/>
+            </a:solidFill>
+          </a:ln>
+        </p:spPr>
+        <p:txBody>
+          <a:bodyPr vert="horz" lIns="91440" tIns="45720" rIns="91440" bIns="45720" rtlCol="0" anchor="ctr"/>
+          <a:lstStyle/>
+          <a:p>
+            <a:endParaRPr lang="zh-TW" altLang="en-US"/>
+          </a:p>
+        </p:txBody>
+      </p:sp>
+      <p:sp>
+        <p:nvSpPr>
+          <p:cNvPr id="5" name="備忘稿版面配置區 4"/>
+          <p:cNvSpPr>
+            <a:spLocks noGrp="1"/>
+          </p:cNvSpPr>
+          <p:nvPr>
+            <p:ph type="body" sz="quarter" idx="3"/>
+          </p:nvPr>
+        </p:nvSpPr>
+        <p:spPr>
+          <a:xfrm>
+            <a:off x="685800" y="4400550"/>
+            <a:ext cx="5486400" cy="3600450"/>
+          </a:xfrm>
+          <a:prstGeom prst="rect">
+            <a:avLst/>
+          </a:prstGeom>
+        </p:spPr>
+        <p:txBody>
+          <a:bodyPr vert="horz" lIns="91440" tIns="45720" rIns="91440" bIns="45720" rtlCol="0"/>
+          <a:lstStyle/>
+          <a:p>
+            <a:pPr lvl="0"/>
+            <a:r>
+              <a:rPr kumimoji="1" lang="zh-TW" altLang="en-US"/>
+              <a:t>按一下以編輯母片文字樣式</a:t>
+            </a:r>
+          </a:p>
+          <a:p>
+            <a:pPr lvl="1"/>
+            <a:r>
+              <a:rPr kumimoji="1" lang="zh-TW" altLang="en-US"/>
+              <a:t>第二層</a:t>
+            </a:r>
+          </a:p>
+          <a:p>
+            <a:pPr lvl="2"/>
+            <a:r>
+              <a:rPr kumimoji="1" lang="zh-TW" altLang="en-US"/>
+              <a:t>第三層</a:t>
+            </a:r>
+          </a:p>
+          <a:p>
+            <a:pPr lvl="3"/>
+            <a:r>
+              <a:rPr kumimoji="1" lang="zh-TW" altLang="en-US"/>
+              <a:t>第四層</a:t>
+            </a:r>
+          </a:p>
+          <a:p>
+            <a:pPr lvl="4"/>
+            <a:r>
+              <a:rPr kumimoji="1" lang="zh-TW" altLang="en-US"/>
+              <a:t>第五層</a:t>
+            </a:r>
+          </a:p>
+        </p:txBody>
+      </p:sp>
+      <p:sp>
+        <p:nvSpPr>
+          <p:cNvPr id="6" name="頁尾版面配置區 5"/>
+          <p:cNvSpPr>
+            <a:spLocks noGrp="1"/>
+          </p:cNvSpPr>
+          <p:nvPr>
+            <p:ph type="ftr" sz="quarter" idx="4"/>
+          </p:nvPr>
+        </p:nvSpPr>
+        <p:spPr>
+          <a:xfrm>
+            <a:off x="0" y="8685213"/>
+            <a:ext cx="2971800" cy="458787"/>
+          </a:xfrm>
+          <a:prstGeom prst="rect">
+            <a:avLst/>
+          </a:prstGeom>
+        </p:spPr>
+        <p:txBody>
+          <a:bodyPr vert="horz" lIns="91440" tIns="45720" rIns="91440" bIns="45720" rtlCol="0" anchor="b"/>
+          <a:lstStyle>
+            <a:lvl1pPr algn="l">
+              <a:defRPr sz="1200"/>
+            </a:lvl1pPr>
+          </a:lstStyle>
+          <a:p>
+            <a:endParaRPr kumimoji="1" lang="zh-TW" altLang="en-US"/>
+          </a:p>
+        </p:txBody>
+      </p:sp>
+      <p:sp>
+        <p:nvSpPr>
+          <p:cNvPr id="7" name="投影片編號版面配置區 6"/>
+          <p:cNvSpPr>
+            <a:spLocks noGrp="1"/>
+          </p:cNvSpPr>
+          <p:nvPr>
+            <p:ph type="sldNum" sz="quarter" idx="5"/>
+          </p:nvPr>
+        </p:nvSpPr>
+        <p:spPr>
+          <a:xfrm>
+            <a:off x="3884613" y="8685213"/>
+            <a:ext cx="2971800" cy="458787"/>
+          </a:xfrm>
+          <a:prstGeom prst="rect">
+            <a:avLst/>
+          </a:prstGeom>
+        </p:spPr>
+        <p:txBody>
+          <a:bodyPr vert="horz" lIns="91440" tIns="45720" rIns="91440" bIns="45720" rtlCol="0" anchor="b"/>
+          <a:lstStyle>
+            <a:lvl1pPr algn="r">
+              <a:defRPr sz="1200"/>
+            </a:lvl1pPr>
+          </a:lstStyle>
+          <a:p>
+            <a:fld id="{4D002C88-FAD9-9C4F-BBD3-851847BA84D5}" type="slidenum">
+              <a:rPr kumimoji="1" lang="zh-TW" altLang="en-US" smtClean="0"/>
+              <a:t>‹#›</a:t>
+            </a:fld>
+            <a:endParaRPr kumimoji="1" lang="zh-TW" altLang="en-US"/>
+          </a:p>
+        </p:txBody>
+      </p:sp>
+    </p:spTree>
+    <p:extLst>
+      <p:ext uri="{BB962C8B-B14F-4D97-AF65-F5344CB8AC3E}">
+        <p14:creationId xmlns:p14="http://schemas.microsoft.com/office/powerpoint/2010/main" val="2942666691"/>
+      </p:ext>
+    </p:extLst>
+  </p:cSld>
+  <p:clrMap bg1="lt1" tx1="dk1" bg2="lt2" tx2="dk2" accent1="accent1" accent2="accent2" accent3="accent3" accent4="accent4" accent5="accent5" accent6="accent6" hlink="hlink" folHlink="folHlink"/>
+  <p:notesStyle>
+    <a:lvl1pPr marL="0" algn="l" defTabSz="914400" rtl="0" eaLnBrk="1" latinLnBrk="0" hangingPunct="1">
+      <a:defRPr sz="1200" kern="1200">
+        <a:solidFill>
+          <a:schemeClr val="tx1"/>
+        </a:solidFill>
+        <a:latin typeface="+mn-lt"/>
+        <a:ea typeface="+mn-ea"/>
+        <a:cs typeface="+mn-cs"/>
+      </a:defRPr>
+    </a:lvl1pPr>
+    <a:lvl2pPr marL="457200" algn="l" defTabSz="914400" rtl="0" eaLnBrk="1" latinLnBrk="0" hangingPunct="1">
+      <a:defRPr sz="1200" kern="1200">
+        <a:solidFill>
+          <a:schemeClr val="tx1"/>
+        </a:solidFill>
+        <a:latin typeface="+mn-lt"/>
+        <a:ea typeface="+mn-ea"/>
+        <a:cs typeface="+mn-cs"/>
+      </a:defRPr>
+    </a:lvl2pPr>
+    <a:lvl3pPr marL="914400" algn="l" defTabSz="914400" rtl="0" eaLnBrk="1" latinLnBrk="0" hangingPunct="1">
+      <a:defRPr sz="1200" kern="1200">
+        <a:solidFill>
+          <a:schemeClr val="tx1"/>
+        </a:solidFill>
+        <a:latin typeface="+mn-lt"/>
+        <a:ea typeface="+mn-ea"/>
+        <a:cs typeface="+mn-cs"/>
+      </a:defRPr>
+    </a:lvl3pPr>
+    <a:lvl4pPr marL="1371600" algn="l" defTabSz="914400" rtl="0" eaLnBrk="1" latinLnBrk="0" hangingPunct="1">
+      <a:defRPr sz="1200" kern="1200">
+        <a:solidFill>
+          <a:schemeClr val="tx1"/>
+        </a:solidFill>
+        <a:latin typeface="+mn-lt"/>
+        <a:ea typeface="+mn-ea"/>
+        <a:cs typeface="+mn-cs"/>
+      </a:defRPr>
+    </a:lvl4pPr>
+    <a:lvl5pPr marL="1828800" algn="l" defTabSz="914400" rtl="0" eaLnBrk="1" latinLnBrk="0" hangingPunct="1">
+      <a:defRPr sz="1200" kern="1200">
+        <a:solidFill>
+          <a:schemeClr val="tx1"/>
+        </a:solidFill>
+        <a:latin typeface="+mn-lt"/>
+        <a:ea typeface="+mn-ea"/>
+        <a:cs typeface="+mn-cs"/>
+      </a:defRPr>
+    </a:lvl5pPr>
+    <a:lvl6pPr marL="2286000" algn="l" defTabSz="914400" rtl="0" eaLnBrk="1" latinLnBrk="0" hangingPunct="1">
+      <a:defRPr sz="1200" kern="1200">
+        <a:solidFill>
+          <a:schemeClr val="tx1"/>
+        </a:solidFill>
+        <a:latin typeface="+mn-lt"/>
+        <a:ea typeface="+mn-ea"/>
+        <a:cs typeface="+mn-cs"/>
+      </a:defRPr>
+    </a:lvl6pPr>
+    <a:lvl7pPr marL="2743200" algn="l" defTabSz="914400" rtl="0" eaLnBrk="1" latinLnBrk="0" hangingPunct="1">
+      <a:defRPr sz="1200" kern="1200">
+        <a:solidFill>
+          <a:schemeClr val="tx1"/>
+        </a:solidFill>
+        <a:latin typeface="+mn-lt"/>
+        <a:ea typeface="+mn-ea"/>
+        <a:cs typeface="+mn-cs"/>
+      </a:defRPr>
+    </a:lvl7pPr>
+    <a:lvl8pPr marL="3200400" algn="l" defTabSz="914400" rtl="0" eaLnBrk="1" latinLnBrk="0" hangingPunct="1">
+      <a:defRPr sz="1200" kern="1200">
+        <a:solidFill>
+          <a:schemeClr val="tx1"/>
+        </a:solidFill>
+        <a:latin typeface="+mn-lt"/>
+        <a:ea typeface="+mn-ea"/>
+        <a:cs typeface="+mn-cs"/>
+      </a:defRPr>
+    </a:lvl8pPr>
+    <a:lvl9pPr marL="3657600" algn="l" defTabSz="914400" rtl="0" eaLnBrk="1" latinLnBrk="0" hangingPunct="1">
+      <a:defRPr sz="1200" kern="1200">
+        <a:solidFill>
+          <a:schemeClr val="tx1"/>
+        </a:solidFill>
+        <a:latin typeface="+mn-lt"/>
+        <a:ea typeface="+mn-ea"/>
+        <a:cs typeface="+mn-cs"/>
+      </a:defRPr>
+    </a:lvl9pPr>
+  </p:notesStyle>
+</p:notesMaster>
 </file>
 
 <file path=ppt/slideLayouts/slideLayout1.xml><?xml version="1.0" encoding="utf-8"?>
@@ -130,7 +500,7 @@
           <p:cNvPr id="2" name="標題 1">
             <a:extLst>
               <a:ext uri="{FF2B5EF4-FFF2-40B4-BE49-F238E27FC236}">
-                <a16:creationId xmlns:a16="http://schemas.microsoft.com/office/drawing/2014/main" id="{E9D3C3E5-99C9-BE91-08AA-50BEDC2473D1}"/>
+                <a16:creationId xmlns:a16="http://schemas.microsoft.com/office/drawing/2014/main" id="{829F109B-AC6F-9299-0F98-83EE69C2C276}"/>
               </a:ext>
             </a:extLst>
           </p:cNvPr>
@@ -156,7 +526,7 @@
           </a:lstStyle>
           <a:p>
             <a:r>
-              <a:rPr lang="zh-TW" altLang="en-US"/>
+              <a:rPr kumimoji="1" lang="zh-TW" altLang="en-US"/>
               <a:t>按一下以編輯母片標題樣式</a:t>
             </a:r>
           </a:p>
@@ -167,7 +537,7 @@
           <p:cNvPr id="3" name="副標題 2">
             <a:extLst>
               <a:ext uri="{FF2B5EF4-FFF2-40B4-BE49-F238E27FC236}">
-                <a16:creationId xmlns:a16="http://schemas.microsoft.com/office/drawing/2014/main" id="{EED988F1-4B14-B259-73BA-937847D2998C}"/>
+                <a16:creationId xmlns:a16="http://schemas.microsoft.com/office/drawing/2014/main" id="{108515AA-64D7-5CF8-EDE1-47241AA2ECFE}"/>
               </a:ext>
             </a:extLst>
           </p:cNvPr>
@@ -226,7 +596,7 @@
           </a:lstStyle>
           <a:p>
             <a:r>
-              <a:rPr lang="zh-TW" altLang="en-US"/>
+              <a:rPr kumimoji="1" lang="zh-TW" altLang="en-US"/>
               <a:t>按一下以編輯母片子標題樣式</a:t>
             </a:r>
           </a:p>
@@ -237,7 +607,7 @@
           <p:cNvPr id="4" name="日期版面配置區 3">
             <a:extLst>
               <a:ext uri="{FF2B5EF4-FFF2-40B4-BE49-F238E27FC236}">
-                <a16:creationId xmlns:a16="http://schemas.microsoft.com/office/drawing/2014/main" id="{D39A74B8-A4B1-D394-944E-C81FBD77EC8E}"/>
+                <a16:creationId xmlns:a16="http://schemas.microsoft.com/office/drawing/2014/main" id="{BF235243-D860-9CF8-7B79-08371E4C2AC0}"/>
               </a:ext>
             </a:extLst>
           </p:cNvPr>
@@ -253,11 +623,11 @@
           <a:bodyPr/>
           <a:lstStyle/>
           <a:p>
-            <a:fld id="{0943AB4B-30DF-4172-9BC0-CB10510AEA27}" type="datetimeFigureOut">
-              <a:rPr lang="zh-TW" altLang="en-US" smtClean="0"/>
+            <a:fld id="{B1D491E0-14C9-C843-9DD2-D71F6F3526C4}" type="datetimeFigureOut">
+              <a:rPr kumimoji="1" lang="zh-TW" altLang="en-US" smtClean="0"/>
               <a:t>2023/5/23</a:t>
             </a:fld>
-            <a:endParaRPr lang="zh-TW" altLang="en-US"/>
+            <a:endParaRPr kumimoji="1" lang="zh-TW" altLang="en-US"/>
           </a:p>
         </p:txBody>
       </p:sp>
@@ -266,7 +636,7 @@
           <p:cNvPr id="5" name="頁尾版面配置區 4">
             <a:extLst>
               <a:ext uri="{FF2B5EF4-FFF2-40B4-BE49-F238E27FC236}">
-                <a16:creationId xmlns:a16="http://schemas.microsoft.com/office/drawing/2014/main" id="{E3297B71-B563-44E3-4CBF-F9F720EF67BC}"/>
+                <a16:creationId xmlns:a16="http://schemas.microsoft.com/office/drawing/2014/main" id="{319A4132-47E3-D103-11A6-461EA8CEC235}"/>
               </a:ext>
             </a:extLst>
           </p:cNvPr>
@@ -282,7 +652,7 @@
           <a:bodyPr/>
           <a:lstStyle/>
           <a:p>
-            <a:endParaRPr lang="zh-TW" altLang="en-US"/>
+            <a:endParaRPr kumimoji="1" lang="zh-TW" altLang="en-US"/>
           </a:p>
         </p:txBody>
       </p:sp>
@@ -291,7 +661,7 @@
           <p:cNvPr id="6" name="投影片編號版面配置區 5">
             <a:extLst>
               <a:ext uri="{FF2B5EF4-FFF2-40B4-BE49-F238E27FC236}">
-                <a16:creationId xmlns:a16="http://schemas.microsoft.com/office/drawing/2014/main" id="{FDA8EBDD-A03A-E20D-3071-465E5A160E5C}"/>
+                <a16:creationId xmlns:a16="http://schemas.microsoft.com/office/drawing/2014/main" id="{817B2D16-C7DB-B84D-B645-262FAA758A54}"/>
               </a:ext>
             </a:extLst>
           </p:cNvPr>
@@ -307,18 +677,18 @@
           <a:bodyPr/>
           <a:lstStyle/>
           <a:p>
-            <a:fld id="{114A75B5-19D2-4FD1-9791-EBBC53519ACF}" type="slidenum">
-              <a:rPr lang="zh-TW" altLang="en-US" smtClean="0"/>
+            <a:fld id="{172F2753-FA7D-7348-BD56-5EC7C5DB9863}" type="slidenum">
+              <a:rPr kumimoji="1" lang="zh-TW" altLang="en-US" smtClean="0"/>
               <a:t>‹#›</a:t>
             </a:fld>
-            <a:endParaRPr lang="zh-TW" altLang="en-US"/>
+            <a:endParaRPr kumimoji="1" lang="zh-TW" altLang="en-US"/>
           </a:p>
         </p:txBody>
       </p:sp>
     </p:spTree>
     <p:extLst>
       <p:ext uri="{BB962C8B-B14F-4D97-AF65-F5344CB8AC3E}">
-        <p14:creationId xmlns:p14="http://schemas.microsoft.com/office/powerpoint/2010/main" val="2210950366"/>
+        <p14:creationId xmlns:p14="http://schemas.microsoft.com/office/powerpoint/2010/main" val="303471851"/>
       </p:ext>
     </p:extLst>
   </p:cSld>
@@ -350,7 +720,7 @@
           <p:cNvPr id="2" name="標題 1">
             <a:extLst>
               <a:ext uri="{FF2B5EF4-FFF2-40B4-BE49-F238E27FC236}">
-                <a16:creationId xmlns:a16="http://schemas.microsoft.com/office/drawing/2014/main" id="{E1606300-BD2D-419D-AB24-4A40B2AE1AFE}"/>
+                <a16:creationId xmlns:a16="http://schemas.microsoft.com/office/drawing/2014/main" id="{56EB2006-83FE-1D21-687A-3EA8A63BB26D}"/>
               </a:ext>
             </a:extLst>
           </p:cNvPr>
@@ -367,7 +737,7 @@
           <a:lstStyle/>
           <a:p>
             <a:r>
-              <a:rPr lang="zh-TW" altLang="en-US"/>
+              <a:rPr kumimoji="1" lang="zh-TW" altLang="en-US"/>
               <a:t>按一下以編輯母片標題樣式</a:t>
             </a:r>
           </a:p>
@@ -378,7 +748,7 @@
           <p:cNvPr id="3" name="直排文字版面配置區 2">
             <a:extLst>
               <a:ext uri="{FF2B5EF4-FFF2-40B4-BE49-F238E27FC236}">
-                <a16:creationId xmlns:a16="http://schemas.microsoft.com/office/drawing/2014/main" id="{2DCB3357-35E0-3625-615D-95091CBE5208}"/>
+                <a16:creationId xmlns:a16="http://schemas.microsoft.com/office/drawing/2014/main" id="{A3E054B2-613D-094B-B19E-3C222FF48FE2}"/>
               </a:ext>
             </a:extLst>
           </p:cNvPr>
@@ -396,35 +766,35 @@
           <a:p>
             <a:pPr lvl="0"/>
             <a:r>
-              <a:rPr lang="zh-TW" altLang="en-US"/>
+              <a:rPr kumimoji="1" lang="zh-TW" altLang="en-US"/>
               <a:t>按一下以編輯母片文字樣式</a:t>
             </a:r>
           </a:p>
           <a:p>
             <a:pPr lvl="1"/>
             <a:r>
-              <a:rPr lang="zh-TW" altLang="en-US"/>
+              <a:rPr kumimoji="1" lang="zh-TW" altLang="en-US"/>
               <a:t>第二層</a:t>
             </a:r>
           </a:p>
           <a:p>
             <a:pPr lvl="2"/>
             <a:r>
-              <a:rPr lang="zh-TW" altLang="en-US"/>
+              <a:rPr kumimoji="1" lang="zh-TW" altLang="en-US"/>
               <a:t>第三層</a:t>
             </a:r>
           </a:p>
           <a:p>
             <a:pPr lvl="3"/>
             <a:r>
-              <a:rPr lang="zh-TW" altLang="en-US"/>
+              <a:rPr kumimoji="1" lang="zh-TW" altLang="en-US"/>
               <a:t>第四層</a:t>
             </a:r>
           </a:p>
           <a:p>
             <a:pPr lvl="4"/>
             <a:r>
-              <a:rPr lang="zh-TW" altLang="en-US"/>
+              <a:rPr kumimoji="1" lang="zh-TW" altLang="en-US"/>
               <a:t>第五層</a:t>
             </a:r>
           </a:p>
@@ -435,7 +805,7 @@
           <p:cNvPr id="4" name="日期版面配置區 3">
             <a:extLst>
               <a:ext uri="{FF2B5EF4-FFF2-40B4-BE49-F238E27FC236}">
-                <a16:creationId xmlns:a16="http://schemas.microsoft.com/office/drawing/2014/main" id="{1BC3DFF3-4F42-49A2-9D6E-700E7034C550}"/>
+                <a16:creationId xmlns:a16="http://schemas.microsoft.com/office/drawing/2014/main" id="{803552D0-AEC0-E8F0-45ED-7948E99FDEA9}"/>
               </a:ext>
             </a:extLst>
           </p:cNvPr>
@@ -451,11 +821,11 @@
           <a:bodyPr/>
           <a:lstStyle/>
           <a:p>
-            <a:fld id="{0943AB4B-30DF-4172-9BC0-CB10510AEA27}" type="datetimeFigureOut">
-              <a:rPr lang="zh-TW" altLang="en-US" smtClean="0"/>
+            <a:fld id="{B1D491E0-14C9-C843-9DD2-D71F6F3526C4}" type="datetimeFigureOut">
+              <a:rPr kumimoji="1" lang="zh-TW" altLang="en-US" smtClean="0"/>
               <a:t>2023/5/23</a:t>
             </a:fld>
-            <a:endParaRPr lang="zh-TW" altLang="en-US"/>
+            <a:endParaRPr kumimoji="1" lang="zh-TW" altLang="en-US"/>
           </a:p>
         </p:txBody>
       </p:sp>
@@ -464,7 +834,7 @@
           <p:cNvPr id="5" name="頁尾版面配置區 4">
             <a:extLst>
               <a:ext uri="{FF2B5EF4-FFF2-40B4-BE49-F238E27FC236}">
-                <a16:creationId xmlns:a16="http://schemas.microsoft.com/office/drawing/2014/main" id="{A61A7C25-2423-189C-5E46-B570350FF9AC}"/>
+                <a16:creationId xmlns:a16="http://schemas.microsoft.com/office/drawing/2014/main" id="{91FADD60-44EB-F68B-88AD-9AC9C4F28B94}"/>
               </a:ext>
             </a:extLst>
           </p:cNvPr>
@@ -480,7 +850,7 @@
           <a:bodyPr/>
           <a:lstStyle/>
           <a:p>
-            <a:endParaRPr lang="zh-TW" altLang="en-US"/>
+            <a:endParaRPr kumimoji="1" lang="zh-TW" altLang="en-US"/>
           </a:p>
         </p:txBody>
       </p:sp>
@@ -489,7 +859,7 @@
           <p:cNvPr id="6" name="投影片編號版面配置區 5">
             <a:extLst>
               <a:ext uri="{FF2B5EF4-FFF2-40B4-BE49-F238E27FC236}">
-                <a16:creationId xmlns:a16="http://schemas.microsoft.com/office/drawing/2014/main" id="{ED323473-9C26-73D8-364B-ACEF62E2632A}"/>
+                <a16:creationId xmlns:a16="http://schemas.microsoft.com/office/drawing/2014/main" id="{F6A1973B-D1DF-0998-9483-9A3AEDBD1FEF}"/>
               </a:ext>
             </a:extLst>
           </p:cNvPr>
@@ -505,18 +875,18 @@
           <a:bodyPr/>
           <a:lstStyle/>
           <a:p>
-            <a:fld id="{114A75B5-19D2-4FD1-9791-EBBC53519ACF}" type="slidenum">
-              <a:rPr lang="zh-TW" altLang="en-US" smtClean="0"/>
+            <a:fld id="{172F2753-FA7D-7348-BD56-5EC7C5DB9863}" type="slidenum">
+              <a:rPr kumimoji="1" lang="zh-TW" altLang="en-US" smtClean="0"/>
               <a:t>‹#›</a:t>
             </a:fld>
-            <a:endParaRPr lang="zh-TW" altLang="en-US"/>
+            <a:endParaRPr kumimoji="1" lang="zh-TW" altLang="en-US"/>
           </a:p>
         </p:txBody>
       </p:sp>
     </p:spTree>
     <p:extLst>
       <p:ext uri="{BB962C8B-B14F-4D97-AF65-F5344CB8AC3E}">
-        <p14:creationId xmlns:p14="http://schemas.microsoft.com/office/powerpoint/2010/main" val="4056426194"/>
+        <p14:creationId xmlns:p14="http://schemas.microsoft.com/office/powerpoint/2010/main" val="3176678842"/>
       </p:ext>
     </p:extLst>
   </p:cSld>
@@ -548,7 +918,7 @@
           <p:cNvPr id="2" name="直排標題 1">
             <a:extLst>
               <a:ext uri="{FF2B5EF4-FFF2-40B4-BE49-F238E27FC236}">
-                <a16:creationId xmlns:a16="http://schemas.microsoft.com/office/drawing/2014/main" id="{EC1331BC-4500-322B-3908-EC888C8BA8D7}"/>
+                <a16:creationId xmlns:a16="http://schemas.microsoft.com/office/drawing/2014/main" id="{B05C4D5D-D82F-E6B8-7B66-48D833249585}"/>
               </a:ext>
             </a:extLst>
           </p:cNvPr>
@@ -570,7 +940,7 @@
           <a:lstStyle/>
           <a:p>
             <a:r>
-              <a:rPr lang="zh-TW" altLang="en-US"/>
+              <a:rPr kumimoji="1" lang="zh-TW" altLang="en-US"/>
               <a:t>按一下以編輯母片標題樣式</a:t>
             </a:r>
           </a:p>
@@ -581,7 +951,7 @@
           <p:cNvPr id="3" name="直排文字版面配置區 2">
             <a:extLst>
               <a:ext uri="{FF2B5EF4-FFF2-40B4-BE49-F238E27FC236}">
-                <a16:creationId xmlns:a16="http://schemas.microsoft.com/office/drawing/2014/main" id="{745696D3-7E17-2C3B-0DB3-81774741CA2E}"/>
+                <a16:creationId xmlns:a16="http://schemas.microsoft.com/office/drawing/2014/main" id="{4DD9F26E-EC0A-BDC1-B3BB-248B9799E57F}"/>
               </a:ext>
             </a:extLst>
           </p:cNvPr>
@@ -604,35 +974,35 @@
           <a:p>
             <a:pPr lvl="0"/>
             <a:r>
-              <a:rPr lang="zh-TW" altLang="en-US"/>
+              <a:rPr kumimoji="1" lang="zh-TW" altLang="en-US"/>
               <a:t>按一下以編輯母片文字樣式</a:t>
             </a:r>
           </a:p>
           <a:p>
             <a:pPr lvl="1"/>
             <a:r>
-              <a:rPr lang="zh-TW" altLang="en-US"/>
+              <a:rPr kumimoji="1" lang="zh-TW" altLang="en-US"/>
               <a:t>第二層</a:t>
             </a:r>
           </a:p>
           <a:p>
             <a:pPr lvl="2"/>
             <a:r>
-              <a:rPr lang="zh-TW" altLang="en-US"/>
+              <a:rPr kumimoji="1" lang="zh-TW" altLang="en-US"/>
               <a:t>第三層</a:t>
             </a:r>
           </a:p>
           <a:p>
             <a:pPr lvl="3"/>
             <a:r>
-              <a:rPr lang="zh-TW" altLang="en-US"/>
+              <a:rPr kumimoji="1" lang="zh-TW" altLang="en-US"/>
               <a:t>第四層</a:t>
             </a:r>
           </a:p>
           <a:p>
             <a:pPr lvl="4"/>
             <a:r>
-              <a:rPr lang="zh-TW" altLang="en-US"/>
+              <a:rPr kumimoji="1" lang="zh-TW" altLang="en-US"/>
               <a:t>第五層</a:t>
             </a:r>
           </a:p>
@@ -643,7 +1013,7 @@
           <p:cNvPr id="4" name="日期版面配置區 3">
             <a:extLst>
               <a:ext uri="{FF2B5EF4-FFF2-40B4-BE49-F238E27FC236}">
-                <a16:creationId xmlns:a16="http://schemas.microsoft.com/office/drawing/2014/main" id="{5592D295-3F44-B587-7565-BEA4C3542654}"/>
+                <a16:creationId xmlns:a16="http://schemas.microsoft.com/office/drawing/2014/main" id="{AECA06A2-DDA4-8B32-9A47-2EADF235A068}"/>
               </a:ext>
             </a:extLst>
           </p:cNvPr>
@@ -659,11 +1029,11 @@
           <a:bodyPr/>
           <a:lstStyle/>
           <a:p>
-            <a:fld id="{0943AB4B-30DF-4172-9BC0-CB10510AEA27}" type="datetimeFigureOut">
-              <a:rPr lang="zh-TW" altLang="en-US" smtClean="0"/>
+            <a:fld id="{B1D491E0-14C9-C843-9DD2-D71F6F3526C4}" type="datetimeFigureOut">
+              <a:rPr kumimoji="1" lang="zh-TW" altLang="en-US" smtClean="0"/>
               <a:t>2023/5/23</a:t>
             </a:fld>
-            <a:endParaRPr lang="zh-TW" altLang="en-US"/>
+            <a:endParaRPr kumimoji="1" lang="zh-TW" altLang="en-US"/>
           </a:p>
         </p:txBody>
       </p:sp>
@@ -672,7 +1042,7 @@
           <p:cNvPr id="5" name="頁尾版面配置區 4">
             <a:extLst>
               <a:ext uri="{FF2B5EF4-FFF2-40B4-BE49-F238E27FC236}">
-                <a16:creationId xmlns:a16="http://schemas.microsoft.com/office/drawing/2014/main" id="{EFB9CC25-3734-4438-08D6-63C49F00FED6}"/>
+                <a16:creationId xmlns:a16="http://schemas.microsoft.com/office/drawing/2014/main" id="{6CB2D389-80CC-44C1-8097-69A6B209CCFE}"/>
               </a:ext>
             </a:extLst>
           </p:cNvPr>
@@ -688,7 +1058,7 @@
           <a:bodyPr/>
           <a:lstStyle/>
           <a:p>
-            <a:endParaRPr lang="zh-TW" altLang="en-US"/>
+            <a:endParaRPr kumimoji="1" lang="zh-TW" altLang="en-US"/>
           </a:p>
         </p:txBody>
       </p:sp>
@@ -697,7 +1067,7 @@
           <p:cNvPr id="6" name="投影片編號版面配置區 5">
             <a:extLst>
               <a:ext uri="{FF2B5EF4-FFF2-40B4-BE49-F238E27FC236}">
-                <a16:creationId xmlns:a16="http://schemas.microsoft.com/office/drawing/2014/main" id="{1D7E9DDB-4846-EFB0-86C6-91B558EB0B05}"/>
+                <a16:creationId xmlns:a16="http://schemas.microsoft.com/office/drawing/2014/main" id="{5B5A94CF-C211-C3F8-B372-A9314C44BB12}"/>
               </a:ext>
             </a:extLst>
           </p:cNvPr>
@@ -713,18 +1083,18 @@
           <a:bodyPr/>
           <a:lstStyle/>
           <a:p>
-            <a:fld id="{114A75B5-19D2-4FD1-9791-EBBC53519ACF}" type="slidenum">
-              <a:rPr lang="zh-TW" altLang="en-US" smtClean="0"/>
+            <a:fld id="{172F2753-FA7D-7348-BD56-5EC7C5DB9863}" type="slidenum">
+              <a:rPr kumimoji="1" lang="zh-TW" altLang="en-US" smtClean="0"/>
               <a:t>‹#›</a:t>
             </a:fld>
-            <a:endParaRPr lang="zh-TW" altLang="en-US"/>
+            <a:endParaRPr kumimoji="1" lang="zh-TW" altLang="en-US"/>
           </a:p>
         </p:txBody>
       </p:sp>
     </p:spTree>
     <p:extLst>
       <p:ext uri="{BB962C8B-B14F-4D97-AF65-F5344CB8AC3E}">
-        <p14:creationId xmlns:p14="http://schemas.microsoft.com/office/powerpoint/2010/main" val="423169705"/>
+        <p14:creationId xmlns:p14="http://schemas.microsoft.com/office/powerpoint/2010/main" val="2758236160"/>
       </p:ext>
     </p:extLst>
   </p:cSld>
@@ -756,7 +1126,7 @@
           <p:cNvPr id="2" name="標題 1">
             <a:extLst>
               <a:ext uri="{FF2B5EF4-FFF2-40B4-BE49-F238E27FC236}">
-                <a16:creationId xmlns:a16="http://schemas.microsoft.com/office/drawing/2014/main" id="{D37B29E0-50AC-B249-360C-3D205393A7A6}"/>
+                <a16:creationId xmlns:a16="http://schemas.microsoft.com/office/drawing/2014/main" id="{51EFE9F0-840F-D2BA-C82E-119C4F094715}"/>
               </a:ext>
             </a:extLst>
           </p:cNvPr>
@@ -773,7 +1143,7 @@
           <a:lstStyle/>
           <a:p>
             <a:r>
-              <a:rPr lang="zh-TW" altLang="en-US"/>
+              <a:rPr kumimoji="1" lang="zh-TW" altLang="en-US"/>
               <a:t>按一下以編輯母片標題樣式</a:t>
             </a:r>
           </a:p>
@@ -784,7 +1154,7 @@
           <p:cNvPr id="3" name="內容版面配置區 2">
             <a:extLst>
               <a:ext uri="{FF2B5EF4-FFF2-40B4-BE49-F238E27FC236}">
-                <a16:creationId xmlns:a16="http://schemas.microsoft.com/office/drawing/2014/main" id="{DBDB719A-3DD4-823F-4BAD-C7C539A6EE80}"/>
+                <a16:creationId xmlns:a16="http://schemas.microsoft.com/office/drawing/2014/main" id="{E9ED304D-AF07-824C-913C-0C52E1DFB2F1}"/>
               </a:ext>
             </a:extLst>
           </p:cNvPr>
@@ -802,35 +1172,35 @@
           <a:p>
             <a:pPr lvl="0"/>
             <a:r>
-              <a:rPr lang="zh-TW" altLang="en-US"/>
+              <a:rPr kumimoji="1" lang="zh-TW" altLang="en-US"/>
               <a:t>按一下以編輯母片文字樣式</a:t>
             </a:r>
           </a:p>
           <a:p>
             <a:pPr lvl="1"/>
             <a:r>
-              <a:rPr lang="zh-TW" altLang="en-US"/>
+              <a:rPr kumimoji="1" lang="zh-TW" altLang="en-US"/>
               <a:t>第二層</a:t>
             </a:r>
           </a:p>
           <a:p>
             <a:pPr lvl="2"/>
             <a:r>
-              <a:rPr lang="zh-TW" altLang="en-US"/>
+              <a:rPr kumimoji="1" lang="zh-TW" altLang="en-US"/>
               <a:t>第三層</a:t>
             </a:r>
           </a:p>
           <a:p>
             <a:pPr lvl="3"/>
             <a:r>
-              <a:rPr lang="zh-TW" altLang="en-US"/>
+              <a:rPr kumimoji="1" lang="zh-TW" altLang="en-US"/>
               <a:t>第四層</a:t>
             </a:r>
           </a:p>
           <a:p>
             <a:pPr lvl="4"/>
             <a:r>
-              <a:rPr lang="zh-TW" altLang="en-US"/>
+              <a:rPr kumimoji="1" lang="zh-TW" altLang="en-US"/>
               <a:t>第五層</a:t>
             </a:r>
           </a:p>
@@ -841,7 +1211,7 @@
           <p:cNvPr id="4" name="日期版面配置區 3">
             <a:extLst>
               <a:ext uri="{FF2B5EF4-FFF2-40B4-BE49-F238E27FC236}">
-                <a16:creationId xmlns:a16="http://schemas.microsoft.com/office/drawing/2014/main" id="{D4D370F0-C340-DE89-C6E0-0FA6644E0795}"/>
+                <a16:creationId xmlns:a16="http://schemas.microsoft.com/office/drawing/2014/main" id="{E46F87A3-2A04-4F36-BD3B-7320E0ABC2E2}"/>
               </a:ext>
             </a:extLst>
           </p:cNvPr>
@@ -857,11 +1227,11 @@
           <a:bodyPr/>
           <a:lstStyle/>
           <a:p>
-            <a:fld id="{0943AB4B-30DF-4172-9BC0-CB10510AEA27}" type="datetimeFigureOut">
-              <a:rPr lang="zh-TW" altLang="en-US" smtClean="0"/>
+            <a:fld id="{B1D491E0-14C9-C843-9DD2-D71F6F3526C4}" type="datetimeFigureOut">
+              <a:rPr kumimoji="1" lang="zh-TW" altLang="en-US" smtClean="0"/>
               <a:t>2023/5/23</a:t>
             </a:fld>
-            <a:endParaRPr lang="zh-TW" altLang="en-US"/>
+            <a:endParaRPr kumimoji="1" lang="zh-TW" altLang="en-US"/>
           </a:p>
         </p:txBody>
       </p:sp>
@@ -870,7 +1240,7 @@
           <p:cNvPr id="5" name="頁尾版面配置區 4">
             <a:extLst>
               <a:ext uri="{FF2B5EF4-FFF2-40B4-BE49-F238E27FC236}">
-                <a16:creationId xmlns:a16="http://schemas.microsoft.com/office/drawing/2014/main" id="{74CB309F-F699-A515-CFFD-E9191C2F0D7B}"/>
+                <a16:creationId xmlns:a16="http://schemas.microsoft.com/office/drawing/2014/main" id="{591737B5-958A-2904-227F-A1051F416AD1}"/>
               </a:ext>
             </a:extLst>
           </p:cNvPr>
@@ -886,7 +1256,7 @@
           <a:bodyPr/>
           <a:lstStyle/>
           <a:p>
-            <a:endParaRPr lang="zh-TW" altLang="en-US"/>
+            <a:endParaRPr kumimoji="1" lang="zh-TW" altLang="en-US"/>
           </a:p>
         </p:txBody>
       </p:sp>
@@ -895,7 +1265,7 @@
           <p:cNvPr id="6" name="投影片編號版面配置區 5">
             <a:extLst>
               <a:ext uri="{FF2B5EF4-FFF2-40B4-BE49-F238E27FC236}">
-                <a16:creationId xmlns:a16="http://schemas.microsoft.com/office/drawing/2014/main" id="{FB75F508-8E22-D0DF-30B5-81FAD396B959}"/>
+                <a16:creationId xmlns:a16="http://schemas.microsoft.com/office/drawing/2014/main" id="{A3BFBF28-F11E-8B44-1341-F0A384F5C6AE}"/>
               </a:ext>
             </a:extLst>
           </p:cNvPr>
@@ -911,18 +1281,18 @@
           <a:bodyPr/>
           <a:lstStyle/>
           <a:p>
-            <a:fld id="{114A75B5-19D2-4FD1-9791-EBBC53519ACF}" type="slidenum">
-              <a:rPr lang="zh-TW" altLang="en-US" smtClean="0"/>
+            <a:fld id="{172F2753-FA7D-7348-BD56-5EC7C5DB9863}" type="slidenum">
+              <a:rPr kumimoji="1" lang="zh-TW" altLang="en-US" smtClean="0"/>
               <a:t>‹#›</a:t>
             </a:fld>
-            <a:endParaRPr lang="zh-TW" altLang="en-US"/>
+            <a:endParaRPr kumimoji="1" lang="zh-TW" altLang="en-US"/>
           </a:p>
         </p:txBody>
       </p:sp>
     </p:spTree>
     <p:extLst>
       <p:ext uri="{BB962C8B-B14F-4D97-AF65-F5344CB8AC3E}">
-        <p14:creationId xmlns:p14="http://schemas.microsoft.com/office/powerpoint/2010/main" val="1162068691"/>
+        <p14:creationId xmlns:p14="http://schemas.microsoft.com/office/powerpoint/2010/main" val="152310991"/>
       </p:ext>
     </p:extLst>
   </p:cSld>
@@ -954,7 +1324,7 @@
           <p:cNvPr id="2" name="標題 1">
             <a:extLst>
               <a:ext uri="{FF2B5EF4-FFF2-40B4-BE49-F238E27FC236}">
-                <a16:creationId xmlns:a16="http://schemas.microsoft.com/office/drawing/2014/main" id="{A4AB976A-1744-AB59-3906-3009DF4A1266}"/>
+                <a16:creationId xmlns:a16="http://schemas.microsoft.com/office/drawing/2014/main" id="{D79034AE-85AA-446C-587C-A284AA900547}"/>
               </a:ext>
             </a:extLst>
           </p:cNvPr>
@@ -980,7 +1350,7 @@
           </a:lstStyle>
           <a:p>
             <a:r>
-              <a:rPr lang="zh-TW" altLang="en-US"/>
+              <a:rPr kumimoji="1" lang="zh-TW" altLang="en-US"/>
               <a:t>按一下以編輯母片標題樣式</a:t>
             </a:r>
           </a:p>
@@ -991,7 +1361,7 @@
           <p:cNvPr id="3" name="文字版面配置區 2">
             <a:extLst>
               <a:ext uri="{FF2B5EF4-FFF2-40B4-BE49-F238E27FC236}">
-                <a16:creationId xmlns:a16="http://schemas.microsoft.com/office/drawing/2014/main" id="{788DBC19-3DEF-0139-8306-61C10E9B5D24}"/>
+                <a16:creationId xmlns:a16="http://schemas.microsoft.com/office/drawing/2014/main" id="{84682F1D-139C-8E23-CCC5-82E1286FCB6E}"/>
               </a:ext>
             </a:extLst>
           </p:cNvPr>
@@ -1105,7 +1475,7 @@
           <a:p>
             <a:pPr lvl="0"/>
             <a:r>
-              <a:rPr lang="zh-TW" altLang="en-US"/>
+              <a:rPr kumimoji="1" lang="zh-TW" altLang="en-US"/>
               <a:t>按一下以編輯母片文字樣式</a:t>
             </a:r>
           </a:p>
@@ -1116,7 +1486,7 @@
           <p:cNvPr id="4" name="日期版面配置區 3">
             <a:extLst>
               <a:ext uri="{FF2B5EF4-FFF2-40B4-BE49-F238E27FC236}">
-                <a16:creationId xmlns:a16="http://schemas.microsoft.com/office/drawing/2014/main" id="{CDC6B186-4FD8-7C09-2006-A8AEEBFC7C12}"/>
+                <a16:creationId xmlns:a16="http://schemas.microsoft.com/office/drawing/2014/main" id="{88108DAB-F845-1DA6-CC37-86E11810C695}"/>
               </a:ext>
             </a:extLst>
           </p:cNvPr>
@@ -1132,11 +1502,11 @@
           <a:bodyPr/>
           <a:lstStyle/>
           <a:p>
-            <a:fld id="{0943AB4B-30DF-4172-9BC0-CB10510AEA27}" type="datetimeFigureOut">
-              <a:rPr lang="zh-TW" altLang="en-US" smtClean="0"/>
+            <a:fld id="{B1D491E0-14C9-C843-9DD2-D71F6F3526C4}" type="datetimeFigureOut">
+              <a:rPr kumimoji="1" lang="zh-TW" altLang="en-US" smtClean="0"/>
               <a:t>2023/5/23</a:t>
             </a:fld>
-            <a:endParaRPr lang="zh-TW" altLang="en-US"/>
+            <a:endParaRPr kumimoji="1" lang="zh-TW" altLang="en-US"/>
           </a:p>
         </p:txBody>
       </p:sp>
@@ -1145,7 +1515,7 @@
           <p:cNvPr id="5" name="頁尾版面配置區 4">
             <a:extLst>
               <a:ext uri="{FF2B5EF4-FFF2-40B4-BE49-F238E27FC236}">
-                <a16:creationId xmlns:a16="http://schemas.microsoft.com/office/drawing/2014/main" id="{3021406F-4D57-DE20-1395-CA3146DE30E5}"/>
+                <a16:creationId xmlns:a16="http://schemas.microsoft.com/office/drawing/2014/main" id="{E2B3C82D-0FD2-F5F0-074A-EE7AD5DBDBCE}"/>
               </a:ext>
             </a:extLst>
           </p:cNvPr>
@@ -1161,7 +1531,7 @@
           <a:bodyPr/>
           <a:lstStyle/>
           <a:p>
-            <a:endParaRPr lang="zh-TW" altLang="en-US"/>
+            <a:endParaRPr kumimoji="1" lang="zh-TW" altLang="en-US"/>
           </a:p>
         </p:txBody>
       </p:sp>
@@ -1170,7 +1540,7 @@
           <p:cNvPr id="6" name="投影片編號版面配置區 5">
             <a:extLst>
               <a:ext uri="{FF2B5EF4-FFF2-40B4-BE49-F238E27FC236}">
-                <a16:creationId xmlns:a16="http://schemas.microsoft.com/office/drawing/2014/main" id="{7CBDF6B8-3032-48D1-CEF1-759494CD598C}"/>
+                <a16:creationId xmlns:a16="http://schemas.microsoft.com/office/drawing/2014/main" id="{44BE1618-E7F1-DE1D-C196-E3BD02AD8959}"/>
               </a:ext>
             </a:extLst>
           </p:cNvPr>
@@ -1186,18 +1556,18 @@
           <a:bodyPr/>
           <a:lstStyle/>
           <a:p>
-            <a:fld id="{114A75B5-19D2-4FD1-9791-EBBC53519ACF}" type="slidenum">
-              <a:rPr lang="zh-TW" altLang="en-US" smtClean="0"/>
+            <a:fld id="{172F2753-FA7D-7348-BD56-5EC7C5DB9863}" type="slidenum">
+              <a:rPr kumimoji="1" lang="zh-TW" altLang="en-US" smtClean="0"/>
               <a:t>‹#›</a:t>
             </a:fld>
-            <a:endParaRPr lang="zh-TW" altLang="en-US"/>
+            <a:endParaRPr kumimoji="1" lang="zh-TW" altLang="en-US"/>
           </a:p>
         </p:txBody>
       </p:sp>
     </p:spTree>
     <p:extLst>
       <p:ext uri="{BB962C8B-B14F-4D97-AF65-F5344CB8AC3E}">
-        <p14:creationId xmlns:p14="http://schemas.microsoft.com/office/powerpoint/2010/main" val="56098323"/>
+        <p14:creationId xmlns:p14="http://schemas.microsoft.com/office/powerpoint/2010/main" val="2025885620"/>
       </p:ext>
     </p:extLst>
   </p:cSld>
@@ -1229,7 +1599,7 @@
           <p:cNvPr id="2" name="標題 1">
             <a:extLst>
               <a:ext uri="{FF2B5EF4-FFF2-40B4-BE49-F238E27FC236}">
-                <a16:creationId xmlns:a16="http://schemas.microsoft.com/office/drawing/2014/main" id="{47DDA06D-C884-0213-810B-B1673458F48A}"/>
+                <a16:creationId xmlns:a16="http://schemas.microsoft.com/office/drawing/2014/main" id="{DD9373E8-C221-CCA6-2368-F9F72B9D9329}"/>
               </a:ext>
             </a:extLst>
           </p:cNvPr>
@@ -1246,7 +1616,7 @@
           <a:lstStyle/>
           <a:p>
             <a:r>
-              <a:rPr lang="zh-TW" altLang="en-US"/>
+              <a:rPr kumimoji="1" lang="zh-TW" altLang="en-US"/>
               <a:t>按一下以編輯母片標題樣式</a:t>
             </a:r>
           </a:p>
@@ -1257,7 +1627,7 @@
           <p:cNvPr id="3" name="內容版面配置區 2">
             <a:extLst>
               <a:ext uri="{FF2B5EF4-FFF2-40B4-BE49-F238E27FC236}">
-                <a16:creationId xmlns:a16="http://schemas.microsoft.com/office/drawing/2014/main" id="{AE089910-EA95-380E-9FC6-F5F74200F8FA}"/>
+                <a16:creationId xmlns:a16="http://schemas.microsoft.com/office/drawing/2014/main" id="{63AACA45-A2C6-C900-50AC-14959E518D9A}"/>
               </a:ext>
             </a:extLst>
           </p:cNvPr>
@@ -1280,35 +1650,35 @@
           <a:p>
             <a:pPr lvl="0"/>
             <a:r>
-              <a:rPr lang="zh-TW" altLang="en-US"/>
+              <a:rPr kumimoji="1" lang="zh-TW" altLang="en-US"/>
               <a:t>按一下以編輯母片文字樣式</a:t>
             </a:r>
           </a:p>
           <a:p>
             <a:pPr lvl="1"/>
             <a:r>
-              <a:rPr lang="zh-TW" altLang="en-US"/>
+              <a:rPr kumimoji="1" lang="zh-TW" altLang="en-US"/>
               <a:t>第二層</a:t>
             </a:r>
           </a:p>
           <a:p>
             <a:pPr lvl="2"/>
             <a:r>
-              <a:rPr lang="zh-TW" altLang="en-US"/>
+              <a:rPr kumimoji="1" lang="zh-TW" altLang="en-US"/>
               <a:t>第三層</a:t>
             </a:r>
           </a:p>
           <a:p>
             <a:pPr lvl="3"/>
             <a:r>
-              <a:rPr lang="zh-TW" altLang="en-US"/>
+              <a:rPr kumimoji="1" lang="zh-TW" altLang="en-US"/>
               <a:t>第四層</a:t>
             </a:r>
           </a:p>
           <a:p>
             <a:pPr lvl="4"/>
             <a:r>
-              <a:rPr lang="zh-TW" altLang="en-US"/>
+              <a:rPr kumimoji="1" lang="zh-TW" altLang="en-US"/>
               <a:t>第五層</a:t>
             </a:r>
           </a:p>
@@ -1319,7 +1689,7 @@
           <p:cNvPr id="4" name="內容版面配置區 3">
             <a:extLst>
               <a:ext uri="{FF2B5EF4-FFF2-40B4-BE49-F238E27FC236}">
-                <a16:creationId xmlns:a16="http://schemas.microsoft.com/office/drawing/2014/main" id="{2C6F3F67-8A2E-E6C3-FF96-8BF390AD3F77}"/>
+                <a16:creationId xmlns:a16="http://schemas.microsoft.com/office/drawing/2014/main" id="{C107B103-CCDF-DF26-5A08-B8916BAE3154}"/>
               </a:ext>
             </a:extLst>
           </p:cNvPr>
@@ -1342,35 +1712,35 @@
           <a:p>
             <a:pPr lvl="0"/>
             <a:r>
-              <a:rPr lang="zh-TW" altLang="en-US"/>
+              <a:rPr kumimoji="1" lang="zh-TW" altLang="en-US"/>
               <a:t>按一下以編輯母片文字樣式</a:t>
             </a:r>
           </a:p>
           <a:p>
             <a:pPr lvl="1"/>
             <a:r>
-              <a:rPr lang="zh-TW" altLang="en-US"/>
+              <a:rPr kumimoji="1" lang="zh-TW" altLang="en-US"/>
               <a:t>第二層</a:t>
             </a:r>
           </a:p>
           <a:p>
             <a:pPr lvl="2"/>
             <a:r>
-              <a:rPr lang="zh-TW" altLang="en-US"/>
+              <a:rPr kumimoji="1" lang="zh-TW" altLang="en-US"/>
               <a:t>第三層</a:t>
             </a:r>
           </a:p>
           <a:p>
             <a:pPr lvl="3"/>
             <a:r>
-              <a:rPr lang="zh-TW" altLang="en-US"/>
+              <a:rPr kumimoji="1" lang="zh-TW" altLang="en-US"/>
               <a:t>第四層</a:t>
             </a:r>
           </a:p>
           <a:p>
             <a:pPr lvl="4"/>
             <a:r>
-              <a:rPr lang="zh-TW" altLang="en-US"/>
+              <a:rPr kumimoji="1" lang="zh-TW" altLang="en-US"/>
               <a:t>第五層</a:t>
             </a:r>
           </a:p>
@@ -1381,7 +1751,7 @@
           <p:cNvPr id="5" name="日期版面配置區 4">
             <a:extLst>
               <a:ext uri="{FF2B5EF4-FFF2-40B4-BE49-F238E27FC236}">
-                <a16:creationId xmlns:a16="http://schemas.microsoft.com/office/drawing/2014/main" id="{0185ABEC-7FD1-168F-27DB-AF3F8006AA4E}"/>
+                <a16:creationId xmlns:a16="http://schemas.microsoft.com/office/drawing/2014/main" id="{DF7CB6AF-97F7-B451-5740-96E250C2E584}"/>
               </a:ext>
             </a:extLst>
           </p:cNvPr>
@@ -1397,11 +1767,11 @@
           <a:bodyPr/>
           <a:lstStyle/>
           <a:p>
-            <a:fld id="{0943AB4B-30DF-4172-9BC0-CB10510AEA27}" type="datetimeFigureOut">
-              <a:rPr lang="zh-TW" altLang="en-US" smtClean="0"/>
+            <a:fld id="{B1D491E0-14C9-C843-9DD2-D71F6F3526C4}" type="datetimeFigureOut">
+              <a:rPr kumimoji="1" lang="zh-TW" altLang="en-US" smtClean="0"/>
               <a:t>2023/5/23</a:t>
             </a:fld>
-            <a:endParaRPr lang="zh-TW" altLang="en-US"/>
+            <a:endParaRPr kumimoji="1" lang="zh-TW" altLang="en-US"/>
           </a:p>
         </p:txBody>
       </p:sp>
@@ -1410,7 +1780,7 @@
           <p:cNvPr id="6" name="頁尾版面配置區 5">
             <a:extLst>
               <a:ext uri="{FF2B5EF4-FFF2-40B4-BE49-F238E27FC236}">
-                <a16:creationId xmlns:a16="http://schemas.microsoft.com/office/drawing/2014/main" id="{3BE9AB75-28C9-1109-DC4B-14F93E224018}"/>
+                <a16:creationId xmlns:a16="http://schemas.microsoft.com/office/drawing/2014/main" id="{34251108-690C-D0CA-BC70-0791A453522E}"/>
               </a:ext>
             </a:extLst>
           </p:cNvPr>
@@ -1426,7 +1796,7 @@
           <a:bodyPr/>
           <a:lstStyle/>
           <a:p>
-            <a:endParaRPr lang="zh-TW" altLang="en-US"/>
+            <a:endParaRPr kumimoji="1" lang="zh-TW" altLang="en-US"/>
           </a:p>
         </p:txBody>
       </p:sp>
@@ -1435,7 +1805,7 @@
           <p:cNvPr id="7" name="投影片編號版面配置區 6">
             <a:extLst>
               <a:ext uri="{FF2B5EF4-FFF2-40B4-BE49-F238E27FC236}">
-                <a16:creationId xmlns:a16="http://schemas.microsoft.com/office/drawing/2014/main" id="{12F22B71-6104-5AEF-4A54-45CC3BB578A0}"/>
+                <a16:creationId xmlns:a16="http://schemas.microsoft.com/office/drawing/2014/main" id="{74F2AC88-D233-B625-3207-C09C6226D894}"/>
               </a:ext>
             </a:extLst>
           </p:cNvPr>
@@ -1451,18 +1821,18 @@
           <a:bodyPr/>
           <a:lstStyle/>
           <a:p>
-            <a:fld id="{114A75B5-19D2-4FD1-9791-EBBC53519ACF}" type="slidenum">
-              <a:rPr lang="zh-TW" altLang="en-US" smtClean="0"/>
+            <a:fld id="{172F2753-FA7D-7348-BD56-5EC7C5DB9863}" type="slidenum">
+              <a:rPr kumimoji="1" lang="zh-TW" altLang="en-US" smtClean="0"/>
               <a:t>‹#›</a:t>
             </a:fld>
-            <a:endParaRPr lang="zh-TW" altLang="en-US"/>
+            <a:endParaRPr kumimoji="1" lang="zh-TW" altLang="en-US"/>
           </a:p>
         </p:txBody>
       </p:sp>
     </p:spTree>
     <p:extLst>
       <p:ext uri="{BB962C8B-B14F-4D97-AF65-F5344CB8AC3E}">
-        <p14:creationId xmlns:p14="http://schemas.microsoft.com/office/powerpoint/2010/main" val="4197644063"/>
+        <p14:creationId xmlns:p14="http://schemas.microsoft.com/office/powerpoint/2010/main" val="4201219681"/>
       </p:ext>
     </p:extLst>
   </p:cSld>
@@ -1494,7 +1864,7 @@
           <p:cNvPr id="2" name="標題 1">
             <a:extLst>
               <a:ext uri="{FF2B5EF4-FFF2-40B4-BE49-F238E27FC236}">
-                <a16:creationId xmlns:a16="http://schemas.microsoft.com/office/drawing/2014/main" id="{82D3EB39-5FBF-645A-220C-E5D8DB6BF139}"/>
+                <a16:creationId xmlns:a16="http://schemas.microsoft.com/office/drawing/2014/main" id="{1CBAC890-5E21-9C60-6B12-16947EE369A3}"/>
               </a:ext>
             </a:extLst>
           </p:cNvPr>
@@ -1516,7 +1886,7 @@
           <a:lstStyle/>
           <a:p>
             <a:r>
-              <a:rPr lang="zh-TW" altLang="en-US"/>
+              <a:rPr kumimoji="1" lang="zh-TW" altLang="en-US"/>
               <a:t>按一下以編輯母片標題樣式</a:t>
             </a:r>
           </a:p>
@@ -1527,7 +1897,7 @@
           <p:cNvPr id="3" name="文字版面配置區 2">
             <a:extLst>
               <a:ext uri="{FF2B5EF4-FFF2-40B4-BE49-F238E27FC236}">
-                <a16:creationId xmlns:a16="http://schemas.microsoft.com/office/drawing/2014/main" id="{0C03208F-674C-7F5C-28F8-BFC96760F925}"/>
+                <a16:creationId xmlns:a16="http://schemas.microsoft.com/office/drawing/2014/main" id="{BCFE4B51-3E23-414B-0548-54EEBB42F509}"/>
               </a:ext>
             </a:extLst>
           </p:cNvPr>
@@ -1587,7 +1957,7 @@
           <a:p>
             <a:pPr lvl="0"/>
             <a:r>
-              <a:rPr lang="zh-TW" altLang="en-US"/>
+              <a:rPr kumimoji="1" lang="zh-TW" altLang="en-US"/>
               <a:t>按一下以編輯母片文字樣式</a:t>
             </a:r>
           </a:p>
@@ -1598,7 +1968,7 @@
           <p:cNvPr id="4" name="內容版面配置區 3">
             <a:extLst>
               <a:ext uri="{FF2B5EF4-FFF2-40B4-BE49-F238E27FC236}">
-                <a16:creationId xmlns:a16="http://schemas.microsoft.com/office/drawing/2014/main" id="{BD973745-F7A6-40C5-A89A-15592B94F702}"/>
+                <a16:creationId xmlns:a16="http://schemas.microsoft.com/office/drawing/2014/main" id="{113CADC3-5A82-5F03-7F23-A36FAFBD05B3}"/>
               </a:ext>
             </a:extLst>
           </p:cNvPr>
@@ -1621,35 +1991,35 @@
           <a:p>
             <a:pPr lvl="0"/>
             <a:r>
-              <a:rPr lang="zh-TW" altLang="en-US"/>
+              <a:rPr kumimoji="1" lang="zh-TW" altLang="en-US"/>
               <a:t>按一下以編輯母片文字樣式</a:t>
             </a:r>
           </a:p>
           <a:p>
             <a:pPr lvl="1"/>
             <a:r>
-              <a:rPr lang="zh-TW" altLang="en-US"/>
+              <a:rPr kumimoji="1" lang="zh-TW" altLang="en-US"/>
               <a:t>第二層</a:t>
             </a:r>
           </a:p>
           <a:p>
             <a:pPr lvl="2"/>
             <a:r>
-              <a:rPr lang="zh-TW" altLang="en-US"/>
+              <a:rPr kumimoji="1" lang="zh-TW" altLang="en-US"/>
               <a:t>第三層</a:t>
             </a:r>
           </a:p>
           <a:p>
             <a:pPr lvl="3"/>
             <a:r>
-              <a:rPr lang="zh-TW" altLang="en-US"/>
+              <a:rPr kumimoji="1" lang="zh-TW" altLang="en-US"/>
               <a:t>第四層</a:t>
             </a:r>
           </a:p>
           <a:p>
             <a:pPr lvl="4"/>
             <a:r>
-              <a:rPr lang="zh-TW" altLang="en-US"/>
+              <a:rPr kumimoji="1" lang="zh-TW" altLang="en-US"/>
               <a:t>第五層</a:t>
             </a:r>
           </a:p>
@@ -1660,7 +2030,7 @@
           <p:cNvPr id="5" name="文字版面配置區 4">
             <a:extLst>
               <a:ext uri="{FF2B5EF4-FFF2-40B4-BE49-F238E27FC236}">
-                <a16:creationId xmlns:a16="http://schemas.microsoft.com/office/drawing/2014/main" id="{A3D7319B-1275-59EA-C312-B764BA5C99BC}"/>
+                <a16:creationId xmlns:a16="http://schemas.microsoft.com/office/drawing/2014/main" id="{81AE9414-4B54-1287-0E85-9A3F041A6B4E}"/>
               </a:ext>
             </a:extLst>
           </p:cNvPr>
@@ -1720,7 +2090,7 @@
           <a:p>
             <a:pPr lvl="0"/>
             <a:r>
-              <a:rPr lang="zh-TW" altLang="en-US"/>
+              <a:rPr kumimoji="1" lang="zh-TW" altLang="en-US"/>
               <a:t>按一下以編輯母片文字樣式</a:t>
             </a:r>
           </a:p>
@@ -1731,7 +2101,7 @@
           <p:cNvPr id="6" name="內容版面配置區 5">
             <a:extLst>
               <a:ext uri="{FF2B5EF4-FFF2-40B4-BE49-F238E27FC236}">
-                <a16:creationId xmlns:a16="http://schemas.microsoft.com/office/drawing/2014/main" id="{8998FA6A-27CD-752F-534D-B938444F19EE}"/>
+                <a16:creationId xmlns:a16="http://schemas.microsoft.com/office/drawing/2014/main" id="{C5DA326A-484C-9A4A-6D4E-74AE247A3476}"/>
               </a:ext>
             </a:extLst>
           </p:cNvPr>
@@ -1754,35 +2124,35 @@
           <a:p>
             <a:pPr lvl="0"/>
             <a:r>
-              <a:rPr lang="zh-TW" altLang="en-US"/>
+              <a:rPr kumimoji="1" lang="zh-TW" altLang="en-US"/>
               <a:t>按一下以編輯母片文字樣式</a:t>
             </a:r>
           </a:p>
           <a:p>
             <a:pPr lvl="1"/>
             <a:r>
-              <a:rPr lang="zh-TW" altLang="en-US"/>
+              <a:rPr kumimoji="1" lang="zh-TW" altLang="en-US"/>
               <a:t>第二層</a:t>
             </a:r>
           </a:p>
           <a:p>
             <a:pPr lvl="2"/>
             <a:r>
-              <a:rPr lang="zh-TW" altLang="en-US"/>
+              <a:rPr kumimoji="1" lang="zh-TW" altLang="en-US"/>
               <a:t>第三層</a:t>
             </a:r>
           </a:p>
           <a:p>
             <a:pPr lvl="3"/>
             <a:r>
-              <a:rPr lang="zh-TW" altLang="en-US"/>
+              <a:rPr kumimoji="1" lang="zh-TW" altLang="en-US"/>
               <a:t>第四層</a:t>
             </a:r>
           </a:p>
           <a:p>
             <a:pPr lvl="4"/>
             <a:r>
-              <a:rPr lang="zh-TW" altLang="en-US"/>
+              <a:rPr kumimoji="1" lang="zh-TW" altLang="en-US"/>
               <a:t>第五層</a:t>
             </a:r>
           </a:p>
@@ -1793,7 +2163,7 @@
           <p:cNvPr id="7" name="日期版面配置區 6">
             <a:extLst>
               <a:ext uri="{FF2B5EF4-FFF2-40B4-BE49-F238E27FC236}">
-                <a16:creationId xmlns:a16="http://schemas.microsoft.com/office/drawing/2014/main" id="{FA1E69F4-DF79-C6B3-854A-141913DD0FCA}"/>
+                <a16:creationId xmlns:a16="http://schemas.microsoft.com/office/drawing/2014/main" id="{EDD52DC8-207D-27F4-C4FF-2DE5064A7C65}"/>
               </a:ext>
             </a:extLst>
           </p:cNvPr>
@@ -1809,11 +2179,11 @@
           <a:bodyPr/>
           <a:lstStyle/>
           <a:p>
-            <a:fld id="{0943AB4B-30DF-4172-9BC0-CB10510AEA27}" type="datetimeFigureOut">
-              <a:rPr lang="zh-TW" altLang="en-US" smtClean="0"/>
+            <a:fld id="{B1D491E0-14C9-C843-9DD2-D71F6F3526C4}" type="datetimeFigureOut">
+              <a:rPr kumimoji="1" lang="zh-TW" altLang="en-US" smtClean="0"/>
               <a:t>2023/5/23</a:t>
             </a:fld>
-            <a:endParaRPr lang="zh-TW" altLang="en-US"/>
+            <a:endParaRPr kumimoji="1" lang="zh-TW" altLang="en-US"/>
           </a:p>
         </p:txBody>
       </p:sp>
@@ -1822,7 +2192,7 @@
           <p:cNvPr id="8" name="頁尾版面配置區 7">
             <a:extLst>
               <a:ext uri="{FF2B5EF4-FFF2-40B4-BE49-F238E27FC236}">
-                <a16:creationId xmlns:a16="http://schemas.microsoft.com/office/drawing/2014/main" id="{10D89FF1-45F5-A1B8-9B03-5BA2DF862BCA}"/>
+                <a16:creationId xmlns:a16="http://schemas.microsoft.com/office/drawing/2014/main" id="{02487F91-3B95-D1B0-701C-FEF35DF0CDD8}"/>
               </a:ext>
             </a:extLst>
           </p:cNvPr>
@@ -1838,7 +2208,7 @@
           <a:bodyPr/>
           <a:lstStyle/>
           <a:p>
-            <a:endParaRPr lang="zh-TW" altLang="en-US"/>
+            <a:endParaRPr kumimoji="1" lang="zh-TW" altLang="en-US"/>
           </a:p>
         </p:txBody>
       </p:sp>
@@ -1847,7 +2217,7 @@
           <p:cNvPr id="9" name="投影片編號版面配置區 8">
             <a:extLst>
               <a:ext uri="{FF2B5EF4-FFF2-40B4-BE49-F238E27FC236}">
-                <a16:creationId xmlns:a16="http://schemas.microsoft.com/office/drawing/2014/main" id="{8D55756A-E483-7AB7-98BB-CC3CF3D021D9}"/>
+                <a16:creationId xmlns:a16="http://schemas.microsoft.com/office/drawing/2014/main" id="{29E38C4D-9BB6-CA23-6BA3-3A595BA70A56}"/>
               </a:ext>
             </a:extLst>
           </p:cNvPr>
@@ -1863,18 +2233,18 @@
           <a:bodyPr/>
           <a:lstStyle/>
           <a:p>
-            <a:fld id="{114A75B5-19D2-4FD1-9791-EBBC53519ACF}" type="slidenum">
-              <a:rPr lang="zh-TW" altLang="en-US" smtClean="0"/>
+            <a:fld id="{172F2753-FA7D-7348-BD56-5EC7C5DB9863}" type="slidenum">
+              <a:rPr kumimoji="1" lang="zh-TW" altLang="en-US" smtClean="0"/>
               <a:t>‹#›</a:t>
             </a:fld>
-            <a:endParaRPr lang="zh-TW" altLang="en-US"/>
+            <a:endParaRPr kumimoji="1" lang="zh-TW" altLang="en-US"/>
           </a:p>
         </p:txBody>
       </p:sp>
     </p:spTree>
     <p:extLst>
       <p:ext uri="{BB962C8B-B14F-4D97-AF65-F5344CB8AC3E}">
-        <p14:creationId xmlns:p14="http://schemas.microsoft.com/office/powerpoint/2010/main" val="2740777050"/>
+        <p14:creationId xmlns:p14="http://schemas.microsoft.com/office/powerpoint/2010/main" val="1218854661"/>
       </p:ext>
     </p:extLst>
   </p:cSld>
@@ -1906,7 +2276,7 @@
           <p:cNvPr id="2" name="標題 1">
             <a:extLst>
               <a:ext uri="{FF2B5EF4-FFF2-40B4-BE49-F238E27FC236}">
-                <a16:creationId xmlns:a16="http://schemas.microsoft.com/office/drawing/2014/main" id="{45A9975B-16F9-190F-0744-996DE303FB36}"/>
+                <a16:creationId xmlns:a16="http://schemas.microsoft.com/office/drawing/2014/main" id="{6C7CEFFC-C2FF-7B78-6D9B-940D6240DCDD}"/>
               </a:ext>
             </a:extLst>
           </p:cNvPr>
@@ -1923,7 +2293,7 @@
           <a:lstStyle/>
           <a:p>
             <a:r>
-              <a:rPr lang="zh-TW" altLang="en-US"/>
+              <a:rPr kumimoji="1" lang="zh-TW" altLang="en-US"/>
               <a:t>按一下以編輯母片標題樣式</a:t>
             </a:r>
           </a:p>
@@ -1934,7 +2304,7 @@
           <p:cNvPr id="3" name="日期版面配置區 2">
             <a:extLst>
               <a:ext uri="{FF2B5EF4-FFF2-40B4-BE49-F238E27FC236}">
-                <a16:creationId xmlns:a16="http://schemas.microsoft.com/office/drawing/2014/main" id="{05F1BAA4-A246-3F16-E77D-4E8ED522F116}"/>
+                <a16:creationId xmlns:a16="http://schemas.microsoft.com/office/drawing/2014/main" id="{C3752A43-F84F-F788-AE0D-3227ED560591}"/>
               </a:ext>
             </a:extLst>
           </p:cNvPr>
@@ -1950,11 +2320,11 @@
           <a:bodyPr/>
           <a:lstStyle/>
           <a:p>
-            <a:fld id="{0943AB4B-30DF-4172-9BC0-CB10510AEA27}" type="datetimeFigureOut">
-              <a:rPr lang="zh-TW" altLang="en-US" smtClean="0"/>
+            <a:fld id="{B1D491E0-14C9-C843-9DD2-D71F6F3526C4}" type="datetimeFigureOut">
+              <a:rPr kumimoji="1" lang="zh-TW" altLang="en-US" smtClean="0"/>
               <a:t>2023/5/23</a:t>
             </a:fld>
-            <a:endParaRPr lang="zh-TW" altLang="en-US"/>
+            <a:endParaRPr kumimoji="1" lang="zh-TW" altLang="en-US"/>
           </a:p>
         </p:txBody>
       </p:sp>
@@ -1963,7 +2333,7 @@
           <p:cNvPr id="4" name="頁尾版面配置區 3">
             <a:extLst>
               <a:ext uri="{FF2B5EF4-FFF2-40B4-BE49-F238E27FC236}">
-                <a16:creationId xmlns:a16="http://schemas.microsoft.com/office/drawing/2014/main" id="{DF82C575-4C85-162A-7E89-C7D3753745EB}"/>
+                <a16:creationId xmlns:a16="http://schemas.microsoft.com/office/drawing/2014/main" id="{0F58C6CB-76F7-E9A5-9407-07E8ACDA8BCB}"/>
               </a:ext>
             </a:extLst>
           </p:cNvPr>
@@ -1979,7 +2349,7 @@
           <a:bodyPr/>
           <a:lstStyle/>
           <a:p>
-            <a:endParaRPr lang="zh-TW" altLang="en-US"/>
+            <a:endParaRPr kumimoji="1" lang="zh-TW" altLang="en-US"/>
           </a:p>
         </p:txBody>
       </p:sp>
@@ -1988,7 +2358,7 @@
           <p:cNvPr id="5" name="投影片編號版面配置區 4">
             <a:extLst>
               <a:ext uri="{FF2B5EF4-FFF2-40B4-BE49-F238E27FC236}">
-                <a16:creationId xmlns:a16="http://schemas.microsoft.com/office/drawing/2014/main" id="{A0F1DA1D-9503-2860-813F-8B1840AFF518}"/>
+                <a16:creationId xmlns:a16="http://schemas.microsoft.com/office/drawing/2014/main" id="{82A91306-F074-33DF-1F44-6F26ABE0E081}"/>
               </a:ext>
             </a:extLst>
           </p:cNvPr>
@@ -2004,18 +2374,18 @@
           <a:bodyPr/>
           <a:lstStyle/>
           <a:p>
-            <a:fld id="{114A75B5-19D2-4FD1-9791-EBBC53519ACF}" type="slidenum">
-              <a:rPr lang="zh-TW" altLang="en-US" smtClean="0"/>
+            <a:fld id="{172F2753-FA7D-7348-BD56-5EC7C5DB9863}" type="slidenum">
+              <a:rPr kumimoji="1" lang="zh-TW" altLang="en-US" smtClean="0"/>
               <a:t>‹#›</a:t>
             </a:fld>
-            <a:endParaRPr lang="zh-TW" altLang="en-US"/>
+            <a:endParaRPr kumimoji="1" lang="zh-TW" altLang="en-US"/>
           </a:p>
         </p:txBody>
       </p:sp>
     </p:spTree>
     <p:extLst>
       <p:ext uri="{BB962C8B-B14F-4D97-AF65-F5344CB8AC3E}">
-        <p14:creationId xmlns:p14="http://schemas.microsoft.com/office/powerpoint/2010/main" val="2092158908"/>
+        <p14:creationId xmlns:p14="http://schemas.microsoft.com/office/powerpoint/2010/main" val="272095030"/>
       </p:ext>
     </p:extLst>
   </p:cSld>
@@ -2047,7 +2417,7 @@
           <p:cNvPr id="2" name="日期版面配置區 1">
             <a:extLst>
               <a:ext uri="{FF2B5EF4-FFF2-40B4-BE49-F238E27FC236}">
-                <a16:creationId xmlns:a16="http://schemas.microsoft.com/office/drawing/2014/main" id="{576D6F50-942A-E22B-BCDC-BAA63327B446}"/>
+                <a16:creationId xmlns:a16="http://schemas.microsoft.com/office/drawing/2014/main" id="{C1F5A35B-6EC5-3F10-102C-6BA98492215D}"/>
               </a:ext>
             </a:extLst>
           </p:cNvPr>
@@ -2063,11 +2433,11 @@
           <a:bodyPr/>
           <a:lstStyle/>
           <a:p>
-            <a:fld id="{0943AB4B-30DF-4172-9BC0-CB10510AEA27}" type="datetimeFigureOut">
-              <a:rPr lang="zh-TW" altLang="en-US" smtClean="0"/>
+            <a:fld id="{B1D491E0-14C9-C843-9DD2-D71F6F3526C4}" type="datetimeFigureOut">
+              <a:rPr kumimoji="1" lang="zh-TW" altLang="en-US" smtClean="0"/>
               <a:t>2023/5/23</a:t>
             </a:fld>
-            <a:endParaRPr lang="zh-TW" altLang="en-US"/>
+            <a:endParaRPr kumimoji="1" lang="zh-TW" altLang="en-US"/>
           </a:p>
         </p:txBody>
       </p:sp>
@@ -2076,7 +2446,7 @@
           <p:cNvPr id="3" name="頁尾版面配置區 2">
             <a:extLst>
               <a:ext uri="{FF2B5EF4-FFF2-40B4-BE49-F238E27FC236}">
-                <a16:creationId xmlns:a16="http://schemas.microsoft.com/office/drawing/2014/main" id="{788DD7E8-D3A3-7ECB-EEB2-095D73C70B46}"/>
+                <a16:creationId xmlns:a16="http://schemas.microsoft.com/office/drawing/2014/main" id="{FD2D40EE-5413-717A-B39B-807203E4E641}"/>
               </a:ext>
             </a:extLst>
           </p:cNvPr>
@@ -2092,7 +2462,7 @@
           <a:bodyPr/>
           <a:lstStyle/>
           <a:p>
-            <a:endParaRPr lang="zh-TW" altLang="en-US"/>
+            <a:endParaRPr kumimoji="1" lang="zh-TW" altLang="en-US"/>
           </a:p>
         </p:txBody>
       </p:sp>
@@ -2101,7 +2471,7 @@
           <p:cNvPr id="4" name="投影片編號版面配置區 3">
             <a:extLst>
               <a:ext uri="{FF2B5EF4-FFF2-40B4-BE49-F238E27FC236}">
-                <a16:creationId xmlns:a16="http://schemas.microsoft.com/office/drawing/2014/main" id="{D0D7EF1C-46F6-31F4-FB4F-AAADFEA2D562}"/>
+                <a16:creationId xmlns:a16="http://schemas.microsoft.com/office/drawing/2014/main" id="{B9CE02F8-E129-C3DE-2E91-72C5FDD847EE}"/>
               </a:ext>
             </a:extLst>
           </p:cNvPr>
@@ -2117,18 +2487,18 @@
           <a:bodyPr/>
           <a:lstStyle/>
           <a:p>
-            <a:fld id="{114A75B5-19D2-4FD1-9791-EBBC53519ACF}" type="slidenum">
-              <a:rPr lang="zh-TW" altLang="en-US" smtClean="0"/>
+            <a:fld id="{172F2753-FA7D-7348-BD56-5EC7C5DB9863}" type="slidenum">
+              <a:rPr kumimoji="1" lang="zh-TW" altLang="en-US" smtClean="0"/>
               <a:t>‹#›</a:t>
             </a:fld>
-            <a:endParaRPr lang="zh-TW" altLang="en-US"/>
+            <a:endParaRPr kumimoji="1" lang="zh-TW" altLang="en-US"/>
           </a:p>
         </p:txBody>
       </p:sp>
     </p:spTree>
     <p:extLst>
       <p:ext uri="{BB962C8B-B14F-4D97-AF65-F5344CB8AC3E}">
-        <p14:creationId xmlns:p14="http://schemas.microsoft.com/office/powerpoint/2010/main" val="3513052407"/>
+        <p14:creationId xmlns:p14="http://schemas.microsoft.com/office/powerpoint/2010/main" val="2295799155"/>
       </p:ext>
     </p:extLst>
   </p:cSld>
@@ -2160,7 +2530,7 @@
           <p:cNvPr id="2" name="標題 1">
             <a:extLst>
               <a:ext uri="{FF2B5EF4-FFF2-40B4-BE49-F238E27FC236}">
-                <a16:creationId xmlns:a16="http://schemas.microsoft.com/office/drawing/2014/main" id="{20DA53D1-E50E-DCA6-6FA8-BEF3B4D85C06}"/>
+                <a16:creationId xmlns:a16="http://schemas.microsoft.com/office/drawing/2014/main" id="{92852DB2-192E-E737-66B0-35EB683E9FA8}"/>
               </a:ext>
             </a:extLst>
           </p:cNvPr>
@@ -2186,7 +2556,7 @@
           </a:lstStyle>
           <a:p>
             <a:r>
-              <a:rPr lang="zh-TW" altLang="en-US"/>
+              <a:rPr kumimoji="1" lang="zh-TW" altLang="en-US"/>
               <a:t>按一下以編輯母片標題樣式</a:t>
             </a:r>
           </a:p>
@@ -2197,7 +2567,7 @@
           <p:cNvPr id="3" name="內容版面配置區 2">
             <a:extLst>
               <a:ext uri="{FF2B5EF4-FFF2-40B4-BE49-F238E27FC236}">
-                <a16:creationId xmlns:a16="http://schemas.microsoft.com/office/drawing/2014/main" id="{7AD8F347-28DC-3BA9-0A98-76BA9F7435F6}"/>
+                <a16:creationId xmlns:a16="http://schemas.microsoft.com/office/drawing/2014/main" id="{FC073482-E5F1-5AE3-5AA5-FDEAEA46F1B9}"/>
               </a:ext>
             </a:extLst>
           </p:cNvPr>
@@ -2248,35 +2618,35 @@
           <a:p>
             <a:pPr lvl="0"/>
             <a:r>
-              <a:rPr lang="zh-TW" altLang="en-US"/>
+              <a:rPr kumimoji="1" lang="zh-TW" altLang="en-US"/>
               <a:t>按一下以編輯母片文字樣式</a:t>
             </a:r>
           </a:p>
           <a:p>
             <a:pPr lvl="1"/>
             <a:r>
-              <a:rPr lang="zh-TW" altLang="en-US"/>
+              <a:rPr kumimoji="1" lang="zh-TW" altLang="en-US"/>
               <a:t>第二層</a:t>
             </a:r>
           </a:p>
           <a:p>
             <a:pPr lvl="2"/>
             <a:r>
-              <a:rPr lang="zh-TW" altLang="en-US"/>
+              <a:rPr kumimoji="1" lang="zh-TW" altLang="en-US"/>
               <a:t>第三層</a:t>
             </a:r>
           </a:p>
           <a:p>
             <a:pPr lvl="3"/>
             <a:r>
-              <a:rPr lang="zh-TW" altLang="en-US"/>
+              <a:rPr kumimoji="1" lang="zh-TW" altLang="en-US"/>
               <a:t>第四層</a:t>
             </a:r>
           </a:p>
           <a:p>
             <a:pPr lvl="4"/>
             <a:r>
-              <a:rPr lang="zh-TW" altLang="en-US"/>
+              <a:rPr kumimoji="1" lang="zh-TW" altLang="en-US"/>
               <a:t>第五層</a:t>
             </a:r>
           </a:p>
@@ -2287,7 +2657,7 @@
           <p:cNvPr id="4" name="文字版面配置區 3">
             <a:extLst>
               <a:ext uri="{FF2B5EF4-FFF2-40B4-BE49-F238E27FC236}">
-                <a16:creationId xmlns:a16="http://schemas.microsoft.com/office/drawing/2014/main" id="{DA8A1C50-F5A5-4C24-0C0E-8D693A2E71CE}"/>
+                <a16:creationId xmlns:a16="http://schemas.microsoft.com/office/drawing/2014/main" id="{16414DAC-A73F-4738-035F-43DC617A2A41}"/>
               </a:ext>
             </a:extLst>
           </p:cNvPr>
@@ -2347,7 +2717,7 @@
           <a:p>
             <a:pPr lvl="0"/>
             <a:r>
-              <a:rPr lang="zh-TW" altLang="en-US"/>
+              <a:rPr kumimoji="1" lang="zh-TW" altLang="en-US"/>
               <a:t>按一下以編輯母片文字樣式</a:t>
             </a:r>
           </a:p>
@@ -2358,7 +2728,7 @@
           <p:cNvPr id="5" name="日期版面配置區 4">
             <a:extLst>
               <a:ext uri="{FF2B5EF4-FFF2-40B4-BE49-F238E27FC236}">
-                <a16:creationId xmlns:a16="http://schemas.microsoft.com/office/drawing/2014/main" id="{30816CF0-5308-05E6-F9A7-2B9FED5BD44D}"/>
+                <a16:creationId xmlns:a16="http://schemas.microsoft.com/office/drawing/2014/main" id="{D85461DA-E9D4-0E0A-94DA-09FD3D711746}"/>
               </a:ext>
             </a:extLst>
           </p:cNvPr>
@@ -2374,11 +2744,11 @@
           <a:bodyPr/>
           <a:lstStyle/>
           <a:p>
-            <a:fld id="{0943AB4B-30DF-4172-9BC0-CB10510AEA27}" type="datetimeFigureOut">
-              <a:rPr lang="zh-TW" altLang="en-US" smtClean="0"/>
+            <a:fld id="{B1D491E0-14C9-C843-9DD2-D71F6F3526C4}" type="datetimeFigureOut">
+              <a:rPr kumimoji="1" lang="zh-TW" altLang="en-US" smtClean="0"/>
               <a:t>2023/5/23</a:t>
             </a:fld>
-            <a:endParaRPr lang="zh-TW" altLang="en-US"/>
+            <a:endParaRPr kumimoji="1" lang="zh-TW" altLang="en-US"/>
           </a:p>
         </p:txBody>
       </p:sp>
@@ -2387,7 +2757,7 @@
           <p:cNvPr id="6" name="頁尾版面配置區 5">
             <a:extLst>
               <a:ext uri="{FF2B5EF4-FFF2-40B4-BE49-F238E27FC236}">
-                <a16:creationId xmlns:a16="http://schemas.microsoft.com/office/drawing/2014/main" id="{A5E44790-9268-E733-EE0A-FB80416AF972}"/>
+                <a16:creationId xmlns:a16="http://schemas.microsoft.com/office/drawing/2014/main" id="{659125B8-ED25-B2FB-1C45-25BA5B83D9FE}"/>
               </a:ext>
             </a:extLst>
           </p:cNvPr>
@@ -2403,7 +2773,7 @@
           <a:bodyPr/>
           <a:lstStyle/>
           <a:p>
-            <a:endParaRPr lang="zh-TW" altLang="en-US"/>
+            <a:endParaRPr kumimoji="1" lang="zh-TW" altLang="en-US"/>
           </a:p>
         </p:txBody>
       </p:sp>
@@ -2412,7 +2782,7 @@
           <p:cNvPr id="7" name="投影片編號版面配置區 6">
             <a:extLst>
               <a:ext uri="{FF2B5EF4-FFF2-40B4-BE49-F238E27FC236}">
-                <a16:creationId xmlns:a16="http://schemas.microsoft.com/office/drawing/2014/main" id="{83736455-A40C-7903-899E-2671378269D9}"/>
+                <a16:creationId xmlns:a16="http://schemas.microsoft.com/office/drawing/2014/main" id="{D0C9F080-BEFE-5F5B-5C2C-835A57316499}"/>
               </a:ext>
             </a:extLst>
           </p:cNvPr>
@@ -2428,18 +2798,18 @@
           <a:bodyPr/>
           <a:lstStyle/>
           <a:p>
-            <a:fld id="{114A75B5-19D2-4FD1-9791-EBBC53519ACF}" type="slidenum">
-              <a:rPr lang="zh-TW" altLang="en-US" smtClean="0"/>
+            <a:fld id="{172F2753-FA7D-7348-BD56-5EC7C5DB9863}" type="slidenum">
+              <a:rPr kumimoji="1" lang="zh-TW" altLang="en-US" smtClean="0"/>
               <a:t>‹#›</a:t>
             </a:fld>
-            <a:endParaRPr lang="zh-TW" altLang="en-US"/>
+            <a:endParaRPr kumimoji="1" lang="zh-TW" altLang="en-US"/>
           </a:p>
         </p:txBody>
       </p:sp>
     </p:spTree>
     <p:extLst>
       <p:ext uri="{BB962C8B-B14F-4D97-AF65-F5344CB8AC3E}">
-        <p14:creationId xmlns:p14="http://schemas.microsoft.com/office/powerpoint/2010/main" val="1567906999"/>
+        <p14:creationId xmlns:p14="http://schemas.microsoft.com/office/powerpoint/2010/main" val="3621913640"/>
       </p:ext>
     </p:extLst>
   </p:cSld>
@@ -2471,7 +2841,7 @@
           <p:cNvPr id="2" name="標題 1">
             <a:extLst>
               <a:ext uri="{FF2B5EF4-FFF2-40B4-BE49-F238E27FC236}">
-                <a16:creationId xmlns:a16="http://schemas.microsoft.com/office/drawing/2014/main" id="{9A589243-A2D2-DE36-4CE7-F34034CDFCCE}"/>
+                <a16:creationId xmlns:a16="http://schemas.microsoft.com/office/drawing/2014/main" id="{869ACB64-5D6E-6EF3-132C-1290656CCEC4}"/>
               </a:ext>
             </a:extLst>
           </p:cNvPr>
@@ -2497,7 +2867,7 @@
           </a:lstStyle>
           <a:p>
             <a:r>
-              <a:rPr lang="zh-TW" altLang="en-US"/>
+              <a:rPr kumimoji="1" lang="zh-TW" altLang="en-US"/>
               <a:t>按一下以編輯母片標題樣式</a:t>
             </a:r>
           </a:p>
@@ -2508,7 +2878,7 @@
           <p:cNvPr id="3" name="圖片版面配置區 2">
             <a:extLst>
               <a:ext uri="{FF2B5EF4-FFF2-40B4-BE49-F238E27FC236}">
-                <a16:creationId xmlns:a16="http://schemas.microsoft.com/office/drawing/2014/main" id="{743E6DDA-F115-3DC1-0323-B7BE84713AB5}"/>
+                <a16:creationId xmlns:a16="http://schemas.microsoft.com/office/drawing/2014/main" id="{F472674B-DD8C-294B-EB37-8487319CBDDB}"/>
               </a:ext>
             </a:extLst>
           </p:cNvPr>
@@ -2566,7 +2936,7 @@
             </a:lvl9pPr>
           </a:lstStyle>
           <a:p>
-            <a:endParaRPr lang="zh-TW" altLang="en-US"/>
+            <a:endParaRPr kumimoji="1" lang="zh-TW" altLang="en-US"/>
           </a:p>
         </p:txBody>
       </p:sp>
@@ -2575,7 +2945,7 @@
           <p:cNvPr id="4" name="文字版面配置區 3">
             <a:extLst>
               <a:ext uri="{FF2B5EF4-FFF2-40B4-BE49-F238E27FC236}">
-                <a16:creationId xmlns:a16="http://schemas.microsoft.com/office/drawing/2014/main" id="{49184A48-4371-2EB6-513A-BE146C395488}"/>
+                <a16:creationId xmlns:a16="http://schemas.microsoft.com/office/drawing/2014/main" id="{D7B61B1B-1970-04CC-FB43-227581F6B136}"/>
               </a:ext>
             </a:extLst>
           </p:cNvPr>
@@ -2635,7 +3005,7 @@
           <a:p>
             <a:pPr lvl="0"/>
             <a:r>
-              <a:rPr lang="zh-TW" altLang="en-US"/>
+              <a:rPr kumimoji="1" lang="zh-TW" altLang="en-US"/>
               <a:t>按一下以編輯母片文字樣式</a:t>
             </a:r>
           </a:p>
@@ -2646,7 +3016,7 @@
           <p:cNvPr id="5" name="日期版面配置區 4">
             <a:extLst>
               <a:ext uri="{FF2B5EF4-FFF2-40B4-BE49-F238E27FC236}">
-                <a16:creationId xmlns:a16="http://schemas.microsoft.com/office/drawing/2014/main" id="{4378A366-E46B-5642-37A3-7EAFA82D6250}"/>
+                <a16:creationId xmlns:a16="http://schemas.microsoft.com/office/drawing/2014/main" id="{42620C6E-BF37-01FD-3A53-D5E962A12235}"/>
               </a:ext>
             </a:extLst>
           </p:cNvPr>
@@ -2662,11 +3032,11 @@
           <a:bodyPr/>
           <a:lstStyle/>
           <a:p>
-            <a:fld id="{0943AB4B-30DF-4172-9BC0-CB10510AEA27}" type="datetimeFigureOut">
-              <a:rPr lang="zh-TW" altLang="en-US" smtClean="0"/>
+            <a:fld id="{B1D491E0-14C9-C843-9DD2-D71F6F3526C4}" type="datetimeFigureOut">
+              <a:rPr kumimoji="1" lang="zh-TW" altLang="en-US" smtClean="0"/>
               <a:t>2023/5/23</a:t>
             </a:fld>
-            <a:endParaRPr lang="zh-TW" altLang="en-US"/>
+            <a:endParaRPr kumimoji="1" lang="zh-TW" altLang="en-US"/>
           </a:p>
         </p:txBody>
       </p:sp>
@@ -2675,7 +3045,7 @@
           <p:cNvPr id="6" name="頁尾版面配置區 5">
             <a:extLst>
               <a:ext uri="{FF2B5EF4-FFF2-40B4-BE49-F238E27FC236}">
-                <a16:creationId xmlns:a16="http://schemas.microsoft.com/office/drawing/2014/main" id="{6A7E2D5C-0FB7-73F8-16B7-1C8B335A26E9}"/>
+                <a16:creationId xmlns:a16="http://schemas.microsoft.com/office/drawing/2014/main" id="{94764CE9-F68E-3F7F-5FCE-FB91C7374833}"/>
               </a:ext>
             </a:extLst>
           </p:cNvPr>
@@ -2691,7 +3061,7 @@
           <a:bodyPr/>
           <a:lstStyle/>
           <a:p>
-            <a:endParaRPr lang="zh-TW" altLang="en-US"/>
+            <a:endParaRPr kumimoji="1" lang="zh-TW" altLang="en-US"/>
           </a:p>
         </p:txBody>
       </p:sp>
@@ -2700,7 +3070,7 @@
           <p:cNvPr id="7" name="投影片編號版面配置區 6">
             <a:extLst>
               <a:ext uri="{FF2B5EF4-FFF2-40B4-BE49-F238E27FC236}">
-                <a16:creationId xmlns:a16="http://schemas.microsoft.com/office/drawing/2014/main" id="{D02A4B28-688F-D4F3-36A1-7D42038CCEE3}"/>
+                <a16:creationId xmlns:a16="http://schemas.microsoft.com/office/drawing/2014/main" id="{4FB5114E-9F81-15B6-8B67-2EDECB957AEA}"/>
               </a:ext>
             </a:extLst>
           </p:cNvPr>
@@ -2716,18 +3086,18 @@
           <a:bodyPr/>
           <a:lstStyle/>
           <a:p>
-            <a:fld id="{114A75B5-19D2-4FD1-9791-EBBC53519ACF}" type="slidenum">
-              <a:rPr lang="zh-TW" altLang="en-US" smtClean="0"/>
+            <a:fld id="{172F2753-FA7D-7348-BD56-5EC7C5DB9863}" type="slidenum">
+              <a:rPr kumimoji="1" lang="zh-TW" altLang="en-US" smtClean="0"/>
               <a:t>‹#›</a:t>
             </a:fld>
-            <a:endParaRPr lang="zh-TW" altLang="en-US"/>
+            <a:endParaRPr kumimoji="1" lang="zh-TW" altLang="en-US"/>
           </a:p>
         </p:txBody>
       </p:sp>
     </p:spTree>
     <p:extLst>
       <p:ext uri="{BB962C8B-B14F-4D97-AF65-F5344CB8AC3E}">
-        <p14:creationId xmlns:p14="http://schemas.microsoft.com/office/powerpoint/2010/main" val="2404060793"/>
+        <p14:creationId xmlns:p14="http://schemas.microsoft.com/office/powerpoint/2010/main" val="1848467368"/>
       </p:ext>
     </p:extLst>
   </p:cSld>
@@ -2764,7 +3134,7 @@
           <p:cNvPr id="2" name="標題版面配置區 1">
             <a:extLst>
               <a:ext uri="{FF2B5EF4-FFF2-40B4-BE49-F238E27FC236}">
-                <a16:creationId xmlns:a16="http://schemas.microsoft.com/office/drawing/2014/main" id="{A8F69BBF-EEA1-E202-BB28-BA937CE7610F}"/>
+                <a16:creationId xmlns:a16="http://schemas.microsoft.com/office/drawing/2014/main" id="{CAC15927-2521-224E-04F4-A25964C30979}"/>
               </a:ext>
             </a:extLst>
           </p:cNvPr>
@@ -2791,7 +3161,7 @@
           <a:lstStyle/>
           <a:p>
             <a:r>
-              <a:rPr lang="zh-TW" altLang="en-US"/>
+              <a:rPr kumimoji="1" lang="zh-TW" altLang="en-US"/>
               <a:t>按一下以編輯母片標題樣式</a:t>
             </a:r>
           </a:p>
@@ -2802,7 +3172,7 @@
           <p:cNvPr id="3" name="文字版面配置區 2">
             <a:extLst>
               <a:ext uri="{FF2B5EF4-FFF2-40B4-BE49-F238E27FC236}">
-                <a16:creationId xmlns:a16="http://schemas.microsoft.com/office/drawing/2014/main" id="{BBA7733A-9319-585A-4E2C-E677CD9CA738}"/>
+                <a16:creationId xmlns:a16="http://schemas.microsoft.com/office/drawing/2014/main" id="{1463937B-759C-17C8-4134-A133AE98B6D3}"/>
               </a:ext>
             </a:extLst>
           </p:cNvPr>
@@ -2830,35 +3200,35 @@
           <a:p>
             <a:pPr lvl="0"/>
             <a:r>
-              <a:rPr lang="zh-TW" altLang="en-US"/>
+              <a:rPr kumimoji="1" lang="zh-TW" altLang="en-US"/>
               <a:t>按一下以編輯母片文字樣式</a:t>
             </a:r>
           </a:p>
           <a:p>
             <a:pPr lvl="1"/>
             <a:r>
-              <a:rPr lang="zh-TW" altLang="en-US"/>
+              <a:rPr kumimoji="1" lang="zh-TW" altLang="en-US"/>
               <a:t>第二層</a:t>
             </a:r>
           </a:p>
           <a:p>
             <a:pPr lvl="2"/>
             <a:r>
-              <a:rPr lang="zh-TW" altLang="en-US"/>
+              <a:rPr kumimoji="1" lang="zh-TW" altLang="en-US"/>
               <a:t>第三層</a:t>
             </a:r>
           </a:p>
           <a:p>
             <a:pPr lvl="3"/>
             <a:r>
-              <a:rPr lang="zh-TW" altLang="en-US"/>
+              <a:rPr kumimoji="1" lang="zh-TW" altLang="en-US"/>
               <a:t>第四層</a:t>
             </a:r>
           </a:p>
           <a:p>
             <a:pPr lvl="4"/>
             <a:r>
-              <a:rPr lang="zh-TW" altLang="en-US"/>
+              <a:rPr kumimoji="1" lang="zh-TW" altLang="en-US"/>
               <a:t>第五層</a:t>
             </a:r>
           </a:p>
@@ -2869,7 +3239,7 @@
           <p:cNvPr id="4" name="日期版面配置區 3">
             <a:extLst>
               <a:ext uri="{FF2B5EF4-FFF2-40B4-BE49-F238E27FC236}">
-                <a16:creationId xmlns:a16="http://schemas.microsoft.com/office/drawing/2014/main" id="{882852FF-2B37-9C3F-17C5-1BB701BF3763}"/>
+                <a16:creationId xmlns:a16="http://schemas.microsoft.com/office/drawing/2014/main" id="{7F6C504E-31C8-804C-C552-444EAF7C16A0}"/>
               </a:ext>
             </a:extLst>
           </p:cNvPr>
@@ -2903,11 +3273,11 @@
             </a:lvl1pPr>
           </a:lstStyle>
           <a:p>
-            <a:fld id="{0943AB4B-30DF-4172-9BC0-CB10510AEA27}" type="datetimeFigureOut">
-              <a:rPr lang="zh-TW" altLang="en-US" smtClean="0"/>
+            <a:fld id="{B1D491E0-14C9-C843-9DD2-D71F6F3526C4}" type="datetimeFigureOut">
+              <a:rPr kumimoji="1" lang="zh-TW" altLang="en-US" smtClean="0"/>
               <a:t>2023/5/23</a:t>
             </a:fld>
-            <a:endParaRPr lang="zh-TW" altLang="en-US"/>
+            <a:endParaRPr kumimoji="1" lang="zh-TW" altLang="en-US"/>
           </a:p>
         </p:txBody>
       </p:sp>
@@ -2916,7 +3286,7 @@
           <p:cNvPr id="5" name="頁尾版面配置區 4">
             <a:extLst>
               <a:ext uri="{FF2B5EF4-FFF2-40B4-BE49-F238E27FC236}">
-                <a16:creationId xmlns:a16="http://schemas.microsoft.com/office/drawing/2014/main" id="{956072F7-9741-9AE4-E92D-9F2CD597B60C}"/>
+                <a16:creationId xmlns:a16="http://schemas.microsoft.com/office/drawing/2014/main" id="{06141FC0-C54E-055F-488E-DFFEF2315151}"/>
               </a:ext>
             </a:extLst>
           </p:cNvPr>
@@ -2950,7 +3320,7 @@
             </a:lvl1pPr>
           </a:lstStyle>
           <a:p>
-            <a:endParaRPr lang="zh-TW" altLang="en-US"/>
+            <a:endParaRPr kumimoji="1" lang="zh-TW" altLang="en-US"/>
           </a:p>
         </p:txBody>
       </p:sp>
@@ -2959,7 +3329,7 @@
           <p:cNvPr id="6" name="投影片編號版面配置區 5">
             <a:extLst>
               <a:ext uri="{FF2B5EF4-FFF2-40B4-BE49-F238E27FC236}">
-                <a16:creationId xmlns:a16="http://schemas.microsoft.com/office/drawing/2014/main" id="{240A96C5-F1D0-70DB-8115-5620815E39A5}"/>
+                <a16:creationId xmlns:a16="http://schemas.microsoft.com/office/drawing/2014/main" id="{AFC7A13A-3B8A-4175-FD6A-783894480D33}"/>
               </a:ext>
             </a:extLst>
           </p:cNvPr>
@@ -2993,34 +3363,34 @@
             </a:lvl1pPr>
           </a:lstStyle>
           <a:p>
-            <a:fld id="{114A75B5-19D2-4FD1-9791-EBBC53519ACF}" type="slidenum">
-              <a:rPr lang="zh-TW" altLang="en-US" smtClean="0"/>
+            <a:fld id="{172F2753-FA7D-7348-BD56-5EC7C5DB9863}" type="slidenum">
+              <a:rPr kumimoji="1" lang="zh-TW" altLang="en-US" smtClean="0"/>
               <a:t>‹#›</a:t>
             </a:fld>
-            <a:endParaRPr lang="zh-TW" altLang="en-US"/>
+            <a:endParaRPr kumimoji="1" lang="zh-TW" altLang="en-US"/>
           </a:p>
         </p:txBody>
       </p:sp>
     </p:spTree>
     <p:extLst>
       <p:ext uri="{BB962C8B-B14F-4D97-AF65-F5344CB8AC3E}">
-        <p14:creationId xmlns:p14="http://schemas.microsoft.com/office/powerpoint/2010/main" val="753749579"/>
+        <p14:creationId xmlns:p14="http://schemas.microsoft.com/office/powerpoint/2010/main" val="2835960166"/>
       </p:ext>
     </p:extLst>
   </p:cSld>
   <p:clrMap bg1="lt1" tx1="dk1" bg2="lt2" tx2="dk2" accent1="accent1" accent2="accent2" accent3="accent3" accent4="accent4" accent5="accent5" accent6="accent6" hlink="hlink" folHlink="folHlink"/>
   <p:sldLayoutIdLst>
-    <p:sldLayoutId id="2147483649" r:id="rId1"/>
-    <p:sldLayoutId id="2147483650" r:id="rId2"/>
-    <p:sldLayoutId id="2147483651" r:id="rId3"/>
-    <p:sldLayoutId id="2147483652" r:id="rId4"/>
-    <p:sldLayoutId id="2147483653" r:id="rId5"/>
-    <p:sldLayoutId id="2147483654" r:id="rId6"/>
-    <p:sldLayoutId id="2147483655" r:id="rId7"/>
-    <p:sldLayoutId id="2147483656" r:id="rId8"/>
-    <p:sldLayoutId id="2147483657" r:id="rId9"/>
-    <p:sldLayoutId id="2147483658" r:id="rId10"/>
-    <p:sldLayoutId id="2147483659" r:id="rId11"/>
+    <p:sldLayoutId id="2147483730" r:id="rId1"/>
+    <p:sldLayoutId id="2147483731" r:id="rId2"/>
+    <p:sldLayoutId id="2147483732" r:id="rId3"/>
+    <p:sldLayoutId id="2147483733" r:id="rId4"/>
+    <p:sldLayoutId id="2147483734" r:id="rId5"/>
+    <p:sldLayoutId id="2147483735" r:id="rId6"/>
+    <p:sldLayoutId id="2147483736" r:id="rId7"/>
+    <p:sldLayoutId id="2147483737" r:id="rId8"/>
+    <p:sldLayoutId id="2147483738" r:id="rId9"/>
+    <p:sldLayoutId id="2147483739" r:id="rId10"/>
+    <p:sldLayoutId id="2147483740" r:id="rId11"/>
   </p:sldLayoutIdLst>
   <p:txStyles>
     <p:titleStyle>
@@ -3338,7 +3708,12 @@
             <p:ph type="ctrTitle"/>
           </p:nvPr>
         </p:nvSpPr>
-        <p:spPr/>
+        <p:spPr>
+          <a:xfrm>
+            <a:off x="1524000" y="1147530"/>
+            <a:ext cx="9144000" cy="2387600"/>
+          </a:xfrm>
+        </p:spPr>
         <p:txBody>
           <a:bodyPr/>
           <a:lstStyle/>
@@ -3383,12 +3758,32 @@
             <p:ph type="subTitle" idx="1"/>
           </p:nvPr>
         </p:nvSpPr>
-        <p:spPr/>
+        <p:spPr>
+          <a:xfrm>
+            <a:off x="1524000" y="4684218"/>
+            <a:ext cx="9144000" cy="424678"/>
+          </a:xfrm>
+        </p:spPr>
         <p:txBody>
           <a:bodyPr/>
           <a:lstStyle/>
           <a:p>
-            <a:endParaRPr lang="zh-TW" altLang="en-US" dirty="0"/>
+            <a:r>
+              <a:rPr lang="en-US" altLang="zh-TW" dirty="0">
+                <a:latin typeface="Times New Roman" panose="02020603050405020304" pitchFamily="18" charset="0"/>
+                <a:ea typeface="標楷體" panose="03000509000000000000" pitchFamily="65" charset="-120"/>
+                <a:cs typeface="Times New Roman" panose="02020603050405020304" pitchFamily="18" charset="0"/>
+              </a:rPr>
+              <a:t>M113040064 </a:t>
+            </a:r>
+            <a:r>
+              <a:rPr lang="zh-TW" altLang="en-US" dirty="0">
+                <a:latin typeface="Times New Roman" panose="02020603050405020304" pitchFamily="18" charset="0"/>
+                <a:ea typeface="標楷體" panose="03000509000000000000" pitchFamily="65" charset="-120"/>
+                <a:cs typeface="Times New Roman" panose="02020603050405020304" pitchFamily="18" charset="0"/>
+              </a:rPr>
+              <a:t>李冠宏</a:t>
+            </a:r>
           </a:p>
         </p:txBody>
       </p:sp>
@@ -3396,6 +3791,648 @@
     <p:extLst>
       <p:ext uri="{BB962C8B-B14F-4D97-AF65-F5344CB8AC3E}">
         <p14:creationId xmlns:p14="http://schemas.microsoft.com/office/powerpoint/2010/main" val="2490488231"/>
+      </p:ext>
+    </p:extLst>
+  </p:cSld>
+  <p:clrMapOvr>
+    <a:masterClrMapping/>
+  </p:clrMapOvr>
+</p:sld>
+</file>
+
+<file path=ppt/slides/slide10.xml><?xml version="1.0" encoding="utf-8"?>
+<p:sld xmlns:a="http://schemas.openxmlformats.org/drawingml/2006/main" xmlns:r="http://schemas.openxmlformats.org/officeDocument/2006/relationships" xmlns:p="http://schemas.openxmlformats.org/presentationml/2006/main">
+  <p:cSld>
+    <p:spTree>
+      <p:nvGrpSpPr>
+        <p:cNvPr id="1" name=""/>
+        <p:cNvGrpSpPr/>
+        <p:nvPr/>
+      </p:nvGrpSpPr>
+      <p:grpSpPr>
+        <a:xfrm>
+          <a:off x="0" y="0"/>
+          <a:ext cx="0" cy="0"/>
+          <a:chOff x="0" y="0"/>
+          <a:chExt cx="0" cy="0"/>
+        </a:xfrm>
+      </p:grpSpPr>
+      <p:sp>
+        <p:nvSpPr>
+          <p:cNvPr id="2" name="標題 1">
+            <a:extLst>
+              <a:ext uri="{FF2B5EF4-FFF2-40B4-BE49-F238E27FC236}">
+                <a16:creationId xmlns:a16="http://schemas.microsoft.com/office/drawing/2014/main" id="{906B6324-86ED-A939-74F1-E5A416A581E1}"/>
+              </a:ext>
+            </a:extLst>
+          </p:cNvPr>
+          <p:cNvSpPr>
+            <a:spLocks noGrp="1"/>
+          </p:cNvSpPr>
+          <p:nvPr>
+            <p:ph type="title"/>
+          </p:nvPr>
+        </p:nvSpPr>
+        <p:spPr>
+          <a:xfrm>
+            <a:off x="913775" y="268711"/>
+            <a:ext cx="10364451" cy="1596177"/>
+          </a:xfrm>
+        </p:spPr>
+        <p:txBody>
+          <a:bodyPr/>
+          <a:lstStyle/>
+          <a:p>
+            <a:pPr marL="514350" indent="-514350"/>
+            <a:r>
+              <a:rPr kumimoji="1" lang="en-US" altLang="zh-TW" dirty="0">
+                <a:solidFill>
+                  <a:schemeClr val="accent1">
+                    <a:lumMod val="75000"/>
+                  </a:schemeClr>
+                </a:solidFill>
+                <a:latin typeface="Times New Roman" panose="02020603050405020304" pitchFamily="18" charset="0"/>
+                <a:cs typeface="Times New Roman" panose="02020603050405020304" pitchFamily="18" charset="0"/>
+              </a:rPr>
+              <a:t>Model 1</a:t>
+            </a:r>
+          </a:p>
+        </p:txBody>
+      </p:sp>
+      <p:pic>
+        <p:nvPicPr>
+          <p:cNvPr id="7" name="圖片 6">
+            <a:extLst>
+              <a:ext uri="{FF2B5EF4-FFF2-40B4-BE49-F238E27FC236}">
+                <a16:creationId xmlns:a16="http://schemas.microsoft.com/office/drawing/2014/main" id="{CFBCE568-75EE-4CA3-9B42-8618C03869F0}"/>
+              </a:ext>
+            </a:extLst>
+          </p:cNvPr>
+          <p:cNvPicPr>
+            <a:picLocks noChangeAspect="1"/>
+          </p:cNvPicPr>
+          <p:nvPr/>
+        </p:nvPicPr>
+        <p:blipFill>
+          <a:blip r:embed="rId2"/>
+          <a:stretch>
+            <a:fillRect/>
+          </a:stretch>
+        </p:blipFill>
+        <p:spPr>
+          <a:xfrm>
+            <a:off x="2047317" y="2471590"/>
+            <a:ext cx="8097366" cy="2948135"/>
+          </a:xfrm>
+          <a:prstGeom prst="rect">
+            <a:avLst/>
+          </a:prstGeom>
+        </p:spPr>
+      </p:pic>
+    </p:spTree>
+    <p:extLst>
+      <p:ext uri="{BB962C8B-B14F-4D97-AF65-F5344CB8AC3E}">
+        <p14:creationId xmlns:p14="http://schemas.microsoft.com/office/powerpoint/2010/main" val="1117414456"/>
+      </p:ext>
+    </p:extLst>
+  </p:cSld>
+  <p:clrMapOvr>
+    <a:masterClrMapping/>
+  </p:clrMapOvr>
+</p:sld>
+</file>
+
+<file path=ppt/slides/slide11.xml><?xml version="1.0" encoding="utf-8"?>
+<p:sld xmlns:a="http://schemas.openxmlformats.org/drawingml/2006/main" xmlns:r="http://schemas.openxmlformats.org/officeDocument/2006/relationships" xmlns:p="http://schemas.openxmlformats.org/presentationml/2006/main">
+  <p:cSld>
+    <p:spTree>
+      <p:nvGrpSpPr>
+        <p:cNvPr id="1" name=""/>
+        <p:cNvGrpSpPr/>
+        <p:nvPr/>
+      </p:nvGrpSpPr>
+      <p:grpSpPr>
+        <a:xfrm>
+          <a:off x="0" y="0"/>
+          <a:ext cx="0" cy="0"/>
+          <a:chOff x="0" y="0"/>
+          <a:chExt cx="0" cy="0"/>
+        </a:xfrm>
+      </p:grpSpPr>
+      <p:sp>
+        <p:nvSpPr>
+          <p:cNvPr id="2" name="標題 1">
+            <a:extLst>
+              <a:ext uri="{FF2B5EF4-FFF2-40B4-BE49-F238E27FC236}">
+                <a16:creationId xmlns:a16="http://schemas.microsoft.com/office/drawing/2014/main" id="{906B6324-86ED-A939-74F1-E5A416A581E1}"/>
+              </a:ext>
+            </a:extLst>
+          </p:cNvPr>
+          <p:cNvSpPr>
+            <a:spLocks noGrp="1"/>
+          </p:cNvSpPr>
+          <p:nvPr>
+            <p:ph type="title"/>
+          </p:nvPr>
+        </p:nvSpPr>
+        <p:spPr>
+          <a:xfrm>
+            <a:off x="799474" y="194118"/>
+            <a:ext cx="10364451" cy="1596177"/>
+          </a:xfrm>
+        </p:spPr>
+        <p:txBody>
+          <a:bodyPr/>
+          <a:lstStyle/>
+          <a:p>
+            <a:pPr marL="514350" indent="-514350"/>
+            <a:r>
+              <a:rPr kumimoji="1" lang="en-US" altLang="zh-TW" dirty="0">
+                <a:solidFill>
+                  <a:schemeClr val="accent1">
+                    <a:lumMod val="75000"/>
+                  </a:schemeClr>
+                </a:solidFill>
+                <a:latin typeface="Times New Roman" panose="02020603050405020304" pitchFamily="18" charset="0"/>
+                <a:cs typeface="Times New Roman" panose="02020603050405020304" pitchFamily="18" charset="0"/>
+              </a:rPr>
+              <a:t>Model 2</a:t>
+            </a:r>
+          </a:p>
+        </p:txBody>
+      </p:sp>
+      <p:pic>
+        <p:nvPicPr>
+          <p:cNvPr id="4" name="圖片 3">
+            <a:extLst>
+              <a:ext uri="{FF2B5EF4-FFF2-40B4-BE49-F238E27FC236}">
+                <a16:creationId xmlns:a16="http://schemas.microsoft.com/office/drawing/2014/main" id="{0B84DDA0-547E-2C6A-2483-5B2ADBDAD332}"/>
+              </a:ext>
+            </a:extLst>
+          </p:cNvPr>
+          <p:cNvPicPr>
+            <a:picLocks noChangeAspect="1"/>
+          </p:cNvPicPr>
+          <p:nvPr/>
+        </p:nvPicPr>
+        <p:blipFill>
+          <a:blip r:embed="rId2"/>
+          <a:stretch>
+            <a:fillRect/>
+          </a:stretch>
+        </p:blipFill>
+        <p:spPr>
+          <a:xfrm>
+            <a:off x="370917" y="1790295"/>
+            <a:ext cx="6427592" cy="4667656"/>
+          </a:xfrm>
+          <a:prstGeom prst="rect">
+            <a:avLst/>
+          </a:prstGeom>
+        </p:spPr>
+      </p:pic>
+      <p:pic>
+        <p:nvPicPr>
+          <p:cNvPr id="6" name="圖片 5">
+            <a:extLst>
+              <a:ext uri="{FF2B5EF4-FFF2-40B4-BE49-F238E27FC236}">
+                <a16:creationId xmlns:a16="http://schemas.microsoft.com/office/drawing/2014/main" id="{FFE09570-DB15-60D1-1C7E-E224AFE71721}"/>
+              </a:ext>
+            </a:extLst>
+          </p:cNvPr>
+          <p:cNvPicPr>
+            <a:picLocks noChangeAspect="1"/>
+          </p:cNvPicPr>
+          <p:nvPr/>
+        </p:nvPicPr>
+        <p:blipFill>
+          <a:blip r:embed="rId3"/>
+          <a:stretch>
+            <a:fillRect/>
+          </a:stretch>
+        </p:blipFill>
+        <p:spPr>
+          <a:xfrm>
+            <a:off x="6995695" y="1375936"/>
+            <a:ext cx="4971364" cy="5082015"/>
+          </a:xfrm>
+          <a:prstGeom prst="rect">
+            <a:avLst/>
+          </a:prstGeom>
+        </p:spPr>
+      </p:pic>
+    </p:spTree>
+    <p:extLst>
+      <p:ext uri="{BB962C8B-B14F-4D97-AF65-F5344CB8AC3E}">
+        <p14:creationId xmlns:p14="http://schemas.microsoft.com/office/powerpoint/2010/main" val="152050884"/>
+      </p:ext>
+    </p:extLst>
+  </p:cSld>
+  <p:clrMapOvr>
+    <a:masterClrMapping/>
+  </p:clrMapOvr>
+</p:sld>
+</file>
+
+<file path=ppt/slides/slide12.xml><?xml version="1.0" encoding="utf-8"?>
+<p:sld xmlns:a="http://schemas.openxmlformats.org/drawingml/2006/main" xmlns:r="http://schemas.openxmlformats.org/officeDocument/2006/relationships" xmlns:p="http://schemas.openxmlformats.org/presentationml/2006/main">
+  <p:cSld>
+    <p:spTree>
+      <p:nvGrpSpPr>
+        <p:cNvPr id="1" name=""/>
+        <p:cNvGrpSpPr/>
+        <p:nvPr/>
+      </p:nvGrpSpPr>
+      <p:grpSpPr>
+        <a:xfrm>
+          <a:off x="0" y="0"/>
+          <a:ext cx="0" cy="0"/>
+          <a:chOff x="0" y="0"/>
+          <a:chExt cx="0" cy="0"/>
+        </a:xfrm>
+      </p:grpSpPr>
+      <p:sp>
+        <p:nvSpPr>
+          <p:cNvPr id="2" name="標題 1">
+            <a:extLst>
+              <a:ext uri="{FF2B5EF4-FFF2-40B4-BE49-F238E27FC236}">
+                <a16:creationId xmlns:a16="http://schemas.microsoft.com/office/drawing/2014/main" id="{906B6324-86ED-A939-74F1-E5A416A581E1}"/>
+              </a:ext>
+            </a:extLst>
+          </p:cNvPr>
+          <p:cNvSpPr>
+            <a:spLocks noGrp="1"/>
+          </p:cNvSpPr>
+          <p:nvPr>
+            <p:ph type="title"/>
+          </p:nvPr>
+        </p:nvSpPr>
+        <p:spPr>
+          <a:xfrm>
+            <a:off x="913775" y="268711"/>
+            <a:ext cx="10364451" cy="1596177"/>
+          </a:xfrm>
+        </p:spPr>
+        <p:txBody>
+          <a:bodyPr/>
+          <a:lstStyle/>
+          <a:p>
+            <a:pPr marL="514350" indent="-514350"/>
+            <a:r>
+              <a:rPr kumimoji="1" lang="en-US" altLang="zh-TW" dirty="0">
+                <a:solidFill>
+                  <a:schemeClr val="accent1">
+                    <a:lumMod val="75000"/>
+                  </a:schemeClr>
+                </a:solidFill>
+                <a:latin typeface="Times New Roman" panose="02020603050405020304" pitchFamily="18" charset="0"/>
+                <a:cs typeface="Times New Roman" panose="02020603050405020304" pitchFamily="18" charset="0"/>
+              </a:rPr>
+              <a:t>Training</a:t>
+            </a:r>
+          </a:p>
+        </p:txBody>
+      </p:sp>
+      <p:pic>
+        <p:nvPicPr>
+          <p:cNvPr id="7" name="圖片 6">
+            <a:extLst>
+              <a:ext uri="{FF2B5EF4-FFF2-40B4-BE49-F238E27FC236}">
+                <a16:creationId xmlns:a16="http://schemas.microsoft.com/office/drawing/2014/main" id="{007DB01A-9BAE-8E95-2724-3FF1F828671B}"/>
+              </a:ext>
+            </a:extLst>
+          </p:cNvPr>
+          <p:cNvPicPr>
+            <a:picLocks noChangeAspect="1"/>
+          </p:cNvPicPr>
+          <p:nvPr/>
+        </p:nvPicPr>
+        <p:blipFill>
+          <a:blip r:embed="rId2"/>
+          <a:stretch>
+            <a:fillRect/>
+          </a:stretch>
+        </p:blipFill>
+        <p:spPr>
+          <a:xfrm>
+            <a:off x="3692258" y="0"/>
+            <a:ext cx="5645683" cy="6858000"/>
+          </a:xfrm>
+          <a:prstGeom prst="rect">
+            <a:avLst/>
+          </a:prstGeom>
+        </p:spPr>
+      </p:pic>
+    </p:spTree>
+    <p:extLst>
+      <p:ext uri="{BB962C8B-B14F-4D97-AF65-F5344CB8AC3E}">
+        <p14:creationId xmlns:p14="http://schemas.microsoft.com/office/powerpoint/2010/main" val="3710799600"/>
+      </p:ext>
+    </p:extLst>
+  </p:cSld>
+  <p:clrMapOvr>
+    <a:masterClrMapping/>
+  </p:clrMapOvr>
+</p:sld>
+</file>
+
+<file path=ppt/slides/slide13.xml><?xml version="1.0" encoding="utf-8"?>
+<p:sld xmlns:a="http://schemas.openxmlformats.org/drawingml/2006/main" xmlns:r="http://schemas.openxmlformats.org/officeDocument/2006/relationships" xmlns:p="http://schemas.openxmlformats.org/presentationml/2006/main">
+  <p:cSld>
+    <p:spTree>
+      <p:nvGrpSpPr>
+        <p:cNvPr id="1" name=""/>
+        <p:cNvGrpSpPr/>
+        <p:nvPr/>
+      </p:nvGrpSpPr>
+      <p:grpSpPr>
+        <a:xfrm>
+          <a:off x="0" y="0"/>
+          <a:ext cx="0" cy="0"/>
+          <a:chOff x="0" y="0"/>
+          <a:chExt cx="0" cy="0"/>
+        </a:xfrm>
+      </p:grpSpPr>
+      <p:sp>
+        <p:nvSpPr>
+          <p:cNvPr id="2" name="標題 1">
+            <a:extLst>
+              <a:ext uri="{FF2B5EF4-FFF2-40B4-BE49-F238E27FC236}">
+                <a16:creationId xmlns:a16="http://schemas.microsoft.com/office/drawing/2014/main" id="{906B6324-86ED-A939-74F1-E5A416A581E1}"/>
+              </a:ext>
+            </a:extLst>
+          </p:cNvPr>
+          <p:cNvSpPr>
+            <a:spLocks noGrp="1"/>
+          </p:cNvSpPr>
+          <p:nvPr>
+            <p:ph type="title"/>
+          </p:nvPr>
+        </p:nvSpPr>
+        <p:spPr>
+          <a:xfrm>
+            <a:off x="913775" y="268711"/>
+            <a:ext cx="10364451" cy="1596177"/>
+          </a:xfrm>
+        </p:spPr>
+        <p:txBody>
+          <a:bodyPr/>
+          <a:lstStyle/>
+          <a:p>
+            <a:pPr marL="514350" indent="-514350"/>
+            <a:r>
+              <a:rPr kumimoji="1" lang="en-US" altLang="zh-TW" dirty="0">
+                <a:solidFill>
+                  <a:schemeClr val="accent1">
+                    <a:lumMod val="75000"/>
+                  </a:schemeClr>
+                </a:solidFill>
+                <a:latin typeface="Times New Roman" panose="02020603050405020304" pitchFamily="18" charset="0"/>
+                <a:cs typeface="Times New Roman" panose="02020603050405020304" pitchFamily="18" charset="0"/>
+              </a:rPr>
+              <a:t>Training Learning Curve (loss)</a:t>
+            </a:r>
+          </a:p>
+        </p:txBody>
+      </p:sp>
+      <p:pic>
+        <p:nvPicPr>
+          <p:cNvPr id="7" name="圖片 6">
+            <a:extLst>
+              <a:ext uri="{FF2B5EF4-FFF2-40B4-BE49-F238E27FC236}">
+                <a16:creationId xmlns:a16="http://schemas.microsoft.com/office/drawing/2014/main" id="{FFD3602A-8846-D878-6F81-FED32E6E9082}"/>
+              </a:ext>
+            </a:extLst>
+          </p:cNvPr>
+          <p:cNvPicPr>
+            <a:picLocks noChangeAspect="1"/>
+          </p:cNvPicPr>
+          <p:nvPr/>
+        </p:nvPicPr>
+        <p:blipFill>
+          <a:blip r:embed="rId2"/>
+          <a:stretch>
+            <a:fillRect/>
+          </a:stretch>
+        </p:blipFill>
+        <p:spPr>
+          <a:xfrm>
+            <a:off x="1938700" y="1683913"/>
+            <a:ext cx="8314600" cy="5088362"/>
+          </a:xfrm>
+          <a:prstGeom prst="rect">
+            <a:avLst/>
+          </a:prstGeom>
+        </p:spPr>
+      </p:pic>
+    </p:spTree>
+    <p:extLst>
+      <p:ext uri="{BB962C8B-B14F-4D97-AF65-F5344CB8AC3E}">
+        <p14:creationId xmlns:p14="http://schemas.microsoft.com/office/powerpoint/2010/main" val="3772786864"/>
+      </p:ext>
+    </p:extLst>
+  </p:cSld>
+  <p:clrMapOvr>
+    <a:masterClrMapping/>
+  </p:clrMapOvr>
+</p:sld>
+</file>
+
+<file path=ppt/slides/slide14.xml><?xml version="1.0" encoding="utf-8"?>
+<p:sld xmlns:a="http://schemas.openxmlformats.org/drawingml/2006/main" xmlns:r="http://schemas.openxmlformats.org/officeDocument/2006/relationships" xmlns:p="http://schemas.openxmlformats.org/presentationml/2006/main">
+  <p:cSld>
+    <p:spTree>
+      <p:nvGrpSpPr>
+        <p:cNvPr id="1" name=""/>
+        <p:cNvGrpSpPr/>
+        <p:nvPr/>
+      </p:nvGrpSpPr>
+      <p:grpSpPr>
+        <a:xfrm>
+          <a:off x="0" y="0"/>
+          <a:ext cx="0" cy="0"/>
+          <a:chOff x="0" y="0"/>
+          <a:chExt cx="0" cy="0"/>
+        </a:xfrm>
+      </p:grpSpPr>
+      <p:sp>
+        <p:nvSpPr>
+          <p:cNvPr id="2" name="標題 1">
+            <a:extLst>
+              <a:ext uri="{FF2B5EF4-FFF2-40B4-BE49-F238E27FC236}">
+                <a16:creationId xmlns:a16="http://schemas.microsoft.com/office/drawing/2014/main" id="{906B6324-86ED-A939-74F1-E5A416A581E1}"/>
+              </a:ext>
+            </a:extLst>
+          </p:cNvPr>
+          <p:cNvSpPr>
+            <a:spLocks noGrp="1"/>
+          </p:cNvSpPr>
+          <p:nvPr>
+            <p:ph type="title"/>
+          </p:nvPr>
+        </p:nvSpPr>
+        <p:spPr>
+          <a:xfrm>
+            <a:off x="913775" y="268711"/>
+            <a:ext cx="10364451" cy="1596177"/>
+          </a:xfrm>
+        </p:spPr>
+        <p:txBody>
+          <a:bodyPr/>
+          <a:lstStyle/>
+          <a:p>
+            <a:pPr marL="514350" indent="-514350"/>
+            <a:r>
+              <a:rPr kumimoji="1" lang="en-US" altLang="zh-TW" dirty="0">
+                <a:solidFill>
+                  <a:schemeClr val="accent1">
+                    <a:lumMod val="75000"/>
+                  </a:schemeClr>
+                </a:solidFill>
+                <a:latin typeface="Times New Roman" panose="02020603050405020304" pitchFamily="18" charset="0"/>
+                <a:cs typeface="Times New Roman" panose="02020603050405020304" pitchFamily="18" charset="0"/>
+              </a:rPr>
+              <a:t>Training Learning Curve (accuracy)</a:t>
+            </a:r>
+          </a:p>
+        </p:txBody>
+      </p:sp>
+      <p:pic>
+        <p:nvPicPr>
+          <p:cNvPr id="4" name="圖片 3">
+            <a:extLst>
+              <a:ext uri="{FF2B5EF4-FFF2-40B4-BE49-F238E27FC236}">
+                <a16:creationId xmlns:a16="http://schemas.microsoft.com/office/drawing/2014/main" id="{93F6D5AF-FA1F-44A4-FB24-163B0DD2E4F2}"/>
+              </a:ext>
+            </a:extLst>
+          </p:cNvPr>
+          <p:cNvPicPr>
+            <a:picLocks noChangeAspect="1"/>
+          </p:cNvPicPr>
+          <p:nvPr/>
+        </p:nvPicPr>
+        <p:blipFill>
+          <a:blip r:embed="rId2"/>
+          <a:stretch>
+            <a:fillRect/>
+          </a:stretch>
+        </p:blipFill>
+        <p:spPr>
+          <a:xfrm>
+            <a:off x="1895475" y="1588662"/>
+            <a:ext cx="8401050" cy="5168185"/>
+          </a:xfrm>
+          <a:prstGeom prst="rect">
+            <a:avLst/>
+          </a:prstGeom>
+        </p:spPr>
+      </p:pic>
+    </p:spTree>
+    <p:extLst>
+      <p:ext uri="{BB962C8B-B14F-4D97-AF65-F5344CB8AC3E}">
+        <p14:creationId xmlns:p14="http://schemas.microsoft.com/office/powerpoint/2010/main" val="1451194603"/>
+      </p:ext>
+    </p:extLst>
+  </p:cSld>
+  <p:clrMapOvr>
+    <a:masterClrMapping/>
+  </p:clrMapOvr>
+</p:sld>
+</file>
+
+<file path=ppt/slides/slide15.xml><?xml version="1.0" encoding="utf-8"?>
+<p:sld xmlns:a="http://schemas.openxmlformats.org/drawingml/2006/main" xmlns:r="http://schemas.openxmlformats.org/officeDocument/2006/relationships" xmlns:p="http://schemas.openxmlformats.org/presentationml/2006/main">
+  <p:cSld>
+    <p:spTree>
+      <p:nvGrpSpPr>
+        <p:cNvPr id="1" name=""/>
+        <p:cNvGrpSpPr/>
+        <p:nvPr/>
+      </p:nvGrpSpPr>
+      <p:grpSpPr>
+        <a:xfrm>
+          <a:off x="0" y="0"/>
+          <a:ext cx="0" cy="0"/>
+          <a:chOff x="0" y="0"/>
+          <a:chExt cx="0" cy="0"/>
+        </a:xfrm>
+      </p:grpSpPr>
+      <p:sp>
+        <p:nvSpPr>
+          <p:cNvPr id="2" name="標題 1">
+            <a:extLst>
+              <a:ext uri="{FF2B5EF4-FFF2-40B4-BE49-F238E27FC236}">
+                <a16:creationId xmlns:a16="http://schemas.microsoft.com/office/drawing/2014/main" id="{906B6324-86ED-A939-74F1-E5A416A581E1}"/>
+              </a:ext>
+            </a:extLst>
+          </p:cNvPr>
+          <p:cNvSpPr>
+            <a:spLocks noGrp="1"/>
+          </p:cNvSpPr>
+          <p:nvPr>
+            <p:ph type="title"/>
+          </p:nvPr>
+        </p:nvSpPr>
+        <p:spPr>
+          <a:xfrm>
+            <a:off x="913775" y="268711"/>
+            <a:ext cx="10364451" cy="1596177"/>
+          </a:xfrm>
+        </p:spPr>
+        <p:txBody>
+          <a:bodyPr/>
+          <a:lstStyle/>
+          <a:p>
+            <a:pPr marL="514350" indent="-514350"/>
+            <a:r>
+              <a:rPr kumimoji="1" lang="en-US" altLang="zh-TW" dirty="0">
+                <a:solidFill>
+                  <a:schemeClr val="accent1">
+                    <a:lumMod val="75000"/>
+                  </a:schemeClr>
+                </a:solidFill>
+                <a:latin typeface="Times New Roman" panose="02020603050405020304" pitchFamily="18" charset="0"/>
+                <a:cs typeface="Times New Roman" panose="02020603050405020304" pitchFamily="18" charset="0"/>
+              </a:rPr>
+              <a:t>Result of Formal Test Data</a:t>
+            </a:r>
+          </a:p>
+        </p:txBody>
+      </p:sp>
+      <p:pic>
+        <p:nvPicPr>
+          <p:cNvPr id="7" name="圖片 6">
+            <a:extLst>
+              <a:ext uri="{FF2B5EF4-FFF2-40B4-BE49-F238E27FC236}">
+                <a16:creationId xmlns:a16="http://schemas.microsoft.com/office/drawing/2014/main" id="{086ACDF9-3695-7426-A2D6-F59492D93345}"/>
+              </a:ext>
+            </a:extLst>
+          </p:cNvPr>
+          <p:cNvPicPr>
+            <a:picLocks noChangeAspect="1"/>
+          </p:cNvPicPr>
+          <p:nvPr/>
+        </p:nvPicPr>
+        <p:blipFill>
+          <a:blip r:embed="rId2"/>
+          <a:stretch>
+            <a:fillRect/>
+          </a:stretch>
+        </p:blipFill>
+        <p:spPr>
+          <a:xfrm>
+            <a:off x="2294357" y="3196265"/>
+            <a:ext cx="7603286" cy="1428806"/>
+          </a:xfrm>
+          <a:prstGeom prst="rect">
+            <a:avLst/>
+          </a:prstGeom>
+        </p:spPr>
+      </p:pic>
+    </p:spTree>
+    <p:extLst>
+      <p:ext uri="{BB962C8B-B14F-4D97-AF65-F5344CB8AC3E}">
+        <p14:creationId xmlns:p14="http://schemas.microsoft.com/office/powerpoint/2010/main" val="3982629749"/>
       </p:ext>
     </p:extLst>
   </p:cSld>
@@ -3427,7 +4464,7 @@
           <p:cNvPr id="2" name="標題 1">
             <a:extLst>
               <a:ext uri="{FF2B5EF4-FFF2-40B4-BE49-F238E27FC236}">
-                <a16:creationId xmlns:a16="http://schemas.microsoft.com/office/drawing/2014/main" id="{A0458961-58C8-2F44-631D-6879BA1E9339}"/>
+                <a16:creationId xmlns:a16="http://schemas.microsoft.com/office/drawing/2014/main" id="{906B6324-86ED-A939-74F1-E5A416A581E1}"/>
               </a:ext>
             </a:extLst>
           </p:cNvPr>
@@ -3438,12 +4475,29 @@
             <p:ph type="title"/>
           </p:nvPr>
         </p:nvSpPr>
-        <p:spPr/>
+        <p:spPr>
+          <a:xfrm>
+            <a:off x="913775" y="268711"/>
+            <a:ext cx="10364451" cy="1596177"/>
+          </a:xfrm>
+        </p:spPr>
         <p:txBody>
           <a:bodyPr/>
           <a:lstStyle/>
           <a:p>
-            <a:endParaRPr lang="zh-TW" altLang="en-US"/>
+            <a:pPr marL="514350" indent="-514350"/>
+            <a:r>
+              <a:rPr kumimoji="1" lang="en-US" altLang="zh-TW" dirty="0">
+                <a:solidFill>
+                  <a:schemeClr val="accent1">
+                    <a:lumMod val="75000"/>
+                  </a:schemeClr>
+                </a:solidFill>
+                <a:latin typeface="Times New Roman" panose="02020603050405020304" pitchFamily="18" charset="0"/>
+                <a:cs typeface="Times New Roman" panose="02020603050405020304" pitchFamily="18" charset="0"/>
+              </a:rPr>
+              <a:t>Augmentation Function</a:t>
+            </a:r>
           </a:p>
         </p:txBody>
       </p:sp>
@@ -3452,7 +4506,7 @@
           <p:cNvPr id="3" name="內容版面配置區 2">
             <a:extLst>
               <a:ext uri="{FF2B5EF4-FFF2-40B4-BE49-F238E27FC236}">
-                <a16:creationId xmlns:a16="http://schemas.microsoft.com/office/drawing/2014/main" id="{0B6532E1-FB56-4A37-F9B6-BE67365C5A28}"/>
+                <a16:creationId xmlns:a16="http://schemas.microsoft.com/office/drawing/2014/main" id="{7F045C18-ABFB-C9FE-88FB-2DB9E44B6C40}"/>
               </a:ext>
             </a:extLst>
           </p:cNvPr>
@@ -3463,19 +4517,1986 @@
             <p:ph idx="1"/>
           </p:nvPr>
         </p:nvSpPr>
-        <p:spPr/>
-        <p:txBody>
-          <a:bodyPr/>
+        <p:spPr>
+          <a:xfrm>
+            <a:off x="1498246" y="2061896"/>
+            <a:ext cx="2192910" cy="781972"/>
+          </a:xfrm>
+        </p:spPr>
+        <p:txBody>
+          <a:bodyPr>
+            <a:normAutofit/>
+          </a:bodyPr>
           <a:lstStyle/>
           <a:p>
-            <a:endParaRPr lang="zh-TW" altLang="en-US"/>
+            <a:pPr marL="0" indent="0" algn="just">
+              <a:lnSpc>
+                <a:spcPct val="150000"/>
+              </a:lnSpc>
+              <a:spcBef>
+                <a:spcPts val="400"/>
+              </a:spcBef>
+              <a:buNone/>
+            </a:pPr>
+            <a:r>
+              <a:rPr lang="zh-TW" altLang="en-US" sz="2400" dirty="0">
+                <a:solidFill>
+                  <a:srgbClr val="211E1E"/>
+                </a:solidFill>
+                <a:effectLst/>
+                <a:latin typeface="標楷體" panose="03000509000000000000" pitchFamily="65" charset="-120"/>
+                <a:ea typeface="標楷體" panose="03000509000000000000" pitchFamily="65" charset="-120"/>
+                <a:cs typeface="Times New Roman" panose="02020603050405020304" pitchFamily="18" charset="0"/>
+              </a:rPr>
+              <a:t>整體深度改變</a:t>
+            </a:r>
+            <a:endParaRPr lang="en-US" altLang="zh-TW" sz="2400" dirty="0">
+              <a:solidFill>
+                <a:srgbClr val="211E1E"/>
+              </a:solidFill>
+              <a:effectLst/>
+              <a:latin typeface="標楷體" panose="03000509000000000000" pitchFamily="65" charset="-120"/>
+              <a:ea typeface="標楷體" panose="03000509000000000000" pitchFamily="65" charset="-120"/>
+              <a:cs typeface="Times New Roman" panose="02020603050405020304" pitchFamily="18" charset="0"/>
+            </a:endParaRPr>
+          </a:p>
+          <a:p>
+            <a:pPr algn="just">
+              <a:lnSpc>
+                <a:spcPct val="150000"/>
+              </a:lnSpc>
+              <a:spcBef>
+                <a:spcPts val="400"/>
+              </a:spcBef>
+            </a:pPr>
+            <a:endParaRPr lang="en-US" altLang="zh-TW" sz="2400" dirty="0">
+              <a:latin typeface="標楷體" panose="03000509000000000000" pitchFamily="65" charset="-120"/>
+              <a:ea typeface="標楷體" panose="03000509000000000000" pitchFamily="65" charset="-120"/>
+              <a:cs typeface="Times New Roman" panose="02020603050405020304" pitchFamily="18" charset="0"/>
+            </a:endParaRPr>
+          </a:p>
+          <a:p>
+            <a:pPr algn="just">
+              <a:lnSpc>
+                <a:spcPct val="150000"/>
+              </a:lnSpc>
+              <a:spcBef>
+                <a:spcPts val="400"/>
+              </a:spcBef>
+            </a:pPr>
+            <a:endParaRPr kumimoji="1" lang="zh-TW" altLang="en-US" sz="2400" dirty="0">
+              <a:latin typeface="標楷體" panose="03000509000000000000" pitchFamily="65" charset="-120"/>
+              <a:ea typeface="標楷體" panose="03000509000000000000" pitchFamily="65" charset="-120"/>
+              <a:cs typeface="Times New Roman" panose="02020603050405020304" pitchFamily="18" charset="0"/>
+            </a:endParaRPr>
+          </a:p>
+        </p:txBody>
+      </p:sp>
+      <p:pic>
+        <p:nvPicPr>
+          <p:cNvPr id="5" name="圖片 4">
+            <a:extLst>
+              <a:ext uri="{FF2B5EF4-FFF2-40B4-BE49-F238E27FC236}">
+                <a16:creationId xmlns:a16="http://schemas.microsoft.com/office/drawing/2014/main" id="{7C548126-7468-5B08-2C22-89C8D1F2A13D}"/>
+              </a:ext>
+            </a:extLst>
+          </p:cNvPr>
+          <p:cNvPicPr>
+            <a:picLocks noChangeAspect="1"/>
+          </p:cNvPicPr>
+          <p:nvPr/>
+        </p:nvPicPr>
+        <p:blipFill>
+          <a:blip r:embed="rId2"/>
+          <a:stretch>
+            <a:fillRect/>
+          </a:stretch>
+        </p:blipFill>
+        <p:spPr>
+          <a:xfrm>
+            <a:off x="814815" y="3111947"/>
+            <a:ext cx="3724795" cy="2781688"/>
+          </a:xfrm>
+          <a:prstGeom prst="rect">
+            <a:avLst/>
+          </a:prstGeom>
+        </p:spPr>
+      </p:pic>
+      <p:pic>
+        <p:nvPicPr>
+          <p:cNvPr id="7" name="圖片 6">
+            <a:extLst>
+              <a:ext uri="{FF2B5EF4-FFF2-40B4-BE49-F238E27FC236}">
+                <a16:creationId xmlns:a16="http://schemas.microsoft.com/office/drawing/2014/main" id="{4E7151BE-38B5-66AD-DB6C-CDC1697CB801}"/>
+              </a:ext>
+            </a:extLst>
+          </p:cNvPr>
+          <p:cNvPicPr>
+            <a:picLocks noChangeAspect="1"/>
+          </p:cNvPicPr>
+          <p:nvPr/>
+        </p:nvPicPr>
+        <p:blipFill>
+          <a:blip r:embed="rId3"/>
+          <a:stretch>
+            <a:fillRect/>
+          </a:stretch>
+        </p:blipFill>
+        <p:spPr>
+          <a:xfrm>
+            <a:off x="5306662" y="3731158"/>
+            <a:ext cx="6220693" cy="1543265"/>
+          </a:xfrm>
+          <a:prstGeom prst="rect">
+            <a:avLst/>
+          </a:prstGeom>
+        </p:spPr>
+      </p:pic>
+      <p:sp>
+        <p:nvSpPr>
+          <p:cNvPr id="8" name="內容版面配置區 2">
+            <a:extLst>
+              <a:ext uri="{FF2B5EF4-FFF2-40B4-BE49-F238E27FC236}">
+                <a16:creationId xmlns:a16="http://schemas.microsoft.com/office/drawing/2014/main" id="{BB432740-7201-585F-5453-400C647E98F7}"/>
+              </a:ext>
+            </a:extLst>
+          </p:cNvPr>
+          <p:cNvSpPr txBox="1">
+            <a:spLocks/>
+          </p:cNvSpPr>
+          <p:nvPr/>
+        </p:nvSpPr>
+        <p:spPr>
+          <a:xfrm>
+            <a:off x="7061919" y="2775879"/>
+            <a:ext cx="2710177" cy="955279"/>
+          </a:xfrm>
+          <a:prstGeom prst="rect">
+            <a:avLst/>
+          </a:prstGeom>
+        </p:spPr>
+        <p:txBody>
+          <a:bodyPr vert="horz" lIns="91440" tIns="45720" rIns="91440" bIns="45720" rtlCol="0">
+            <a:normAutofit/>
+          </a:bodyPr>
+          <a:lstStyle>
+            <a:lvl1pPr marL="228600" indent="-228600" algn="l" defTabSz="914400" rtl="0" eaLnBrk="1" latinLnBrk="0" hangingPunct="1">
+              <a:lnSpc>
+                <a:spcPct val="90000"/>
+              </a:lnSpc>
+              <a:spcBef>
+                <a:spcPts val="1000"/>
+              </a:spcBef>
+              <a:buFont typeface="Arial" panose="020B0604020202020204" pitchFamily="34" charset="0"/>
+              <a:buChar char="•"/>
+              <a:defRPr sz="2800" kern="1200">
+                <a:solidFill>
+                  <a:schemeClr val="tx1"/>
+                </a:solidFill>
+                <a:latin typeface="+mn-lt"/>
+                <a:ea typeface="+mn-ea"/>
+                <a:cs typeface="+mn-cs"/>
+              </a:defRPr>
+            </a:lvl1pPr>
+            <a:lvl2pPr marL="685800" indent="-228600" algn="l" defTabSz="914400" rtl="0" eaLnBrk="1" latinLnBrk="0" hangingPunct="1">
+              <a:lnSpc>
+                <a:spcPct val="90000"/>
+              </a:lnSpc>
+              <a:spcBef>
+                <a:spcPts val="500"/>
+              </a:spcBef>
+              <a:buFont typeface="Arial" panose="020B0604020202020204" pitchFamily="34" charset="0"/>
+              <a:buChar char="•"/>
+              <a:defRPr sz="2400" kern="1200">
+                <a:solidFill>
+                  <a:schemeClr val="tx1"/>
+                </a:solidFill>
+                <a:latin typeface="+mn-lt"/>
+                <a:ea typeface="+mn-ea"/>
+                <a:cs typeface="+mn-cs"/>
+              </a:defRPr>
+            </a:lvl2pPr>
+            <a:lvl3pPr marL="1143000" indent="-228600" algn="l" defTabSz="914400" rtl="0" eaLnBrk="1" latinLnBrk="0" hangingPunct="1">
+              <a:lnSpc>
+                <a:spcPct val="90000"/>
+              </a:lnSpc>
+              <a:spcBef>
+                <a:spcPts val="500"/>
+              </a:spcBef>
+              <a:buFont typeface="Arial" panose="020B0604020202020204" pitchFamily="34" charset="0"/>
+              <a:buChar char="•"/>
+              <a:defRPr sz="2000" kern="1200">
+                <a:solidFill>
+                  <a:schemeClr val="tx1"/>
+                </a:solidFill>
+                <a:latin typeface="+mn-lt"/>
+                <a:ea typeface="+mn-ea"/>
+                <a:cs typeface="+mn-cs"/>
+              </a:defRPr>
+            </a:lvl3pPr>
+            <a:lvl4pPr marL="1600200" indent="-228600" algn="l" defTabSz="914400" rtl="0" eaLnBrk="1" latinLnBrk="0" hangingPunct="1">
+              <a:lnSpc>
+                <a:spcPct val="90000"/>
+              </a:lnSpc>
+              <a:spcBef>
+                <a:spcPts val="500"/>
+              </a:spcBef>
+              <a:buFont typeface="Arial" panose="020B0604020202020204" pitchFamily="34" charset="0"/>
+              <a:buChar char="•"/>
+              <a:defRPr sz="1800" kern="1200">
+                <a:solidFill>
+                  <a:schemeClr val="tx1"/>
+                </a:solidFill>
+                <a:latin typeface="+mn-lt"/>
+                <a:ea typeface="+mn-ea"/>
+                <a:cs typeface="+mn-cs"/>
+              </a:defRPr>
+            </a:lvl4pPr>
+            <a:lvl5pPr marL="2057400" indent="-228600" algn="l" defTabSz="914400" rtl="0" eaLnBrk="1" latinLnBrk="0" hangingPunct="1">
+              <a:lnSpc>
+                <a:spcPct val="90000"/>
+              </a:lnSpc>
+              <a:spcBef>
+                <a:spcPts val="500"/>
+              </a:spcBef>
+              <a:buFont typeface="Arial" panose="020B0604020202020204" pitchFamily="34" charset="0"/>
+              <a:buChar char="•"/>
+              <a:defRPr sz="1800" kern="1200">
+                <a:solidFill>
+                  <a:schemeClr val="tx1"/>
+                </a:solidFill>
+                <a:latin typeface="+mn-lt"/>
+                <a:ea typeface="+mn-ea"/>
+                <a:cs typeface="+mn-cs"/>
+              </a:defRPr>
+            </a:lvl5pPr>
+            <a:lvl6pPr marL="2514600" indent="-228600" algn="l" defTabSz="914400" rtl="0" eaLnBrk="1" latinLnBrk="0" hangingPunct="1">
+              <a:lnSpc>
+                <a:spcPct val="90000"/>
+              </a:lnSpc>
+              <a:spcBef>
+                <a:spcPts val="500"/>
+              </a:spcBef>
+              <a:buFont typeface="Arial" panose="020B0604020202020204" pitchFamily="34" charset="0"/>
+              <a:buChar char="•"/>
+              <a:defRPr sz="1800" kern="1200">
+                <a:solidFill>
+                  <a:schemeClr val="tx1"/>
+                </a:solidFill>
+                <a:latin typeface="+mn-lt"/>
+                <a:ea typeface="+mn-ea"/>
+                <a:cs typeface="+mn-cs"/>
+              </a:defRPr>
+            </a:lvl6pPr>
+            <a:lvl7pPr marL="2971800" indent="-228600" algn="l" defTabSz="914400" rtl="0" eaLnBrk="1" latinLnBrk="0" hangingPunct="1">
+              <a:lnSpc>
+                <a:spcPct val="90000"/>
+              </a:lnSpc>
+              <a:spcBef>
+                <a:spcPts val="500"/>
+              </a:spcBef>
+              <a:buFont typeface="Arial" panose="020B0604020202020204" pitchFamily="34" charset="0"/>
+              <a:buChar char="•"/>
+              <a:defRPr sz="1800" kern="1200">
+                <a:solidFill>
+                  <a:schemeClr val="tx1"/>
+                </a:solidFill>
+                <a:latin typeface="+mn-lt"/>
+                <a:ea typeface="+mn-ea"/>
+                <a:cs typeface="+mn-cs"/>
+              </a:defRPr>
+            </a:lvl7pPr>
+            <a:lvl8pPr marL="3429000" indent="-228600" algn="l" defTabSz="914400" rtl="0" eaLnBrk="1" latinLnBrk="0" hangingPunct="1">
+              <a:lnSpc>
+                <a:spcPct val="90000"/>
+              </a:lnSpc>
+              <a:spcBef>
+                <a:spcPts val="500"/>
+              </a:spcBef>
+              <a:buFont typeface="Arial" panose="020B0604020202020204" pitchFamily="34" charset="0"/>
+              <a:buChar char="•"/>
+              <a:defRPr sz="1800" kern="1200">
+                <a:solidFill>
+                  <a:schemeClr val="tx1"/>
+                </a:solidFill>
+                <a:latin typeface="+mn-lt"/>
+                <a:ea typeface="+mn-ea"/>
+                <a:cs typeface="+mn-cs"/>
+              </a:defRPr>
+            </a:lvl8pPr>
+            <a:lvl9pPr marL="3886200" indent="-228600" algn="l" defTabSz="914400" rtl="0" eaLnBrk="1" latinLnBrk="0" hangingPunct="1">
+              <a:lnSpc>
+                <a:spcPct val="90000"/>
+              </a:lnSpc>
+              <a:spcBef>
+                <a:spcPts val="500"/>
+              </a:spcBef>
+              <a:buFont typeface="Arial" panose="020B0604020202020204" pitchFamily="34" charset="0"/>
+              <a:buChar char="•"/>
+              <a:defRPr sz="1800" kern="1200">
+                <a:solidFill>
+                  <a:schemeClr val="tx1"/>
+                </a:solidFill>
+                <a:latin typeface="+mn-lt"/>
+                <a:ea typeface="+mn-ea"/>
+                <a:cs typeface="+mn-cs"/>
+              </a:defRPr>
+            </a:lvl9pPr>
+          </a:lstStyle>
+          <a:p>
+            <a:pPr marL="0" indent="0" algn="just">
+              <a:lnSpc>
+                <a:spcPct val="150000"/>
+              </a:lnSpc>
+              <a:spcBef>
+                <a:spcPts val="400"/>
+              </a:spcBef>
+              <a:buFont typeface="Arial" panose="020B0604020202020204" pitchFamily="34" charset="0"/>
+              <a:buNone/>
+            </a:pPr>
+            <a:r>
+              <a:rPr kumimoji="1" lang="zh-TW" altLang="en-US" sz="2400" dirty="0">
+                <a:latin typeface="標楷體" panose="03000509000000000000" pitchFamily="65" charset="-120"/>
+                <a:ea typeface="標楷體" panose="03000509000000000000" pitchFamily="65" charset="-120"/>
+                <a:cs typeface="Times New Roman" panose="02020603050405020304" pitchFamily="18" charset="0"/>
+              </a:rPr>
+              <a:t>邊緣小範圍裁切</a:t>
+            </a:r>
           </a:p>
         </p:txBody>
       </p:sp>
     </p:spTree>
     <p:extLst>
       <p:ext uri="{BB962C8B-B14F-4D97-AF65-F5344CB8AC3E}">
-        <p14:creationId xmlns:p14="http://schemas.microsoft.com/office/powerpoint/2010/main" val="428158087"/>
+        <p14:creationId xmlns:p14="http://schemas.microsoft.com/office/powerpoint/2010/main" val="1503735649"/>
+      </p:ext>
+    </p:extLst>
+  </p:cSld>
+  <p:clrMapOvr>
+    <a:masterClrMapping/>
+  </p:clrMapOvr>
+</p:sld>
+</file>
+
+<file path=ppt/slides/slide3.xml><?xml version="1.0" encoding="utf-8"?>
+<p:sld xmlns:a="http://schemas.openxmlformats.org/drawingml/2006/main" xmlns:r="http://schemas.openxmlformats.org/officeDocument/2006/relationships" xmlns:p="http://schemas.openxmlformats.org/presentationml/2006/main">
+  <p:cSld>
+    <p:spTree>
+      <p:nvGrpSpPr>
+        <p:cNvPr id="1" name=""/>
+        <p:cNvGrpSpPr/>
+        <p:nvPr/>
+      </p:nvGrpSpPr>
+      <p:grpSpPr>
+        <a:xfrm>
+          <a:off x="0" y="0"/>
+          <a:ext cx="0" cy="0"/>
+          <a:chOff x="0" y="0"/>
+          <a:chExt cx="0" cy="0"/>
+        </a:xfrm>
+      </p:grpSpPr>
+      <p:sp>
+        <p:nvSpPr>
+          <p:cNvPr id="2" name="標題 1">
+            <a:extLst>
+              <a:ext uri="{FF2B5EF4-FFF2-40B4-BE49-F238E27FC236}">
+                <a16:creationId xmlns:a16="http://schemas.microsoft.com/office/drawing/2014/main" id="{906B6324-86ED-A939-74F1-E5A416A581E1}"/>
+              </a:ext>
+            </a:extLst>
+          </p:cNvPr>
+          <p:cNvSpPr>
+            <a:spLocks noGrp="1"/>
+          </p:cNvSpPr>
+          <p:nvPr>
+            <p:ph type="title"/>
+          </p:nvPr>
+        </p:nvSpPr>
+        <p:spPr>
+          <a:xfrm>
+            <a:off x="913775" y="268711"/>
+            <a:ext cx="10364451" cy="1596177"/>
+          </a:xfrm>
+        </p:spPr>
+        <p:txBody>
+          <a:bodyPr/>
+          <a:lstStyle/>
+          <a:p>
+            <a:pPr marL="514350" indent="-514350"/>
+            <a:r>
+              <a:rPr kumimoji="1" lang="en-US" altLang="zh-TW" dirty="0">
+                <a:solidFill>
+                  <a:schemeClr val="accent1">
+                    <a:lumMod val="75000"/>
+                  </a:schemeClr>
+                </a:solidFill>
+                <a:latin typeface="Times New Roman" panose="02020603050405020304" pitchFamily="18" charset="0"/>
+                <a:cs typeface="Times New Roman" panose="02020603050405020304" pitchFamily="18" charset="0"/>
+              </a:rPr>
+              <a:t>Augmentation Function</a:t>
+            </a:r>
+          </a:p>
+        </p:txBody>
+      </p:sp>
+      <p:sp>
+        <p:nvSpPr>
+          <p:cNvPr id="3" name="內容版面配置區 2">
+            <a:extLst>
+              <a:ext uri="{FF2B5EF4-FFF2-40B4-BE49-F238E27FC236}">
+                <a16:creationId xmlns:a16="http://schemas.microsoft.com/office/drawing/2014/main" id="{7F045C18-ABFB-C9FE-88FB-2DB9E44B6C40}"/>
+              </a:ext>
+            </a:extLst>
+          </p:cNvPr>
+          <p:cNvSpPr>
+            <a:spLocks noGrp="1"/>
+          </p:cNvSpPr>
+          <p:nvPr>
+            <p:ph idx="1"/>
+          </p:nvPr>
+        </p:nvSpPr>
+        <p:spPr>
+          <a:xfrm>
+            <a:off x="2070218" y="1446508"/>
+            <a:ext cx="2717605" cy="1003284"/>
+          </a:xfrm>
+        </p:spPr>
+        <p:txBody>
+          <a:bodyPr>
+            <a:normAutofit/>
+          </a:bodyPr>
+          <a:lstStyle/>
+          <a:p>
+            <a:pPr marL="0" indent="0" algn="just">
+              <a:lnSpc>
+                <a:spcPct val="150000"/>
+              </a:lnSpc>
+              <a:spcBef>
+                <a:spcPts val="400"/>
+              </a:spcBef>
+              <a:buNone/>
+            </a:pPr>
+            <a:r>
+              <a:rPr lang="zh-TW" altLang="en-US" sz="2400" dirty="0">
+                <a:solidFill>
+                  <a:srgbClr val="211E1E"/>
+                </a:solidFill>
+                <a:effectLst/>
+                <a:latin typeface="標楷體" panose="03000509000000000000" pitchFamily="65" charset="-120"/>
+                <a:ea typeface="標楷體" panose="03000509000000000000" pitchFamily="65" charset="-120"/>
+                <a:cs typeface="Times New Roman" panose="02020603050405020304" pitchFamily="18" charset="0"/>
+              </a:rPr>
+              <a:t>長寬比小範圍改變</a:t>
+            </a:r>
+            <a:endParaRPr kumimoji="1" lang="zh-TW" altLang="en-US" sz="2400" dirty="0">
+              <a:latin typeface="標楷體" panose="03000509000000000000" pitchFamily="65" charset="-120"/>
+              <a:ea typeface="標楷體" panose="03000509000000000000" pitchFamily="65" charset="-120"/>
+              <a:cs typeface="Times New Roman" panose="02020603050405020304" pitchFamily="18" charset="0"/>
+            </a:endParaRPr>
+          </a:p>
+        </p:txBody>
+      </p:sp>
+      <p:sp>
+        <p:nvSpPr>
+          <p:cNvPr id="8" name="內容版面配置區 2">
+            <a:extLst>
+              <a:ext uri="{FF2B5EF4-FFF2-40B4-BE49-F238E27FC236}">
+                <a16:creationId xmlns:a16="http://schemas.microsoft.com/office/drawing/2014/main" id="{BB432740-7201-585F-5453-400C647E98F7}"/>
+              </a:ext>
+            </a:extLst>
+          </p:cNvPr>
+          <p:cNvSpPr txBox="1">
+            <a:spLocks/>
+          </p:cNvSpPr>
+          <p:nvPr/>
+        </p:nvSpPr>
+        <p:spPr>
+          <a:xfrm>
+            <a:off x="8507180" y="3102439"/>
+            <a:ext cx="1062906" cy="653121"/>
+          </a:xfrm>
+          <a:prstGeom prst="rect">
+            <a:avLst/>
+          </a:prstGeom>
+        </p:spPr>
+        <p:txBody>
+          <a:bodyPr vert="horz" lIns="91440" tIns="45720" rIns="91440" bIns="45720" rtlCol="0">
+            <a:normAutofit/>
+          </a:bodyPr>
+          <a:lstStyle>
+            <a:lvl1pPr marL="228600" indent="-228600" algn="l" defTabSz="914400" rtl="0" eaLnBrk="1" latinLnBrk="0" hangingPunct="1">
+              <a:lnSpc>
+                <a:spcPct val="90000"/>
+              </a:lnSpc>
+              <a:spcBef>
+                <a:spcPts val="1000"/>
+              </a:spcBef>
+              <a:buFont typeface="Arial" panose="020B0604020202020204" pitchFamily="34" charset="0"/>
+              <a:buChar char="•"/>
+              <a:defRPr sz="2800" kern="1200">
+                <a:solidFill>
+                  <a:schemeClr val="tx1"/>
+                </a:solidFill>
+                <a:latin typeface="+mn-lt"/>
+                <a:ea typeface="+mn-ea"/>
+                <a:cs typeface="+mn-cs"/>
+              </a:defRPr>
+            </a:lvl1pPr>
+            <a:lvl2pPr marL="685800" indent="-228600" algn="l" defTabSz="914400" rtl="0" eaLnBrk="1" latinLnBrk="0" hangingPunct="1">
+              <a:lnSpc>
+                <a:spcPct val="90000"/>
+              </a:lnSpc>
+              <a:spcBef>
+                <a:spcPts val="500"/>
+              </a:spcBef>
+              <a:buFont typeface="Arial" panose="020B0604020202020204" pitchFamily="34" charset="0"/>
+              <a:buChar char="•"/>
+              <a:defRPr sz="2400" kern="1200">
+                <a:solidFill>
+                  <a:schemeClr val="tx1"/>
+                </a:solidFill>
+                <a:latin typeface="+mn-lt"/>
+                <a:ea typeface="+mn-ea"/>
+                <a:cs typeface="+mn-cs"/>
+              </a:defRPr>
+            </a:lvl2pPr>
+            <a:lvl3pPr marL="1143000" indent="-228600" algn="l" defTabSz="914400" rtl="0" eaLnBrk="1" latinLnBrk="0" hangingPunct="1">
+              <a:lnSpc>
+                <a:spcPct val="90000"/>
+              </a:lnSpc>
+              <a:spcBef>
+                <a:spcPts val="500"/>
+              </a:spcBef>
+              <a:buFont typeface="Arial" panose="020B0604020202020204" pitchFamily="34" charset="0"/>
+              <a:buChar char="•"/>
+              <a:defRPr sz="2000" kern="1200">
+                <a:solidFill>
+                  <a:schemeClr val="tx1"/>
+                </a:solidFill>
+                <a:latin typeface="+mn-lt"/>
+                <a:ea typeface="+mn-ea"/>
+                <a:cs typeface="+mn-cs"/>
+              </a:defRPr>
+            </a:lvl3pPr>
+            <a:lvl4pPr marL="1600200" indent="-228600" algn="l" defTabSz="914400" rtl="0" eaLnBrk="1" latinLnBrk="0" hangingPunct="1">
+              <a:lnSpc>
+                <a:spcPct val="90000"/>
+              </a:lnSpc>
+              <a:spcBef>
+                <a:spcPts val="500"/>
+              </a:spcBef>
+              <a:buFont typeface="Arial" panose="020B0604020202020204" pitchFamily="34" charset="0"/>
+              <a:buChar char="•"/>
+              <a:defRPr sz="1800" kern="1200">
+                <a:solidFill>
+                  <a:schemeClr val="tx1"/>
+                </a:solidFill>
+                <a:latin typeface="+mn-lt"/>
+                <a:ea typeface="+mn-ea"/>
+                <a:cs typeface="+mn-cs"/>
+              </a:defRPr>
+            </a:lvl4pPr>
+            <a:lvl5pPr marL="2057400" indent="-228600" algn="l" defTabSz="914400" rtl="0" eaLnBrk="1" latinLnBrk="0" hangingPunct="1">
+              <a:lnSpc>
+                <a:spcPct val="90000"/>
+              </a:lnSpc>
+              <a:spcBef>
+                <a:spcPts val="500"/>
+              </a:spcBef>
+              <a:buFont typeface="Arial" panose="020B0604020202020204" pitchFamily="34" charset="0"/>
+              <a:buChar char="•"/>
+              <a:defRPr sz="1800" kern="1200">
+                <a:solidFill>
+                  <a:schemeClr val="tx1"/>
+                </a:solidFill>
+                <a:latin typeface="+mn-lt"/>
+                <a:ea typeface="+mn-ea"/>
+                <a:cs typeface="+mn-cs"/>
+              </a:defRPr>
+            </a:lvl5pPr>
+            <a:lvl6pPr marL="2514600" indent="-228600" algn="l" defTabSz="914400" rtl="0" eaLnBrk="1" latinLnBrk="0" hangingPunct="1">
+              <a:lnSpc>
+                <a:spcPct val="90000"/>
+              </a:lnSpc>
+              <a:spcBef>
+                <a:spcPts val="500"/>
+              </a:spcBef>
+              <a:buFont typeface="Arial" panose="020B0604020202020204" pitchFamily="34" charset="0"/>
+              <a:buChar char="•"/>
+              <a:defRPr sz="1800" kern="1200">
+                <a:solidFill>
+                  <a:schemeClr val="tx1"/>
+                </a:solidFill>
+                <a:latin typeface="+mn-lt"/>
+                <a:ea typeface="+mn-ea"/>
+                <a:cs typeface="+mn-cs"/>
+              </a:defRPr>
+            </a:lvl6pPr>
+            <a:lvl7pPr marL="2971800" indent="-228600" algn="l" defTabSz="914400" rtl="0" eaLnBrk="1" latinLnBrk="0" hangingPunct="1">
+              <a:lnSpc>
+                <a:spcPct val="90000"/>
+              </a:lnSpc>
+              <a:spcBef>
+                <a:spcPts val="500"/>
+              </a:spcBef>
+              <a:buFont typeface="Arial" panose="020B0604020202020204" pitchFamily="34" charset="0"/>
+              <a:buChar char="•"/>
+              <a:defRPr sz="1800" kern="1200">
+                <a:solidFill>
+                  <a:schemeClr val="tx1"/>
+                </a:solidFill>
+                <a:latin typeface="+mn-lt"/>
+                <a:ea typeface="+mn-ea"/>
+                <a:cs typeface="+mn-cs"/>
+              </a:defRPr>
+            </a:lvl7pPr>
+            <a:lvl8pPr marL="3429000" indent="-228600" algn="l" defTabSz="914400" rtl="0" eaLnBrk="1" latinLnBrk="0" hangingPunct="1">
+              <a:lnSpc>
+                <a:spcPct val="90000"/>
+              </a:lnSpc>
+              <a:spcBef>
+                <a:spcPts val="500"/>
+              </a:spcBef>
+              <a:buFont typeface="Arial" panose="020B0604020202020204" pitchFamily="34" charset="0"/>
+              <a:buChar char="•"/>
+              <a:defRPr sz="1800" kern="1200">
+                <a:solidFill>
+                  <a:schemeClr val="tx1"/>
+                </a:solidFill>
+                <a:latin typeface="+mn-lt"/>
+                <a:ea typeface="+mn-ea"/>
+                <a:cs typeface="+mn-cs"/>
+              </a:defRPr>
+            </a:lvl8pPr>
+            <a:lvl9pPr marL="3886200" indent="-228600" algn="l" defTabSz="914400" rtl="0" eaLnBrk="1" latinLnBrk="0" hangingPunct="1">
+              <a:lnSpc>
+                <a:spcPct val="90000"/>
+              </a:lnSpc>
+              <a:spcBef>
+                <a:spcPts val="500"/>
+              </a:spcBef>
+              <a:buFont typeface="Arial" panose="020B0604020202020204" pitchFamily="34" charset="0"/>
+              <a:buChar char="•"/>
+              <a:defRPr sz="1800" kern="1200">
+                <a:solidFill>
+                  <a:schemeClr val="tx1"/>
+                </a:solidFill>
+                <a:latin typeface="+mn-lt"/>
+                <a:ea typeface="+mn-ea"/>
+                <a:cs typeface="+mn-cs"/>
+              </a:defRPr>
+            </a:lvl9pPr>
+          </a:lstStyle>
+          <a:p>
+            <a:pPr marL="0" indent="0" algn="just">
+              <a:lnSpc>
+                <a:spcPct val="150000"/>
+              </a:lnSpc>
+              <a:spcBef>
+                <a:spcPts val="400"/>
+              </a:spcBef>
+              <a:buFont typeface="Arial" panose="020B0604020202020204" pitchFamily="34" charset="0"/>
+              <a:buNone/>
+            </a:pPr>
+            <a:r>
+              <a:rPr kumimoji="1" lang="zh-TW" altLang="en-US" sz="2400" dirty="0">
+                <a:latin typeface="標楷體" panose="03000509000000000000" pitchFamily="65" charset="-120"/>
+                <a:ea typeface="標楷體" panose="03000509000000000000" pitchFamily="65" charset="-120"/>
+                <a:cs typeface="Times New Roman" panose="02020603050405020304" pitchFamily="18" charset="0"/>
+              </a:rPr>
+              <a:t>雜訊</a:t>
+            </a:r>
+          </a:p>
+        </p:txBody>
+      </p:sp>
+      <p:pic>
+        <p:nvPicPr>
+          <p:cNvPr id="6" name="圖片 5">
+            <a:extLst>
+              <a:ext uri="{FF2B5EF4-FFF2-40B4-BE49-F238E27FC236}">
+                <a16:creationId xmlns:a16="http://schemas.microsoft.com/office/drawing/2014/main" id="{9CBA5864-79D9-7E27-94FF-33ED7930F5D3}"/>
+              </a:ext>
+            </a:extLst>
+          </p:cNvPr>
+          <p:cNvPicPr>
+            <a:picLocks noChangeAspect="1"/>
+          </p:cNvPicPr>
+          <p:nvPr/>
+        </p:nvPicPr>
+        <p:blipFill>
+          <a:blip r:embed="rId2"/>
+          <a:stretch>
+            <a:fillRect/>
+          </a:stretch>
+        </p:blipFill>
+        <p:spPr>
+          <a:xfrm>
+            <a:off x="597423" y="2118776"/>
+            <a:ext cx="5663194" cy="4542180"/>
+          </a:xfrm>
+          <a:prstGeom prst="rect">
+            <a:avLst/>
+          </a:prstGeom>
+        </p:spPr>
+      </p:pic>
+      <p:pic>
+        <p:nvPicPr>
+          <p:cNvPr id="10" name="圖片 9">
+            <a:extLst>
+              <a:ext uri="{FF2B5EF4-FFF2-40B4-BE49-F238E27FC236}">
+                <a16:creationId xmlns:a16="http://schemas.microsoft.com/office/drawing/2014/main" id="{02498F2A-4C1E-BC72-1087-2CB217225347}"/>
+              </a:ext>
+            </a:extLst>
+          </p:cNvPr>
+          <p:cNvPicPr>
+            <a:picLocks noChangeAspect="1"/>
+          </p:cNvPicPr>
+          <p:nvPr/>
+        </p:nvPicPr>
+        <p:blipFill>
+          <a:blip r:embed="rId3"/>
+          <a:stretch>
+            <a:fillRect/>
+          </a:stretch>
+        </p:blipFill>
+        <p:spPr>
+          <a:xfrm>
+            <a:off x="7061919" y="3808749"/>
+            <a:ext cx="3953427" cy="1314633"/>
+          </a:xfrm>
+          <a:prstGeom prst="rect">
+            <a:avLst/>
+          </a:prstGeom>
+        </p:spPr>
+      </p:pic>
+    </p:spTree>
+    <p:extLst>
+      <p:ext uri="{BB962C8B-B14F-4D97-AF65-F5344CB8AC3E}">
+        <p14:creationId xmlns:p14="http://schemas.microsoft.com/office/powerpoint/2010/main" val="4070225491"/>
+      </p:ext>
+    </p:extLst>
+  </p:cSld>
+  <p:clrMapOvr>
+    <a:masterClrMapping/>
+  </p:clrMapOvr>
+</p:sld>
+</file>
+
+<file path=ppt/slides/slide4.xml><?xml version="1.0" encoding="utf-8"?>
+<p:sld xmlns:a="http://schemas.openxmlformats.org/drawingml/2006/main" xmlns:r="http://schemas.openxmlformats.org/officeDocument/2006/relationships" xmlns:p="http://schemas.openxmlformats.org/presentationml/2006/main">
+  <p:cSld>
+    <p:spTree>
+      <p:nvGrpSpPr>
+        <p:cNvPr id="1" name=""/>
+        <p:cNvGrpSpPr/>
+        <p:nvPr/>
+      </p:nvGrpSpPr>
+      <p:grpSpPr>
+        <a:xfrm>
+          <a:off x="0" y="0"/>
+          <a:ext cx="0" cy="0"/>
+          <a:chOff x="0" y="0"/>
+          <a:chExt cx="0" cy="0"/>
+        </a:xfrm>
+      </p:grpSpPr>
+      <p:sp>
+        <p:nvSpPr>
+          <p:cNvPr id="2" name="標題 1">
+            <a:extLst>
+              <a:ext uri="{FF2B5EF4-FFF2-40B4-BE49-F238E27FC236}">
+                <a16:creationId xmlns:a16="http://schemas.microsoft.com/office/drawing/2014/main" id="{906B6324-86ED-A939-74F1-E5A416A581E1}"/>
+              </a:ext>
+            </a:extLst>
+          </p:cNvPr>
+          <p:cNvSpPr>
+            <a:spLocks noGrp="1"/>
+          </p:cNvSpPr>
+          <p:nvPr>
+            <p:ph type="title"/>
+          </p:nvPr>
+        </p:nvSpPr>
+        <p:spPr>
+          <a:xfrm>
+            <a:off x="913775" y="268711"/>
+            <a:ext cx="10364451" cy="1596177"/>
+          </a:xfrm>
+        </p:spPr>
+        <p:txBody>
+          <a:bodyPr/>
+          <a:lstStyle/>
+          <a:p>
+            <a:pPr marL="514350" indent="-514350"/>
+            <a:r>
+              <a:rPr kumimoji="1" lang="en-US" altLang="zh-TW" dirty="0">
+                <a:solidFill>
+                  <a:schemeClr val="accent1">
+                    <a:lumMod val="75000"/>
+                  </a:schemeClr>
+                </a:solidFill>
+                <a:latin typeface="Times New Roman" panose="02020603050405020304" pitchFamily="18" charset="0"/>
+                <a:cs typeface="Times New Roman" panose="02020603050405020304" pitchFamily="18" charset="0"/>
+              </a:rPr>
+              <a:t>Augmentation Function</a:t>
+            </a:r>
+          </a:p>
+        </p:txBody>
+      </p:sp>
+      <p:sp>
+        <p:nvSpPr>
+          <p:cNvPr id="3" name="內容版面配置區 2">
+            <a:extLst>
+              <a:ext uri="{FF2B5EF4-FFF2-40B4-BE49-F238E27FC236}">
+                <a16:creationId xmlns:a16="http://schemas.microsoft.com/office/drawing/2014/main" id="{7F045C18-ABFB-C9FE-88FB-2DB9E44B6C40}"/>
+              </a:ext>
+            </a:extLst>
+          </p:cNvPr>
+          <p:cNvSpPr>
+            <a:spLocks noGrp="1"/>
+          </p:cNvSpPr>
+          <p:nvPr>
+            <p:ph idx="1"/>
+          </p:nvPr>
+        </p:nvSpPr>
+        <p:spPr>
+          <a:xfrm>
+            <a:off x="2378651" y="2965978"/>
+            <a:ext cx="1495157" cy="658517"/>
+          </a:xfrm>
+        </p:spPr>
+        <p:txBody>
+          <a:bodyPr>
+            <a:normAutofit/>
+          </a:bodyPr>
+          <a:lstStyle/>
+          <a:p>
+            <a:pPr marL="0" indent="0" algn="just">
+              <a:lnSpc>
+                <a:spcPct val="150000"/>
+              </a:lnSpc>
+              <a:spcBef>
+                <a:spcPts val="400"/>
+              </a:spcBef>
+              <a:buNone/>
+            </a:pPr>
+            <a:r>
+              <a:rPr kumimoji="1" lang="zh-TW" altLang="en-US" sz="2400" dirty="0">
+                <a:solidFill>
+                  <a:srgbClr val="211E1E"/>
+                </a:solidFill>
+                <a:latin typeface="標楷體" panose="03000509000000000000" pitchFamily="65" charset="-120"/>
+                <a:ea typeface="標楷體" panose="03000509000000000000" pitchFamily="65" charset="-120"/>
+                <a:cs typeface="Times New Roman" panose="02020603050405020304" pitchFamily="18" charset="0"/>
+              </a:rPr>
+              <a:t>平面旋轉</a:t>
+            </a:r>
+            <a:endParaRPr kumimoji="1" lang="zh-TW" altLang="en-US" sz="2400" dirty="0">
+              <a:latin typeface="標楷體" panose="03000509000000000000" pitchFamily="65" charset="-120"/>
+              <a:ea typeface="標楷體" panose="03000509000000000000" pitchFamily="65" charset="-120"/>
+              <a:cs typeface="Times New Roman" panose="02020603050405020304" pitchFamily="18" charset="0"/>
+            </a:endParaRPr>
+          </a:p>
+        </p:txBody>
+      </p:sp>
+      <p:pic>
+        <p:nvPicPr>
+          <p:cNvPr id="5" name="圖片 4">
+            <a:extLst>
+              <a:ext uri="{FF2B5EF4-FFF2-40B4-BE49-F238E27FC236}">
+                <a16:creationId xmlns:a16="http://schemas.microsoft.com/office/drawing/2014/main" id="{C5EF3F2A-A7B3-906A-966F-0AFAF8839BB8}"/>
+              </a:ext>
+            </a:extLst>
+          </p:cNvPr>
+          <p:cNvPicPr>
+            <a:picLocks noChangeAspect="1"/>
+          </p:cNvPicPr>
+          <p:nvPr/>
+        </p:nvPicPr>
+        <p:blipFill>
+          <a:blip r:embed="rId2"/>
+          <a:stretch>
+            <a:fillRect/>
+          </a:stretch>
+        </p:blipFill>
+        <p:spPr>
+          <a:xfrm>
+            <a:off x="156460" y="3738477"/>
+            <a:ext cx="5939540" cy="1368215"/>
+          </a:xfrm>
+          <a:prstGeom prst="rect">
+            <a:avLst/>
+          </a:prstGeom>
+        </p:spPr>
+      </p:pic>
+      <p:pic>
+        <p:nvPicPr>
+          <p:cNvPr id="9" name="圖片 8">
+            <a:extLst>
+              <a:ext uri="{FF2B5EF4-FFF2-40B4-BE49-F238E27FC236}">
+                <a16:creationId xmlns:a16="http://schemas.microsoft.com/office/drawing/2014/main" id="{29D85F6C-4A27-A7BF-5548-050DF1001673}"/>
+              </a:ext>
+            </a:extLst>
+          </p:cNvPr>
+          <p:cNvPicPr>
+            <a:picLocks noChangeAspect="1"/>
+          </p:cNvPicPr>
+          <p:nvPr/>
+        </p:nvPicPr>
+        <p:blipFill>
+          <a:blip r:embed="rId3"/>
+          <a:stretch>
+            <a:fillRect/>
+          </a:stretch>
+        </p:blipFill>
+        <p:spPr>
+          <a:xfrm>
+            <a:off x="6361875" y="3624495"/>
+            <a:ext cx="5568688" cy="1596178"/>
+          </a:xfrm>
+          <a:prstGeom prst="rect">
+            <a:avLst/>
+          </a:prstGeom>
+        </p:spPr>
+      </p:pic>
+      <p:sp>
+        <p:nvSpPr>
+          <p:cNvPr id="13" name="內容版面配置區 2">
+            <a:extLst>
+              <a:ext uri="{FF2B5EF4-FFF2-40B4-BE49-F238E27FC236}">
+                <a16:creationId xmlns:a16="http://schemas.microsoft.com/office/drawing/2014/main" id="{A6D119D5-EA60-9C52-D1B8-C59DA95FFD69}"/>
+              </a:ext>
+            </a:extLst>
+          </p:cNvPr>
+          <p:cNvSpPr txBox="1">
+            <a:spLocks/>
+          </p:cNvSpPr>
+          <p:nvPr/>
+        </p:nvSpPr>
+        <p:spPr>
+          <a:xfrm>
+            <a:off x="8438175" y="2890191"/>
+            <a:ext cx="1416088" cy="658517"/>
+          </a:xfrm>
+          <a:prstGeom prst="rect">
+            <a:avLst/>
+          </a:prstGeom>
+        </p:spPr>
+        <p:txBody>
+          <a:bodyPr vert="horz" lIns="91440" tIns="45720" rIns="91440" bIns="45720" rtlCol="0">
+            <a:normAutofit/>
+          </a:bodyPr>
+          <a:lstStyle>
+            <a:lvl1pPr marL="228600" indent="-228600" algn="l" defTabSz="914400" rtl="0" eaLnBrk="1" latinLnBrk="0" hangingPunct="1">
+              <a:lnSpc>
+                <a:spcPct val="90000"/>
+              </a:lnSpc>
+              <a:spcBef>
+                <a:spcPts val="1000"/>
+              </a:spcBef>
+              <a:buFont typeface="Arial" panose="020B0604020202020204" pitchFamily="34" charset="0"/>
+              <a:buChar char="•"/>
+              <a:defRPr sz="2800" kern="1200">
+                <a:solidFill>
+                  <a:schemeClr val="tx1"/>
+                </a:solidFill>
+                <a:latin typeface="+mn-lt"/>
+                <a:ea typeface="+mn-ea"/>
+                <a:cs typeface="+mn-cs"/>
+              </a:defRPr>
+            </a:lvl1pPr>
+            <a:lvl2pPr marL="685800" indent="-228600" algn="l" defTabSz="914400" rtl="0" eaLnBrk="1" latinLnBrk="0" hangingPunct="1">
+              <a:lnSpc>
+                <a:spcPct val="90000"/>
+              </a:lnSpc>
+              <a:spcBef>
+                <a:spcPts val="500"/>
+              </a:spcBef>
+              <a:buFont typeface="Arial" panose="020B0604020202020204" pitchFamily="34" charset="0"/>
+              <a:buChar char="•"/>
+              <a:defRPr sz="2400" kern="1200">
+                <a:solidFill>
+                  <a:schemeClr val="tx1"/>
+                </a:solidFill>
+                <a:latin typeface="+mn-lt"/>
+                <a:ea typeface="+mn-ea"/>
+                <a:cs typeface="+mn-cs"/>
+              </a:defRPr>
+            </a:lvl2pPr>
+            <a:lvl3pPr marL="1143000" indent="-228600" algn="l" defTabSz="914400" rtl="0" eaLnBrk="1" latinLnBrk="0" hangingPunct="1">
+              <a:lnSpc>
+                <a:spcPct val="90000"/>
+              </a:lnSpc>
+              <a:spcBef>
+                <a:spcPts val="500"/>
+              </a:spcBef>
+              <a:buFont typeface="Arial" panose="020B0604020202020204" pitchFamily="34" charset="0"/>
+              <a:buChar char="•"/>
+              <a:defRPr sz="2000" kern="1200">
+                <a:solidFill>
+                  <a:schemeClr val="tx1"/>
+                </a:solidFill>
+                <a:latin typeface="+mn-lt"/>
+                <a:ea typeface="+mn-ea"/>
+                <a:cs typeface="+mn-cs"/>
+              </a:defRPr>
+            </a:lvl3pPr>
+            <a:lvl4pPr marL="1600200" indent="-228600" algn="l" defTabSz="914400" rtl="0" eaLnBrk="1" latinLnBrk="0" hangingPunct="1">
+              <a:lnSpc>
+                <a:spcPct val="90000"/>
+              </a:lnSpc>
+              <a:spcBef>
+                <a:spcPts val="500"/>
+              </a:spcBef>
+              <a:buFont typeface="Arial" panose="020B0604020202020204" pitchFamily="34" charset="0"/>
+              <a:buChar char="•"/>
+              <a:defRPr sz="1800" kern="1200">
+                <a:solidFill>
+                  <a:schemeClr val="tx1"/>
+                </a:solidFill>
+                <a:latin typeface="+mn-lt"/>
+                <a:ea typeface="+mn-ea"/>
+                <a:cs typeface="+mn-cs"/>
+              </a:defRPr>
+            </a:lvl4pPr>
+            <a:lvl5pPr marL="2057400" indent="-228600" algn="l" defTabSz="914400" rtl="0" eaLnBrk="1" latinLnBrk="0" hangingPunct="1">
+              <a:lnSpc>
+                <a:spcPct val="90000"/>
+              </a:lnSpc>
+              <a:spcBef>
+                <a:spcPts val="500"/>
+              </a:spcBef>
+              <a:buFont typeface="Arial" panose="020B0604020202020204" pitchFamily="34" charset="0"/>
+              <a:buChar char="•"/>
+              <a:defRPr sz="1800" kern="1200">
+                <a:solidFill>
+                  <a:schemeClr val="tx1"/>
+                </a:solidFill>
+                <a:latin typeface="+mn-lt"/>
+                <a:ea typeface="+mn-ea"/>
+                <a:cs typeface="+mn-cs"/>
+              </a:defRPr>
+            </a:lvl5pPr>
+            <a:lvl6pPr marL="2514600" indent="-228600" algn="l" defTabSz="914400" rtl="0" eaLnBrk="1" latinLnBrk="0" hangingPunct="1">
+              <a:lnSpc>
+                <a:spcPct val="90000"/>
+              </a:lnSpc>
+              <a:spcBef>
+                <a:spcPts val="500"/>
+              </a:spcBef>
+              <a:buFont typeface="Arial" panose="020B0604020202020204" pitchFamily="34" charset="0"/>
+              <a:buChar char="•"/>
+              <a:defRPr sz="1800" kern="1200">
+                <a:solidFill>
+                  <a:schemeClr val="tx1"/>
+                </a:solidFill>
+                <a:latin typeface="+mn-lt"/>
+                <a:ea typeface="+mn-ea"/>
+                <a:cs typeface="+mn-cs"/>
+              </a:defRPr>
+            </a:lvl6pPr>
+            <a:lvl7pPr marL="2971800" indent="-228600" algn="l" defTabSz="914400" rtl="0" eaLnBrk="1" latinLnBrk="0" hangingPunct="1">
+              <a:lnSpc>
+                <a:spcPct val="90000"/>
+              </a:lnSpc>
+              <a:spcBef>
+                <a:spcPts val="500"/>
+              </a:spcBef>
+              <a:buFont typeface="Arial" panose="020B0604020202020204" pitchFamily="34" charset="0"/>
+              <a:buChar char="•"/>
+              <a:defRPr sz="1800" kern="1200">
+                <a:solidFill>
+                  <a:schemeClr val="tx1"/>
+                </a:solidFill>
+                <a:latin typeface="+mn-lt"/>
+                <a:ea typeface="+mn-ea"/>
+                <a:cs typeface="+mn-cs"/>
+              </a:defRPr>
+            </a:lvl7pPr>
+            <a:lvl8pPr marL="3429000" indent="-228600" algn="l" defTabSz="914400" rtl="0" eaLnBrk="1" latinLnBrk="0" hangingPunct="1">
+              <a:lnSpc>
+                <a:spcPct val="90000"/>
+              </a:lnSpc>
+              <a:spcBef>
+                <a:spcPts val="500"/>
+              </a:spcBef>
+              <a:buFont typeface="Arial" panose="020B0604020202020204" pitchFamily="34" charset="0"/>
+              <a:buChar char="•"/>
+              <a:defRPr sz="1800" kern="1200">
+                <a:solidFill>
+                  <a:schemeClr val="tx1"/>
+                </a:solidFill>
+                <a:latin typeface="+mn-lt"/>
+                <a:ea typeface="+mn-ea"/>
+                <a:cs typeface="+mn-cs"/>
+              </a:defRPr>
+            </a:lvl8pPr>
+            <a:lvl9pPr marL="3886200" indent="-228600" algn="l" defTabSz="914400" rtl="0" eaLnBrk="1" latinLnBrk="0" hangingPunct="1">
+              <a:lnSpc>
+                <a:spcPct val="90000"/>
+              </a:lnSpc>
+              <a:spcBef>
+                <a:spcPts val="500"/>
+              </a:spcBef>
+              <a:buFont typeface="Arial" panose="020B0604020202020204" pitchFamily="34" charset="0"/>
+              <a:buChar char="•"/>
+              <a:defRPr sz="1800" kern="1200">
+                <a:solidFill>
+                  <a:schemeClr val="tx1"/>
+                </a:solidFill>
+                <a:latin typeface="+mn-lt"/>
+                <a:ea typeface="+mn-ea"/>
+                <a:cs typeface="+mn-cs"/>
+              </a:defRPr>
+            </a:lvl9pPr>
+          </a:lstStyle>
+          <a:p>
+            <a:pPr marL="0" indent="0" algn="just">
+              <a:lnSpc>
+                <a:spcPct val="150000"/>
+              </a:lnSpc>
+              <a:spcBef>
+                <a:spcPts val="400"/>
+              </a:spcBef>
+              <a:buFont typeface="Arial" panose="020B0604020202020204" pitchFamily="34" charset="0"/>
+              <a:buNone/>
+            </a:pPr>
+            <a:r>
+              <a:rPr kumimoji="1" lang="zh-TW" altLang="en-US" sz="2400" dirty="0">
+                <a:solidFill>
+                  <a:srgbClr val="211E1E"/>
+                </a:solidFill>
+                <a:latin typeface="標楷體" panose="03000509000000000000" pitchFamily="65" charset="-120"/>
+                <a:ea typeface="標楷體" panose="03000509000000000000" pitchFamily="65" charset="-120"/>
+                <a:cs typeface="Times New Roman" panose="02020603050405020304" pitchFamily="18" charset="0"/>
+              </a:rPr>
+              <a:t>深度傾斜</a:t>
+            </a:r>
+            <a:endParaRPr kumimoji="1" lang="zh-TW" altLang="en-US" sz="2400" dirty="0">
+              <a:latin typeface="標楷體" panose="03000509000000000000" pitchFamily="65" charset="-120"/>
+              <a:ea typeface="標楷體" panose="03000509000000000000" pitchFamily="65" charset="-120"/>
+              <a:cs typeface="Times New Roman" panose="02020603050405020304" pitchFamily="18" charset="0"/>
+            </a:endParaRPr>
+          </a:p>
+        </p:txBody>
+      </p:sp>
+    </p:spTree>
+    <p:extLst>
+      <p:ext uri="{BB962C8B-B14F-4D97-AF65-F5344CB8AC3E}">
+        <p14:creationId xmlns:p14="http://schemas.microsoft.com/office/powerpoint/2010/main" val="1200748264"/>
+      </p:ext>
+    </p:extLst>
+  </p:cSld>
+  <p:clrMapOvr>
+    <a:masterClrMapping/>
+  </p:clrMapOvr>
+</p:sld>
+</file>
+
+<file path=ppt/slides/slide5.xml><?xml version="1.0" encoding="utf-8"?>
+<p:sld xmlns:a="http://schemas.openxmlformats.org/drawingml/2006/main" xmlns:r="http://schemas.openxmlformats.org/officeDocument/2006/relationships" xmlns:p="http://schemas.openxmlformats.org/presentationml/2006/main">
+  <p:cSld>
+    <p:spTree>
+      <p:nvGrpSpPr>
+        <p:cNvPr id="1" name=""/>
+        <p:cNvGrpSpPr/>
+        <p:nvPr/>
+      </p:nvGrpSpPr>
+      <p:grpSpPr>
+        <a:xfrm>
+          <a:off x="0" y="0"/>
+          <a:ext cx="0" cy="0"/>
+          <a:chOff x="0" y="0"/>
+          <a:chExt cx="0" cy="0"/>
+        </a:xfrm>
+      </p:grpSpPr>
+      <p:sp>
+        <p:nvSpPr>
+          <p:cNvPr id="2" name="標題 1">
+            <a:extLst>
+              <a:ext uri="{FF2B5EF4-FFF2-40B4-BE49-F238E27FC236}">
+                <a16:creationId xmlns:a16="http://schemas.microsoft.com/office/drawing/2014/main" id="{906B6324-86ED-A939-74F1-E5A416A581E1}"/>
+              </a:ext>
+            </a:extLst>
+          </p:cNvPr>
+          <p:cNvSpPr>
+            <a:spLocks noGrp="1"/>
+          </p:cNvSpPr>
+          <p:nvPr>
+            <p:ph type="title"/>
+          </p:nvPr>
+        </p:nvSpPr>
+        <p:spPr>
+          <a:xfrm>
+            <a:off x="913775" y="268711"/>
+            <a:ext cx="10364451" cy="1596177"/>
+          </a:xfrm>
+        </p:spPr>
+        <p:txBody>
+          <a:bodyPr/>
+          <a:lstStyle/>
+          <a:p>
+            <a:pPr marL="514350" indent="-514350"/>
+            <a:r>
+              <a:rPr kumimoji="1" lang="en-US" altLang="zh-TW" dirty="0">
+                <a:solidFill>
+                  <a:schemeClr val="accent1">
+                    <a:lumMod val="75000"/>
+                  </a:schemeClr>
+                </a:solidFill>
+                <a:latin typeface="Times New Roman" panose="02020603050405020304" pitchFamily="18" charset="0"/>
+                <a:cs typeface="Times New Roman" panose="02020603050405020304" pitchFamily="18" charset="0"/>
+              </a:rPr>
+              <a:t>Generating Positive Image</a:t>
+            </a:r>
+          </a:p>
+        </p:txBody>
+      </p:sp>
+      <p:pic>
+        <p:nvPicPr>
+          <p:cNvPr id="12" name="圖片 11">
+            <a:extLst>
+              <a:ext uri="{FF2B5EF4-FFF2-40B4-BE49-F238E27FC236}">
+                <a16:creationId xmlns:a16="http://schemas.microsoft.com/office/drawing/2014/main" id="{E8D4280E-D471-897E-32F1-A516CCCE9334}"/>
+              </a:ext>
+            </a:extLst>
+          </p:cNvPr>
+          <p:cNvPicPr>
+            <a:picLocks noChangeAspect="1"/>
+          </p:cNvPicPr>
+          <p:nvPr/>
+        </p:nvPicPr>
+        <p:blipFill>
+          <a:blip r:embed="rId2"/>
+          <a:stretch>
+            <a:fillRect/>
+          </a:stretch>
+        </p:blipFill>
+        <p:spPr>
+          <a:xfrm>
+            <a:off x="1979245" y="3033975"/>
+            <a:ext cx="8233510" cy="2065500"/>
+          </a:xfrm>
+          <a:prstGeom prst="rect">
+            <a:avLst/>
+          </a:prstGeom>
+        </p:spPr>
+      </p:pic>
+    </p:spTree>
+    <p:extLst>
+      <p:ext uri="{BB962C8B-B14F-4D97-AF65-F5344CB8AC3E}">
+        <p14:creationId xmlns:p14="http://schemas.microsoft.com/office/powerpoint/2010/main" val="3989905014"/>
+      </p:ext>
+    </p:extLst>
+  </p:cSld>
+  <p:clrMapOvr>
+    <a:masterClrMapping/>
+  </p:clrMapOvr>
+</p:sld>
+</file>
+
+<file path=ppt/slides/slide6.xml><?xml version="1.0" encoding="utf-8"?>
+<p:sld xmlns:a="http://schemas.openxmlformats.org/drawingml/2006/main" xmlns:r="http://schemas.openxmlformats.org/officeDocument/2006/relationships" xmlns:p="http://schemas.openxmlformats.org/presentationml/2006/main">
+  <p:cSld>
+    <p:spTree>
+      <p:nvGrpSpPr>
+        <p:cNvPr id="1" name=""/>
+        <p:cNvGrpSpPr/>
+        <p:nvPr/>
+      </p:nvGrpSpPr>
+      <p:grpSpPr>
+        <a:xfrm>
+          <a:off x="0" y="0"/>
+          <a:ext cx="0" cy="0"/>
+          <a:chOff x="0" y="0"/>
+          <a:chExt cx="0" cy="0"/>
+        </a:xfrm>
+      </p:grpSpPr>
+      <p:sp>
+        <p:nvSpPr>
+          <p:cNvPr id="2" name="標題 1">
+            <a:extLst>
+              <a:ext uri="{FF2B5EF4-FFF2-40B4-BE49-F238E27FC236}">
+                <a16:creationId xmlns:a16="http://schemas.microsoft.com/office/drawing/2014/main" id="{906B6324-86ED-A939-74F1-E5A416A581E1}"/>
+              </a:ext>
+            </a:extLst>
+          </p:cNvPr>
+          <p:cNvSpPr>
+            <a:spLocks noGrp="1"/>
+          </p:cNvSpPr>
+          <p:nvPr>
+            <p:ph type="title"/>
+          </p:nvPr>
+        </p:nvSpPr>
+        <p:spPr>
+          <a:xfrm>
+            <a:off x="913775" y="268711"/>
+            <a:ext cx="10364451" cy="1596177"/>
+          </a:xfrm>
+        </p:spPr>
+        <p:txBody>
+          <a:bodyPr/>
+          <a:lstStyle/>
+          <a:p>
+            <a:pPr marL="514350" indent="-514350"/>
+            <a:r>
+              <a:rPr kumimoji="1" lang="en-US" altLang="zh-TW" dirty="0">
+                <a:solidFill>
+                  <a:schemeClr val="accent1">
+                    <a:lumMod val="75000"/>
+                  </a:schemeClr>
+                </a:solidFill>
+                <a:latin typeface="Times New Roman" panose="02020603050405020304" pitchFamily="18" charset="0"/>
+                <a:cs typeface="Times New Roman" panose="02020603050405020304" pitchFamily="18" charset="0"/>
+              </a:rPr>
+              <a:t>Picking Negative Image</a:t>
+            </a:r>
+          </a:p>
+        </p:txBody>
+      </p:sp>
+      <p:pic>
+        <p:nvPicPr>
+          <p:cNvPr id="5" name="圖片 4">
+            <a:extLst>
+              <a:ext uri="{FF2B5EF4-FFF2-40B4-BE49-F238E27FC236}">
+                <a16:creationId xmlns:a16="http://schemas.microsoft.com/office/drawing/2014/main" id="{1F171BD5-A881-5C7C-4989-65A500FC488D}"/>
+              </a:ext>
+            </a:extLst>
+          </p:cNvPr>
+          <p:cNvPicPr>
+            <a:picLocks noChangeAspect="1"/>
+          </p:cNvPicPr>
+          <p:nvPr/>
+        </p:nvPicPr>
+        <p:blipFill>
+          <a:blip r:embed="rId2"/>
+          <a:stretch>
+            <a:fillRect/>
+          </a:stretch>
+        </p:blipFill>
+        <p:spPr>
+          <a:xfrm>
+            <a:off x="921211" y="2646518"/>
+            <a:ext cx="10340444" cy="2433046"/>
+          </a:xfrm>
+          <a:prstGeom prst="rect">
+            <a:avLst/>
+          </a:prstGeom>
+        </p:spPr>
+      </p:pic>
+    </p:spTree>
+    <p:extLst>
+      <p:ext uri="{BB962C8B-B14F-4D97-AF65-F5344CB8AC3E}">
+        <p14:creationId xmlns:p14="http://schemas.microsoft.com/office/powerpoint/2010/main" val="4024543307"/>
+      </p:ext>
+    </p:extLst>
+  </p:cSld>
+  <p:clrMapOvr>
+    <a:masterClrMapping/>
+  </p:clrMapOvr>
+</p:sld>
+</file>
+
+<file path=ppt/slides/slide7.xml><?xml version="1.0" encoding="utf-8"?>
+<p:sld xmlns:a="http://schemas.openxmlformats.org/drawingml/2006/main" xmlns:r="http://schemas.openxmlformats.org/officeDocument/2006/relationships" xmlns:p="http://schemas.openxmlformats.org/presentationml/2006/main">
+  <p:cSld>
+    <p:spTree>
+      <p:nvGrpSpPr>
+        <p:cNvPr id="1" name=""/>
+        <p:cNvGrpSpPr/>
+        <p:nvPr/>
+      </p:nvGrpSpPr>
+      <p:grpSpPr>
+        <a:xfrm>
+          <a:off x="0" y="0"/>
+          <a:ext cx="0" cy="0"/>
+          <a:chOff x="0" y="0"/>
+          <a:chExt cx="0" cy="0"/>
+        </a:xfrm>
+      </p:grpSpPr>
+      <p:sp>
+        <p:nvSpPr>
+          <p:cNvPr id="2" name="標題 1">
+            <a:extLst>
+              <a:ext uri="{FF2B5EF4-FFF2-40B4-BE49-F238E27FC236}">
+                <a16:creationId xmlns:a16="http://schemas.microsoft.com/office/drawing/2014/main" id="{906B6324-86ED-A939-74F1-E5A416A581E1}"/>
+              </a:ext>
+            </a:extLst>
+          </p:cNvPr>
+          <p:cNvSpPr>
+            <a:spLocks noGrp="1"/>
+          </p:cNvSpPr>
+          <p:nvPr>
+            <p:ph type="title"/>
+          </p:nvPr>
+        </p:nvSpPr>
+        <p:spPr>
+          <a:xfrm>
+            <a:off x="913775" y="268711"/>
+            <a:ext cx="10364451" cy="1596177"/>
+          </a:xfrm>
+        </p:spPr>
+        <p:txBody>
+          <a:bodyPr/>
+          <a:lstStyle/>
+          <a:p>
+            <a:pPr marL="514350" indent="-514350"/>
+            <a:r>
+              <a:rPr kumimoji="1" lang="en-US" altLang="zh-TW" dirty="0">
+                <a:solidFill>
+                  <a:schemeClr val="accent1">
+                    <a:lumMod val="75000"/>
+                  </a:schemeClr>
+                </a:solidFill>
+                <a:latin typeface="Times New Roman" panose="02020603050405020304" pitchFamily="18" charset="0"/>
+                <a:cs typeface="Times New Roman" panose="02020603050405020304" pitchFamily="18" charset="0"/>
+              </a:rPr>
+              <a:t>Writing file path into CSV file</a:t>
+            </a:r>
+          </a:p>
+        </p:txBody>
+      </p:sp>
+      <p:pic>
+        <p:nvPicPr>
+          <p:cNvPr id="5" name="圖片 4">
+            <a:extLst>
+              <a:ext uri="{FF2B5EF4-FFF2-40B4-BE49-F238E27FC236}">
+                <a16:creationId xmlns:a16="http://schemas.microsoft.com/office/drawing/2014/main" id="{6F56F172-515E-AE4C-4ADD-FB504018A1AC}"/>
+              </a:ext>
+            </a:extLst>
+          </p:cNvPr>
+          <p:cNvPicPr>
+            <a:picLocks noChangeAspect="1"/>
+          </p:cNvPicPr>
+          <p:nvPr/>
+        </p:nvPicPr>
+        <p:blipFill>
+          <a:blip r:embed="rId2"/>
+          <a:stretch>
+            <a:fillRect/>
+          </a:stretch>
+        </p:blipFill>
+        <p:spPr>
+          <a:xfrm>
+            <a:off x="1620199" y="2600157"/>
+            <a:ext cx="8951601" cy="2895768"/>
+          </a:xfrm>
+          <a:prstGeom prst="rect">
+            <a:avLst/>
+          </a:prstGeom>
+        </p:spPr>
+      </p:pic>
+    </p:spTree>
+    <p:extLst>
+      <p:ext uri="{BB962C8B-B14F-4D97-AF65-F5344CB8AC3E}">
+        <p14:creationId xmlns:p14="http://schemas.microsoft.com/office/powerpoint/2010/main" val="829582807"/>
+      </p:ext>
+    </p:extLst>
+  </p:cSld>
+  <p:clrMapOvr>
+    <a:masterClrMapping/>
+  </p:clrMapOvr>
+</p:sld>
+</file>
+
+<file path=ppt/slides/slide8.xml><?xml version="1.0" encoding="utf-8"?>
+<p:sld xmlns:a="http://schemas.openxmlformats.org/drawingml/2006/main" xmlns:r="http://schemas.openxmlformats.org/officeDocument/2006/relationships" xmlns:p="http://schemas.openxmlformats.org/presentationml/2006/main">
+  <p:cSld>
+    <p:spTree>
+      <p:nvGrpSpPr>
+        <p:cNvPr id="1" name=""/>
+        <p:cNvGrpSpPr/>
+        <p:nvPr/>
+      </p:nvGrpSpPr>
+      <p:grpSpPr>
+        <a:xfrm>
+          <a:off x="0" y="0"/>
+          <a:ext cx="0" cy="0"/>
+          <a:chOff x="0" y="0"/>
+          <a:chExt cx="0" cy="0"/>
+        </a:xfrm>
+      </p:grpSpPr>
+      <p:sp>
+        <p:nvSpPr>
+          <p:cNvPr id="2" name="標題 1">
+            <a:extLst>
+              <a:ext uri="{FF2B5EF4-FFF2-40B4-BE49-F238E27FC236}">
+                <a16:creationId xmlns:a16="http://schemas.microsoft.com/office/drawing/2014/main" id="{906B6324-86ED-A939-74F1-E5A416A581E1}"/>
+              </a:ext>
+            </a:extLst>
+          </p:cNvPr>
+          <p:cNvSpPr>
+            <a:spLocks noGrp="1"/>
+          </p:cNvSpPr>
+          <p:nvPr>
+            <p:ph type="title"/>
+          </p:nvPr>
+        </p:nvSpPr>
+        <p:spPr>
+          <a:xfrm>
+            <a:off x="913775" y="268711"/>
+            <a:ext cx="10364451" cy="1596177"/>
+          </a:xfrm>
+        </p:spPr>
+        <p:txBody>
+          <a:bodyPr/>
+          <a:lstStyle/>
+          <a:p>
+            <a:pPr marL="514350" indent="-514350"/>
+            <a:r>
+              <a:rPr kumimoji="1" lang="en-US" altLang="zh-TW" dirty="0">
+                <a:solidFill>
+                  <a:schemeClr val="accent1">
+                    <a:lumMod val="75000"/>
+                  </a:schemeClr>
+                </a:solidFill>
+                <a:latin typeface="Times New Roman" panose="02020603050405020304" pitchFamily="18" charset="0"/>
+                <a:cs typeface="Times New Roman" panose="02020603050405020304" pitchFamily="18" charset="0"/>
+              </a:rPr>
+              <a:t>Data Processing Results</a:t>
+            </a:r>
+          </a:p>
+        </p:txBody>
+      </p:sp>
+      <p:pic>
+        <p:nvPicPr>
+          <p:cNvPr id="9" name="圖片 8">
+            <a:extLst>
+              <a:ext uri="{FF2B5EF4-FFF2-40B4-BE49-F238E27FC236}">
+                <a16:creationId xmlns:a16="http://schemas.microsoft.com/office/drawing/2014/main" id="{6959B556-4EF0-FB78-66F0-F600DCFFCF9E}"/>
+              </a:ext>
+            </a:extLst>
+          </p:cNvPr>
+          <p:cNvPicPr>
+            <a:picLocks noChangeAspect="1"/>
+          </p:cNvPicPr>
+          <p:nvPr/>
+        </p:nvPicPr>
+        <p:blipFill>
+          <a:blip r:embed="rId2"/>
+          <a:stretch>
+            <a:fillRect/>
+          </a:stretch>
+        </p:blipFill>
+        <p:spPr>
+          <a:xfrm>
+            <a:off x="418321" y="3459456"/>
+            <a:ext cx="5582429" cy="1876687"/>
+          </a:xfrm>
+          <a:prstGeom prst="rect">
+            <a:avLst/>
+          </a:prstGeom>
+        </p:spPr>
+      </p:pic>
+      <p:sp>
+        <p:nvSpPr>
+          <p:cNvPr id="10" name="內容版面配置區 2">
+            <a:extLst>
+              <a:ext uri="{FF2B5EF4-FFF2-40B4-BE49-F238E27FC236}">
+                <a16:creationId xmlns:a16="http://schemas.microsoft.com/office/drawing/2014/main" id="{4EBDB63A-CF51-8B71-0878-7547411B9F85}"/>
+              </a:ext>
+            </a:extLst>
+          </p:cNvPr>
+          <p:cNvSpPr>
+            <a:spLocks noGrp="1"/>
+          </p:cNvSpPr>
+          <p:nvPr>
+            <p:ph idx="1"/>
+          </p:nvPr>
+        </p:nvSpPr>
+        <p:spPr>
+          <a:xfrm>
+            <a:off x="2203568" y="2713979"/>
+            <a:ext cx="2016007" cy="648992"/>
+          </a:xfrm>
+        </p:spPr>
+        <p:txBody>
+          <a:bodyPr>
+            <a:normAutofit/>
+          </a:bodyPr>
+          <a:lstStyle/>
+          <a:p>
+            <a:pPr marL="0" indent="0" algn="just">
+              <a:lnSpc>
+                <a:spcPct val="150000"/>
+              </a:lnSpc>
+              <a:spcBef>
+                <a:spcPts val="400"/>
+              </a:spcBef>
+              <a:buNone/>
+            </a:pPr>
+            <a:r>
+              <a:rPr kumimoji="1" lang="en-US" altLang="zh-TW" sz="2400" dirty="0">
+                <a:solidFill>
+                  <a:srgbClr val="211E1E"/>
+                </a:solidFill>
+                <a:latin typeface="Times New Roman" panose="02020603050405020304" pitchFamily="18" charset="0"/>
+                <a:ea typeface="標楷體" panose="03000509000000000000" pitchFamily="65" charset="-120"/>
+                <a:cs typeface="Times New Roman" panose="02020603050405020304" pitchFamily="18" charset="0"/>
+              </a:rPr>
+              <a:t>Training Data</a:t>
+            </a:r>
+            <a:endParaRPr kumimoji="1" lang="zh-TW" altLang="en-US" sz="2400" dirty="0">
+              <a:latin typeface="Times New Roman" panose="02020603050405020304" pitchFamily="18" charset="0"/>
+              <a:ea typeface="標楷體" panose="03000509000000000000" pitchFamily="65" charset="-120"/>
+              <a:cs typeface="Times New Roman" panose="02020603050405020304" pitchFamily="18" charset="0"/>
+            </a:endParaRPr>
+          </a:p>
+        </p:txBody>
+      </p:sp>
+      <p:pic>
+        <p:nvPicPr>
+          <p:cNvPr id="13" name="圖片 12">
+            <a:extLst>
+              <a:ext uri="{FF2B5EF4-FFF2-40B4-BE49-F238E27FC236}">
+                <a16:creationId xmlns:a16="http://schemas.microsoft.com/office/drawing/2014/main" id="{43B5D3E6-DF6F-209C-9358-5757559911ED}"/>
+              </a:ext>
+            </a:extLst>
+          </p:cNvPr>
+          <p:cNvPicPr>
+            <a:picLocks noChangeAspect="1"/>
+          </p:cNvPicPr>
+          <p:nvPr/>
+        </p:nvPicPr>
+        <p:blipFill>
+          <a:blip r:embed="rId3"/>
+          <a:stretch>
+            <a:fillRect/>
+          </a:stretch>
+        </p:blipFill>
+        <p:spPr>
+          <a:xfrm>
+            <a:off x="6391321" y="3459456"/>
+            <a:ext cx="5249008" cy="1867161"/>
+          </a:xfrm>
+          <a:prstGeom prst="rect">
+            <a:avLst/>
+          </a:prstGeom>
+        </p:spPr>
+      </p:pic>
+      <p:sp>
+        <p:nvSpPr>
+          <p:cNvPr id="14" name="內容版面配置區 2">
+            <a:extLst>
+              <a:ext uri="{FF2B5EF4-FFF2-40B4-BE49-F238E27FC236}">
+                <a16:creationId xmlns:a16="http://schemas.microsoft.com/office/drawing/2014/main" id="{A6673218-374D-7817-6D87-EB538AD04CCF}"/>
+              </a:ext>
+            </a:extLst>
+          </p:cNvPr>
+          <p:cNvSpPr txBox="1">
+            <a:spLocks/>
+          </p:cNvSpPr>
+          <p:nvPr/>
+        </p:nvSpPr>
+        <p:spPr>
+          <a:xfrm>
+            <a:off x="8258175" y="2713979"/>
+            <a:ext cx="2016007" cy="648992"/>
+          </a:xfrm>
+          <a:prstGeom prst="rect">
+            <a:avLst/>
+          </a:prstGeom>
+        </p:spPr>
+        <p:txBody>
+          <a:bodyPr vert="horz" lIns="91440" tIns="45720" rIns="91440" bIns="45720" rtlCol="0">
+            <a:normAutofit/>
+          </a:bodyPr>
+          <a:lstStyle>
+            <a:lvl1pPr marL="228600" indent="-228600" algn="l" defTabSz="914400" rtl="0" eaLnBrk="1" latinLnBrk="0" hangingPunct="1">
+              <a:lnSpc>
+                <a:spcPct val="90000"/>
+              </a:lnSpc>
+              <a:spcBef>
+                <a:spcPts val="1000"/>
+              </a:spcBef>
+              <a:buFont typeface="Arial" panose="020B0604020202020204" pitchFamily="34" charset="0"/>
+              <a:buChar char="•"/>
+              <a:defRPr sz="2800" kern="1200">
+                <a:solidFill>
+                  <a:schemeClr val="tx1"/>
+                </a:solidFill>
+                <a:latin typeface="+mn-lt"/>
+                <a:ea typeface="+mn-ea"/>
+                <a:cs typeface="+mn-cs"/>
+              </a:defRPr>
+            </a:lvl1pPr>
+            <a:lvl2pPr marL="685800" indent="-228600" algn="l" defTabSz="914400" rtl="0" eaLnBrk="1" latinLnBrk="0" hangingPunct="1">
+              <a:lnSpc>
+                <a:spcPct val="90000"/>
+              </a:lnSpc>
+              <a:spcBef>
+                <a:spcPts val="500"/>
+              </a:spcBef>
+              <a:buFont typeface="Arial" panose="020B0604020202020204" pitchFamily="34" charset="0"/>
+              <a:buChar char="•"/>
+              <a:defRPr sz="2400" kern="1200">
+                <a:solidFill>
+                  <a:schemeClr val="tx1"/>
+                </a:solidFill>
+                <a:latin typeface="+mn-lt"/>
+                <a:ea typeface="+mn-ea"/>
+                <a:cs typeface="+mn-cs"/>
+              </a:defRPr>
+            </a:lvl2pPr>
+            <a:lvl3pPr marL="1143000" indent="-228600" algn="l" defTabSz="914400" rtl="0" eaLnBrk="1" latinLnBrk="0" hangingPunct="1">
+              <a:lnSpc>
+                <a:spcPct val="90000"/>
+              </a:lnSpc>
+              <a:spcBef>
+                <a:spcPts val="500"/>
+              </a:spcBef>
+              <a:buFont typeface="Arial" panose="020B0604020202020204" pitchFamily="34" charset="0"/>
+              <a:buChar char="•"/>
+              <a:defRPr sz="2000" kern="1200">
+                <a:solidFill>
+                  <a:schemeClr val="tx1"/>
+                </a:solidFill>
+                <a:latin typeface="+mn-lt"/>
+                <a:ea typeface="+mn-ea"/>
+                <a:cs typeface="+mn-cs"/>
+              </a:defRPr>
+            </a:lvl3pPr>
+            <a:lvl4pPr marL="1600200" indent="-228600" algn="l" defTabSz="914400" rtl="0" eaLnBrk="1" latinLnBrk="0" hangingPunct="1">
+              <a:lnSpc>
+                <a:spcPct val="90000"/>
+              </a:lnSpc>
+              <a:spcBef>
+                <a:spcPts val="500"/>
+              </a:spcBef>
+              <a:buFont typeface="Arial" panose="020B0604020202020204" pitchFamily="34" charset="0"/>
+              <a:buChar char="•"/>
+              <a:defRPr sz="1800" kern="1200">
+                <a:solidFill>
+                  <a:schemeClr val="tx1"/>
+                </a:solidFill>
+                <a:latin typeface="+mn-lt"/>
+                <a:ea typeface="+mn-ea"/>
+                <a:cs typeface="+mn-cs"/>
+              </a:defRPr>
+            </a:lvl4pPr>
+            <a:lvl5pPr marL="2057400" indent="-228600" algn="l" defTabSz="914400" rtl="0" eaLnBrk="1" latinLnBrk="0" hangingPunct="1">
+              <a:lnSpc>
+                <a:spcPct val="90000"/>
+              </a:lnSpc>
+              <a:spcBef>
+                <a:spcPts val="500"/>
+              </a:spcBef>
+              <a:buFont typeface="Arial" panose="020B0604020202020204" pitchFamily="34" charset="0"/>
+              <a:buChar char="•"/>
+              <a:defRPr sz="1800" kern="1200">
+                <a:solidFill>
+                  <a:schemeClr val="tx1"/>
+                </a:solidFill>
+                <a:latin typeface="+mn-lt"/>
+                <a:ea typeface="+mn-ea"/>
+                <a:cs typeface="+mn-cs"/>
+              </a:defRPr>
+            </a:lvl5pPr>
+            <a:lvl6pPr marL="2514600" indent="-228600" algn="l" defTabSz="914400" rtl="0" eaLnBrk="1" latinLnBrk="0" hangingPunct="1">
+              <a:lnSpc>
+                <a:spcPct val="90000"/>
+              </a:lnSpc>
+              <a:spcBef>
+                <a:spcPts val="500"/>
+              </a:spcBef>
+              <a:buFont typeface="Arial" panose="020B0604020202020204" pitchFamily="34" charset="0"/>
+              <a:buChar char="•"/>
+              <a:defRPr sz="1800" kern="1200">
+                <a:solidFill>
+                  <a:schemeClr val="tx1"/>
+                </a:solidFill>
+                <a:latin typeface="+mn-lt"/>
+                <a:ea typeface="+mn-ea"/>
+                <a:cs typeface="+mn-cs"/>
+              </a:defRPr>
+            </a:lvl6pPr>
+            <a:lvl7pPr marL="2971800" indent="-228600" algn="l" defTabSz="914400" rtl="0" eaLnBrk="1" latinLnBrk="0" hangingPunct="1">
+              <a:lnSpc>
+                <a:spcPct val="90000"/>
+              </a:lnSpc>
+              <a:spcBef>
+                <a:spcPts val="500"/>
+              </a:spcBef>
+              <a:buFont typeface="Arial" panose="020B0604020202020204" pitchFamily="34" charset="0"/>
+              <a:buChar char="•"/>
+              <a:defRPr sz="1800" kern="1200">
+                <a:solidFill>
+                  <a:schemeClr val="tx1"/>
+                </a:solidFill>
+                <a:latin typeface="+mn-lt"/>
+                <a:ea typeface="+mn-ea"/>
+                <a:cs typeface="+mn-cs"/>
+              </a:defRPr>
+            </a:lvl7pPr>
+            <a:lvl8pPr marL="3429000" indent="-228600" algn="l" defTabSz="914400" rtl="0" eaLnBrk="1" latinLnBrk="0" hangingPunct="1">
+              <a:lnSpc>
+                <a:spcPct val="90000"/>
+              </a:lnSpc>
+              <a:spcBef>
+                <a:spcPts val="500"/>
+              </a:spcBef>
+              <a:buFont typeface="Arial" panose="020B0604020202020204" pitchFamily="34" charset="0"/>
+              <a:buChar char="•"/>
+              <a:defRPr sz="1800" kern="1200">
+                <a:solidFill>
+                  <a:schemeClr val="tx1"/>
+                </a:solidFill>
+                <a:latin typeface="+mn-lt"/>
+                <a:ea typeface="+mn-ea"/>
+                <a:cs typeface="+mn-cs"/>
+              </a:defRPr>
+            </a:lvl8pPr>
+            <a:lvl9pPr marL="3886200" indent="-228600" algn="l" defTabSz="914400" rtl="0" eaLnBrk="1" latinLnBrk="0" hangingPunct="1">
+              <a:lnSpc>
+                <a:spcPct val="90000"/>
+              </a:lnSpc>
+              <a:spcBef>
+                <a:spcPts val="500"/>
+              </a:spcBef>
+              <a:buFont typeface="Arial" panose="020B0604020202020204" pitchFamily="34" charset="0"/>
+              <a:buChar char="•"/>
+              <a:defRPr sz="1800" kern="1200">
+                <a:solidFill>
+                  <a:schemeClr val="tx1"/>
+                </a:solidFill>
+                <a:latin typeface="+mn-lt"/>
+                <a:ea typeface="+mn-ea"/>
+                <a:cs typeface="+mn-cs"/>
+              </a:defRPr>
+            </a:lvl9pPr>
+          </a:lstStyle>
+          <a:p>
+            <a:pPr marL="0" indent="0" algn="just">
+              <a:lnSpc>
+                <a:spcPct val="150000"/>
+              </a:lnSpc>
+              <a:spcBef>
+                <a:spcPts val="400"/>
+              </a:spcBef>
+              <a:buFont typeface="Arial" panose="020B0604020202020204" pitchFamily="34" charset="0"/>
+              <a:buNone/>
+            </a:pPr>
+            <a:r>
+              <a:rPr kumimoji="1" lang="en-US" altLang="zh-TW" sz="2400" dirty="0">
+                <a:solidFill>
+                  <a:srgbClr val="211E1E"/>
+                </a:solidFill>
+                <a:latin typeface="Times New Roman" panose="02020603050405020304" pitchFamily="18" charset="0"/>
+                <a:ea typeface="標楷體" panose="03000509000000000000" pitchFamily="65" charset="-120"/>
+                <a:cs typeface="Times New Roman" panose="02020603050405020304" pitchFamily="18" charset="0"/>
+              </a:rPr>
+              <a:t>Valid Data</a:t>
+            </a:r>
+            <a:endParaRPr kumimoji="1" lang="zh-TW" altLang="en-US" sz="2400" dirty="0">
+              <a:latin typeface="Times New Roman" panose="02020603050405020304" pitchFamily="18" charset="0"/>
+              <a:ea typeface="標楷體" panose="03000509000000000000" pitchFamily="65" charset="-120"/>
+              <a:cs typeface="Times New Roman" panose="02020603050405020304" pitchFamily="18" charset="0"/>
+            </a:endParaRPr>
+          </a:p>
+        </p:txBody>
+      </p:sp>
+    </p:spTree>
+    <p:extLst>
+      <p:ext uri="{BB962C8B-B14F-4D97-AF65-F5344CB8AC3E}">
+        <p14:creationId xmlns:p14="http://schemas.microsoft.com/office/powerpoint/2010/main" val="2914093030"/>
+      </p:ext>
+    </p:extLst>
+  </p:cSld>
+  <p:clrMapOvr>
+    <a:masterClrMapping/>
+  </p:clrMapOvr>
+</p:sld>
+</file>
+
+<file path=ppt/slides/slide9.xml><?xml version="1.0" encoding="utf-8"?>
+<p:sld xmlns:a="http://schemas.openxmlformats.org/drawingml/2006/main" xmlns:r="http://schemas.openxmlformats.org/officeDocument/2006/relationships" xmlns:p="http://schemas.openxmlformats.org/presentationml/2006/main">
+  <p:cSld>
+    <p:spTree>
+      <p:nvGrpSpPr>
+        <p:cNvPr id="1" name=""/>
+        <p:cNvGrpSpPr/>
+        <p:nvPr/>
+      </p:nvGrpSpPr>
+      <p:grpSpPr>
+        <a:xfrm>
+          <a:off x="0" y="0"/>
+          <a:ext cx="0" cy="0"/>
+          <a:chOff x="0" y="0"/>
+          <a:chExt cx="0" cy="0"/>
+        </a:xfrm>
+      </p:grpSpPr>
+      <p:sp>
+        <p:nvSpPr>
+          <p:cNvPr id="2" name="標題 1">
+            <a:extLst>
+              <a:ext uri="{FF2B5EF4-FFF2-40B4-BE49-F238E27FC236}">
+                <a16:creationId xmlns:a16="http://schemas.microsoft.com/office/drawing/2014/main" id="{906B6324-86ED-A939-74F1-E5A416A581E1}"/>
+              </a:ext>
+            </a:extLst>
+          </p:cNvPr>
+          <p:cNvSpPr>
+            <a:spLocks noGrp="1"/>
+          </p:cNvSpPr>
+          <p:nvPr>
+            <p:ph type="title"/>
+          </p:nvPr>
+        </p:nvSpPr>
+        <p:spPr>
+          <a:xfrm>
+            <a:off x="913775" y="268711"/>
+            <a:ext cx="10364451" cy="1596177"/>
+          </a:xfrm>
+        </p:spPr>
+        <p:txBody>
+          <a:bodyPr/>
+          <a:lstStyle/>
+          <a:p>
+            <a:pPr marL="514350" indent="-514350"/>
+            <a:r>
+              <a:rPr kumimoji="1" lang="en-US" altLang="zh-TW" dirty="0">
+                <a:solidFill>
+                  <a:schemeClr val="accent1">
+                    <a:lumMod val="75000"/>
+                  </a:schemeClr>
+                </a:solidFill>
+                <a:latin typeface="Times New Roman" panose="02020603050405020304" pitchFamily="18" charset="0"/>
+                <a:cs typeface="Times New Roman" panose="02020603050405020304" pitchFamily="18" charset="0"/>
+              </a:rPr>
+              <a:t>Data Processing Results</a:t>
+            </a:r>
+          </a:p>
+        </p:txBody>
+      </p:sp>
+      <p:pic>
+        <p:nvPicPr>
+          <p:cNvPr id="4" name="圖片 3">
+            <a:extLst>
+              <a:ext uri="{FF2B5EF4-FFF2-40B4-BE49-F238E27FC236}">
+                <a16:creationId xmlns:a16="http://schemas.microsoft.com/office/drawing/2014/main" id="{8846CC26-D27F-5F81-4446-F08C615F6764}"/>
+              </a:ext>
+            </a:extLst>
+          </p:cNvPr>
+          <p:cNvPicPr>
+            <a:picLocks noChangeAspect="1"/>
+          </p:cNvPicPr>
+          <p:nvPr/>
+        </p:nvPicPr>
+        <p:blipFill>
+          <a:blip r:embed="rId2"/>
+          <a:stretch>
+            <a:fillRect/>
+          </a:stretch>
+        </p:blipFill>
+        <p:spPr>
+          <a:xfrm>
+            <a:off x="0" y="2469599"/>
+            <a:ext cx="12192000" cy="3404701"/>
+          </a:xfrm>
+          <a:prstGeom prst="rect">
+            <a:avLst/>
+          </a:prstGeom>
+        </p:spPr>
+      </p:pic>
+    </p:spTree>
+    <p:extLst>
+      <p:ext uri="{BB962C8B-B14F-4D97-AF65-F5344CB8AC3E}">
+        <p14:creationId xmlns:p14="http://schemas.microsoft.com/office/powerpoint/2010/main" val="3756957078"/>
       </p:ext>
     </p:extLst>
   </p:cSld>
@@ -3778,4 +6799,299 @@
     </a:ext>
   </a:extLst>
 </a:theme>
+</file>
+
+<file path=ppt/theme/theme2.xml><?xml version="1.0" encoding="utf-8"?>
+<a:theme xmlns:a="http://schemas.openxmlformats.org/drawingml/2006/main" name="Office 佈景主題">
+  <a:themeElements>
+    <a:clrScheme name="Office">
+      <a:dk1>
+        <a:sysClr val="windowText" lastClr="000000"/>
+      </a:dk1>
+      <a:lt1>
+        <a:sysClr val="window" lastClr="FFFFFF"/>
+      </a:lt1>
+      <a:dk2>
+        <a:srgbClr val="44546A"/>
+      </a:dk2>
+      <a:lt2>
+        <a:srgbClr val="E7E6E6"/>
+      </a:lt2>
+      <a:accent1>
+        <a:srgbClr val="4472C4"/>
+      </a:accent1>
+      <a:accent2>
+        <a:srgbClr val="ED7D31"/>
+      </a:accent2>
+      <a:accent3>
+        <a:srgbClr val="A5A5A5"/>
+      </a:accent3>
+      <a:accent4>
+        <a:srgbClr val="FFC000"/>
+      </a:accent4>
+      <a:accent5>
+        <a:srgbClr val="5B9BD5"/>
+      </a:accent5>
+      <a:accent6>
+        <a:srgbClr val="70AD47"/>
+      </a:accent6>
+      <a:hlink>
+        <a:srgbClr val="0563C1"/>
+      </a:hlink>
+      <a:folHlink>
+        <a:srgbClr val="954F72"/>
+      </a:folHlink>
+    </a:clrScheme>
+    <a:fontScheme name="Office">
+      <a:majorFont>
+        <a:latin typeface="Calibri Light" panose="020F0302020204030204"/>
+        <a:ea typeface=""/>
+        <a:cs typeface=""/>
+        <a:font script="Jpan" typeface="游ゴシック Light"/>
+        <a:font script="Hang" typeface="맑은 고딕"/>
+        <a:font script="Hans" typeface="等线 Light"/>
+        <a:font script="Hant" typeface="新細明體"/>
+        <a:font script="Arab" typeface="Times New Roman"/>
+        <a:font script="Hebr" typeface="Times New Roman"/>
+        <a:font script="Thai" typeface="Angsana New"/>
+        <a:font script="Ethi" typeface="Nyala"/>
+        <a:font script="Beng" typeface="Vrinda"/>
+        <a:font script="Gujr" typeface="Shruti"/>
+        <a:font script="Khmr" typeface="MoolBoran"/>
+        <a:font script="Knda" typeface="Tunga"/>
+        <a:font script="Guru" typeface="Raavi"/>
+        <a:font script="Cans" typeface="Euphemia"/>
+        <a:font script="Cher" typeface="Plantagenet Cherokee"/>
+        <a:font script="Yiii" typeface="Microsoft Yi Baiti"/>
+        <a:font script="Tibt" typeface="Microsoft Himalaya"/>
+        <a:font script="Thaa" typeface="MV Boli"/>
+        <a:font script="Deva" typeface="Mangal"/>
+        <a:font script="Telu" typeface="Gautami"/>
+        <a:font script="Taml" typeface="Latha"/>
+        <a:font script="Syrc" typeface="Estrangelo Edessa"/>
+        <a:font script="Orya" typeface="Kalinga"/>
+        <a:font script="Mlym" typeface="Kartika"/>
+        <a:font script="Laoo" typeface="DokChampa"/>
+        <a:font script="Sinh" typeface="Iskoola Pota"/>
+        <a:font script="Mong" typeface="Mongolian Baiti"/>
+        <a:font script="Viet" typeface="Times New Roman"/>
+        <a:font script="Uigh" typeface="Microsoft Uighur"/>
+        <a:font script="Geor" typeface="Sylfaen"/>
+        <a:font script="Armn" typeface="Arial"/>
+        <a:font script="Bugi" typeface="Leelawadee UI"/>
+        <a:font script="Bopo" typeface="Microsoft JhengHei"/>
+        <a:font script="Java" typeface="Javanese Text"/>
+        <a:font script="Lisu" typeface="Segoe UI"/>
+        <a:font script="Mymr" typeface="Myanmar Text"/>
+        <a:font script="Nkoo" typeface="Ebrima"/>
+        <a:font script="Olck" typeface="Nirmala UI"/>
+        <a:font script="Osma" typeface="Ebrima"/>
+        <a:font script="Phag" typeface="Phagspa"/>
+        <a:font script="Syrn" typeface="Estrangelo Edessa"/>
+        <a:font script="Syrj" typeface="Estrangelo Edessa"/>
+        <a:font script="Syre" typeface="Estrangelo Edessa"/>
+        <a:font script="Sora" typeface="Nirmala UI"/>
+        <a:font script="Tale" typeface="Microsoft Tai Le"/>
+        <a:font script="Talu" typeface="Microsoft New Tai Lue"/>
+        <a:font script="Tfng" typeface="Ebrima"/>
+      </a:majorFont>
+      <a:minorFont>
+        <a:latin typeface="Calibri" panose="020F0502020204030204"/>
+        <a:ea typeface=""/>
+        <a:cs typeface=""/>
+        <a:font script="Jpan" typeface="游ゴシック"/>
+        <a:font script="Hang" typeface="맑은 고딕"/>
+        <a:font script="Hans" typeface="等线"/>
+        <a:font script="Hant" typeface="新細明體"/>
+        <a:font script="Arab" typeface="Arial"/>
+        <a:font script="Hebr" typeface="Arial"/>
+        <a:font script="Thai" typeface="Cordia New"/>
+        <a:font script="Ethi" typeface="Nyala"/>
+        <a:font script="Beng" typeface="Vrinda"/>
+        <a:font script="Gujr" typeface="Shruti"/>
+        <a:font script="Khmr" typeface="DaunPenh"/>
+        <a:font script="Knda" typeface="Tunga"/>
+        <a:font script="Guru" typeface="Raavi"/>
+        <a:font script="Cans" typeface="Euphemia"/>
+        <a:font script="Cher" typeface="Plantagenet Cherokee"/>
+        <a:font script="Yiii" typeface="Microsoft Yi Baiti"/>
+        <a:font script="Tibt" typeface="Microsoft Himalaya"/>
+        <a:font script="Thaa" typeface="MV Boli"/>
+        <a:font script="Deva" typeface="Mangal"/>
+        <a:font script="Telu" typeface="Gautami"/>
+        <a:font script="Taml" typeface="Latha"/>
+        <a:font script="Syrc" typeface="Estrangelo Edessa"/>
+        <a:font script="Orya" typeface="Kalinga"/>
+        <a:font script="Mlym" typeface="Kartika"/>
+        <a:font script="Laoo" typeface="DokChampa"/>
+        <a:font script="Sinh" typeface="Iskoola Pota"/>
+        <a:font script="Mong" typeface="Mongolian Baiti"/>
+        <a:font script="Viet" typeface="Arial"/>
+        <a:font script="Uigh" typeface="Microsoft Uighur"/>
+        <a:font script="Geor" typeface="Sylfaen"/>
+        <a:font script="Armn" typeface="Arial"/>
+        <a:font script="Bugi" typeface="Leelawadee UI"/>
+        <a:font script="Bopo" typeface="Microsoft JhengHei"/>
+        <a:font script="Java" typeface="Javanese Text"/>
+        <a:font script="Lisu" typeface="Segoe UI"/>
+        <a:font script="Mymr" typeface="Myanmar Text"/>
+        <a:font script="Nkoo" typeface="Ebrima"/>
+        <a:font script="Olck" typeface="Nirmala UI"/>
+        <a:font script="Osma" typeface="Ebrima"/>
+        <a:font script="Phag" typeface="Phagspa"/>
+        <a:font script="Syrn" typeface="Estrangelo Edessa"/>
+        <a:font script="Syrj" typeface="Estrangelo Edessa"/>
+        <a:font script="Syre" typeface="Estrangelo Edessa"/>
+        <a:font script="Sora" typeface="Nirmala UI"/>
+        <a:font script="Tale" typeface="Microsoft Tai Le"/>
+        <a:font script="Talu" typeface="Microsoft New Tai Lue"/>
+        <a:font script="Tfng" typeface="Ebrima"/>
+      </a:minorFont>
+    </a:fontScheme>
+    <a:fmtScheme name="Office">
+      <a:fillStyleLst>
+        <a:solidFill>
+          <a:schemeClr val="phClr"/>
+        </a:solidFill>
+        <a:gradFill rotWithShape="1">
+          <a:gsLst>
+            <a:gs pos="0">
+              <a:schemeClr val="phClr">
+                <a:lumMod val="110000"/>
+                <a:satMod val="105000"/>
+                <a:tint val="67000"/>
+              </a:schemeClr>
+            </a:gs>
+            <a:gs pos="50000">
+              <a:schemeClr val="phClr">
+                <a:lumMod val="105000"/>
+                <a:satMod val="103000"/>
+                <a:tint val="73000"/>
+              </a:schemeClr>
+            </a:gs>
+            <a:gs pos="100000">
+              <a:schemeClr val="phClr">
+                <a:lumMod val="105000"/>
+                <a:satMod val="109000"/>
+                <a:tint val="81000"/>
+              </a:schemeClr>
+            </a:gs>
+          </a:gsLst>
+          <a:lin ang="5400000" scaled="0"/>
+        </a:gradFill>
+        <a:gradFill rotWithShape="1">
+          <a:gsLst>
+            <a:gs pos="0">
+              <a:schemeClr val="phClr">
+                <a:satMod val="103000"/>
+                <a:lumMod val="102000"/>
+                <a:tint val="94000"/>
+              </a:schemeClr>
+            </a:gs>
+            <a:gs pos="50000">
+              <a:schemeClr val="phClr">
+                <a:satMod val="110000"/>
+                <a:lumMod val="100000"/>
+                <a:shade val="100000"/>
+              </a:schemeClr>
+            </a:gs>
+            <a:gs pos="100000">
+              <a:schemeClr val="phClr">
+                <a:lumMod val="99000"/>
+                <a:satMod val="120000"/>
+                <a:shade val="78000"/>
+              </a:schemeClr>
+            </a:gs>
+          </a:gsLst>
+          <a:lin ang="5400000" scaled="0"/>
+        </a:gradFill>
+      </a:fillStyleLst>
+      <a:lnStyleLst>
+        <a:ln w="6350" cap="flat" cmpd="sng" algn="ctr">
+          <a:solidFill>
+            <a:schemeClr val="phClr"/>
+          </a:solidFill>
+          <a:prstDash val="solid"/>
+          <a:miter lim="800000"/>
+        </a:ln>
+        <a:ln w="12700" cap="flat" cmpd="sng" algn="ctr">
+          <a:solidFill>
+            <a:schemeClr val="phClr"/>
+          </a:solidFill>
+          <a:prstDash val="solid"/>
+          <a:miter lim="800000"/>
+        </a:ln>
+        <a:ln w="19050" cap="flat" cmpd="sng" algn="ctr">
+          <a:solidFill>
+            <a:schemeClr val="phClr"/>
+          </a:solidFill>
+          <a:prstDash val="solid"/>
+          <a:miter lim="800000"/>
+        </a:ln>
+      </a:lnStyleLst>
+      <a:effectStyleLst>
+        <a:effectStyle>
+          <a:effectLst/>
+        </a:effectStyle>
+        <a:effectStyle>
+          <a:effectLst/>
+        </a:effectStyle>
+        <a:effectStyle>
+          <a:effectLst>
+            <a:outerShdw blurRad="57150" dist="19050" dir="5400000" algn="ctr" rotWithShape="0">
+              <a:srgbClr val="000000">
+                <a:alpha val="63000"/>
+              </a:srgbClr>
+            </a:outerShdw>
+          </a:effectLst>
+        </a:effectStyle>
+      </a:effectStyleLst>
+      <a:bgFillStyleLst>
+        <a:solidFill>
+          <a:schemeClr val="phClr"/>
+        </a:solidFill>
+        <a:solidFill>
+          <a:schemeClr val="phClr">
+            <a:tint val="95000"/>
+            <a:satMod val="170000"/>
+          </a:schemeClr>
+        </a:solidFill>
+        <a:gradFill rotWithShape="1">
+          <a:gsLst>
+            <a:gs pos="0">
+              <a:schemeClr val="phClr">
+                <a:tint val="93000"/>
+                <a:satMod val="150000"/>
+                <a:shade val="98000"/>
+                <a:lumMod val="102000"/>
+              </a:schemeClr>
+            </a:gs>
+            <a:gs pos="50000">
+              <a:schemeClr val="phClr">
+                <a:tint val="98000"/>
+                <a:satMod val="130000"/>
+                <a:shade val="90000"/>
+                <a:lumMod val="103000"/>
+              </a:schemeClr>
+            </a:gs>
+            <a:gs pos="100000">
+              <a:schemeClr val="phClr">
+                <a:shade val="63000"/>
+                <a:satMod val="120000"/>
+              </a:schemeClr>
+            </a:gs>
+          </a:gsLst>
+          <a:lin ang="5400000" scaled="0"/>
+        </a:gradFill>
+      </a:bgFillStyleLst>
+    </a:fmtScheme>
+  </a:themeElements>
+  <a:objectDefaults/>
+  <a:extraClrSchemeLst/>
+  <a:extLst>
+    <a:ext uri="{05A4C25C-085E-4340-85A3-A5531E510DB2}">
+      <thm15:themeFamily xmlns:thm15="http://schemas.microsoft.com/office/thememl/2012/main" name="Office Theme" id="{62F939B6-93AF-4DB8-9C6B-D6C7DFDC589F}" vid="{4A3C46E8-61CC-4603-A589-7422A47A8E4A}"/>
+    </a:ext>
+  </a:extLst>
+</a:theme>
 </file>